--- a/screen/화면설계서_플래너(강준서).pptx
+++ b/screen/화면설계서_플래너(강준서).pptx
@@ -264,7 +264,7 @@
           <a:p>
             <a:fld id="{9074BD7F-5C0F-465C-A891-F87FEF347ABB}" type="datetimeFigureOut">
               <a:rPr lang="ko-KR" altLang="en-US" smtClean="0"/>
-              <a:t>2024-08-28</a:t>
+              <a:t>2024-08-29</a:t>
             </a:fld>
             <a:endParaRPr lang="ko-KR" altLang="en-US"/>
           </a:p>
@@ -462,7 +462,7 @@
           <a:p>
             <a:fld id="{9074BD7F-5C0F-465C-A891-F87FEF347ABB}" type="datetimeFigureOut">
               <a:rPr lang="ko-KR" altLang="en-US" smtClean="0"/>
-              <a:t>2024-08-28</a:t>
+              <a:t>2024-08-29</a:t>
             </a:fld>
             <a:endParaRPr lang="ko-KR" altLang="en-US"/>
           </a:p>
@@ -670,7 +670,7 @@
           <a:p>
             <a:fld id="{9074BD7F-5C0F-465C-A891-F87FEF347ABB}" type="datetimeFigureOut">
               <a:rPr lang="ko-KR" altLang="en-US" smtClean="0"/>
-              <a:t>2024-08-28</a:t>
+              <a:t>2024-08-29</a:t>
             </a:fld>
             <a:endParaRPr lang="ko-KR" altLang="en-US"/>
           </a:p>
@@ -868,7 +868,7 @@
           <a:p>
             <a:fld id="{9074BD7F-5C0F-465C-A891-F87FEF347ABB}" type="datetimeFigureOut">
               <a:rPr lang="ko-KR" altLang="en-US" smtClean="0"/>
-              <a:t>2024-08-28</a:t>
+              <a:t>2024-08-29</a:t>
             </a:fld>
             <a:endParaRPr lang="ko-KR" altLang="en-US"/>
           </a:p>
@@ -1143,7 +1143,7 @@
           <a:p>
             <a:fld id="{9074BD7F-5C0F-465C-A891-F87FEF347ABB}" type="datetimeFigureOut">
               <a:rPr lang="ko-KR" altLang="en-US" smtClean="0"/>
-              <a:t>2024-08-28</a:t>
+              <a:t>2024-08-29</a:t>
             </a:fld>
             <a:endParaRPr lang="ko-KR" altLang="en-US"/>
           </a:p>
@@ -1408,7 +1408,7 @@
           <a:p>
             <a:fld id="{9074BD7F-5C0F-465C-A891-F87FEF347ABB}" type="datetimeFigureOut">
               <a:rPr lang="ko-KR" altLang="en-US" smtClean="0"/>
-              <a:t>2024-08-28</a:t>
+              <a:t>2024-08-29</a:t>
             </a:fld>
             <a:endParaRPr lang="ko-KR" altLang="en-US"/>
           </a:p>
@@ -1820,7 +1820,7 @@
           <a:p>
             <a:fld id="{9074BD7F-5C0F-465C-A891-F87FEF347ABB}" type="datetimeFigureOut">
               <a:rPr lang="ko-KR" altLang="en-US" smtClean="0"/>
-              <a:t>2024-08-28</a:t>
+              <a:t>2024-08-29</a:t>
             </a:fld>
             <a:endParaRPr lang="ko-KR" altLang="en-US"/>
           </a:p>
@@ -1961,7 +1961,7 @@
           <a:p>
             <a:fld id="{9074BD7F-5C0F-465C-A891-F87FEF347ABB}" type="datetimeFigureOut">
               <a:rPr lang="ko-KR" altLang="en-US" smtClean="0"/>
-              <a:t>2024-08-28</a:t>
+              <a:t>2024-08-29</a:t>
             </a:fld>
             <a:endParaRPr lang="ko-KR" altLang="en-US"/>
           </a:p>
@@ -2074,7 +2074,7 @@
           <a:p>
             <a:fld id="{9074BD7F-5C0F-465C-A891-F87FEF347ABB}" type="datetimeFigureOut">
               <a:rPr lang="ko-KR" altLang="en-US" smtClean="0"/>
-              <a:t>2024-08-28</a:t>
+              <a:t>2024-08-29</a:t>
             </a:fld>
             <a:endParaRPr lang="ko-KR" altLang="en-US"/>
           </a:p>
@@ -2385,7 +2385,7 @@
           <a:p>
             <a:fld id="{9074BD7F-5C0F-465C-A891-F87FEF347ABB}" type="datetimeFigureOut">
               <a:rPr lang="ko-KR" altLang="en-US" smtClean="0"/>
-              <a:t>2024-08-28</a:t>
+              <a:t>2024-08-29</a:t>
             </a:fld>
             <a:endParaRPr lang="ko-KR" altLang="en-US"/>
           </a:p>
@@ -2673,7 +2673,7 @@
           <a:p>
             <a:fld id="{9074BD7F-5C0F-465C-A891-F87FEF347ABB}" type="datetimeFigureOut">
               <a:rPr lang="ko-KR" altLang="en-US" smtClean="0"/>
-              <a:t>2024-08-28</a:t>
+              <a:t>2024-08-29</a:t>
             </a:fld>
             <a:endParaRPr lang="ko-KR" altLang="en-US"/>
           </a:p>
@@ -2914,7 +2914,7 @@
           <a:p>
             <a:fld id="{9074BD7F-5C0F-465C-A891-F87FEF347ABB}" type="datetimeFigureOut">
               <a:rPr lang="ko-KR" altLang="en-US" smtClean="0"/>
-              <a:t>2024-08-28</a:t>
+              <a:t>2024-08-29</a:t>
             </a:fld>
             <a:endParaRPr lang="ko-KR" altLang="en-US"/>
           </a:p>
@@ -3572,7 +3572,7 @@
             </a:r>
             <a:r>
               <a:rPr lang="en-US" altLang="ko-KR" sz="3200" dirty="0"/>
-              <a:t>(P000001)</a:t>
+              <a:t>(P01)</a:t>
             </a:r>
             <a:endParaRPr lang="ko-KR" altLang="en-US" sz="3200" dirty="0"/>
           </a:p>
@@ -4653,8 +4653,8 @@
         </p:blipFill>
         <p:spPr>
           <a:xfrm>
-            <a:off x="2685572" y="2767492"/>
-            <a:ext cx="2880341" cy="922605"/>
+            <a:off x="2699506" y="2767492"/>
+            <a:ext cx="2866408" cy="922605"/>
           </a:xfrm>
           <a:prstGeom prst="rect">
             <a:avLst/>
@@ -4923,7 +4923,7 @@
             </a:r>
             <a:r>
               <a:rPr lang="en-US" altLang="ko-KR" sz="3200" dirty="0"/>
-              <a:t>(P000002)</a:t>
+              <a:t>(P02)</a:t>
             </a:r>
             <a:endParaRPr lang="ko-KR" altLang="en-US" sz="3200" dirty="0"/>
           </a:p>
@@ -6914,7 +6914,7 @@
             </a:r>
             <a:r>
               <a:rPr lang="en-US" altLang="ko-KR" sz="3200" dirty="0"/>
-              <a:t>(P000003)</a:t>
+              <a:t>(P03)</a:t>
             </a:r>
             <a:endParaRPr lang="ko-KR" altLang="en-US" sz="3200" dirty="0"/>
           </a:p>
@@ -9213,7 +9213,7 @@
             </a:r>
             <a:r>
               <a:rPr lang="en-US" altLang="ko-KR" sz="3200" dirty="0"/>
-              <a:t>(P000004)</a:t>
+              <a:t>(P04)</a:t>
             </a:r>
             <a:endParaRPr lang="ko-KR" altLang="en-US" sz="3200" dirty="0"/>
           </a:p>
@@ -12174,7 +12174,7 @@
             </a:r>
             <a:r>
               <a:rPr lang="en-US" altLang="ko-KR" sz="3200" dirty="0"/>
-              <a:t>(P000005)</a:t>
+              <a:t>(P05)</a:t>
             </a:r>
             <a:endParaRPr lang="ko-KR" altLang="en-US" sz="3200" dirty="0"/>
           </a:p>
@@ -14389,42 +14389,6 @@
           </a:p>
         </p:txBody>
       </p:sp>
-      <p:pic>
-        <p:nvPicPr>
-          <p:cNvPr id="78" name="그림 77">
-            <a:extLst>
-              <a:ext uri="{FF2B5EF4-FFF2-40B4-BE49-F238E27FC236}">
-                <a16:creationId xmlns:a16="http://schemas.microsoft.com/office/drawing/2014/main" id="{D495D043-7F80-4009-AB72-6372C94D793F}"/>
-              </a:ext>
-            </a:extLst>
-          </p:cNvPr>
-          <p:cNvPicPr>
-            <a:picLocks noChangeAspect="1"/>
-          </p:cNvPicPr>
-          <p:nvPr/>
-        </p:nvPicPr>
-        <p:blipFill>
-          <a:blip r:embed="rId3">
-            <a:extLst>
-              <a:ext uri="{28A0092B-C50C-407E-A947-70E740481C1C}">
-                <a14:useLocalDpi xmlns:a14="http://schemas.microsoft.com/office/drawing/2010/main" val="0"/>
-              </a:ext>
-            </a:extLst>
-          </a:blip>
-          <a:stretch>
-            <a:fillRect/>
-          </a:stretch>
-        </p:blipFill>
-        <p:spPr>
-          <a:xfrm>
-            <a:off x="4882557" y="5732760"/>
-            <a:ext cx="125502" cy="106909"/>
-          </a:xfrm>
-          <a:prstGeom prst="rect">
-            <a:avLst/>
-          </a:prstGeom>
-        </p:spPr>
-      </p:pic>
       <p:sp>
         <p:nvSpPr>
           <p:cNvPr id="80" name="TextBox 79">

--- a/screen/화면설계서_플래너(강준서).pptx
+++ b/screen/화면설계서_플래너(강준서).pptx
@@ -11,11 +11,13 @@
     <p:sldId id="262" r:id="rId5"/>
     <p:sldId id="263" r:id="rId6"/>
     <p:sldId id="266" r:id="rId7"/>
-    <p:sldId id="259" r:id="rId8"/>
-    <p:sldId id="264" r:id="rId9"/>
-    <p:sldId id="265" r:id="rId10"/>
-    <p:sldId id="260" r:id="rId11"/>
-    <p:sldId id="261" r:id="rId12"/>
+    <p:sldId id="267" r:id="rId8"/>
+    <p:sldId id="259" r:id="rId9"/>
+    <p:sldId id="268" r:id="rId10"/>
+    <p:sldId id="264" r:id="rId11"/>
+    <p:sldId id="265" r:id="rId12"/>
+    <p:sldId id="260" r:id="rId13"/>
+    <p:sldId id="261" r:id="rId14"/>
   </p:sldIdLst>
   <p:sldSz cx="12192000" cy="6858000"/>
   <p:notesSz cx="6858000" cy="9144000"/>
@@ -269,7 +271,7 @@
           <a:p>
             <a:fld id="{9074BD7F-5C0F-465C-A891-F87FEF347ABB}" type="datetimeFigureOut">
               <a:rPr lang="ko-KR" altLang="en-US" smtClean="0"/>
-              <a:t>2024-09-10</a:t>
+              <a:t>2024-09-20</a:t>
             </a:fld>
             <a:endParaRPr lang="ko-KR" altLang="en-US"/>
           </a:p>
@@ -467,7 +469,7 @@
           <a:p>
             <a:fld id="{9074BD7F-5C0F-465C-A891-F87FEF347ABB}" type="datetimeFigureOut">
               <a:rPr lang="ko-KR" altLang="en-US" smtClean="0"/>
-              <a:t>2024-09-10</a:t>
+              <a:t>2024-09-20</a:t>
             </a:fld>
             <a:endParaRPr lang="ko-KR" altLang="en-US"/>
           </a:p>
@@ -675,7 +677,7 @@
           <a:p>
             <a:fld id="{9074BD7F-5C0F-465C-A891-F87FEF347ABB}" type="datetimeFigureOut">
               <a:rPr lang="ko-KR" altLang="en-US" smtClean="0"/>
-              <a:t>2024-09-10</a:t>
+              <a:t>2024-09-20</a:t>
             </a:fld>
             <a:endParaRPr lang="ko-KR" altLang="en-US"/>
           </a:p>
@@ -873,7 +875,7 @@
           <a:p>
             <a:fld id="{9074BD7F-5C0F-465C-A891-F87FEF347ABB}" type="datetimeFigureOut">
               <a:rPr lang="ko-KR" altLang="en-US" smtClean="0"/>
-              <a:t>2024-09-10</a:t>
+              <a:t>2024-09-20</a:t>
             </a:fld>
             <a:endParaRPr lang="ko-KR" altLang="en-US"/>
           </a:p>
@@ -1148,7 +1150,7 @@
           <a:p>
             <a:fld id="{9074BD7F-5C0F-465C-A891-F87FEF347ABB}" type="datetimeFigureOut">
               <a:rPr lang="ko-KR" altLang="en-US" smtClean="0"/>
-              <a:t>2024-09-10</a:t>
+              <a:t>2024-09-20</a:t>
             </a:fld>
             <a:endParaRPr lang="ko-KR" altLang="en-US"/>
           </a:p>
@@ -1413,7 +1415,7 @@
           <a:p>
             <a:fld id="{9074BD7F-5C0F-465C-A891-F87FEF347ABB}" type="datetimeFigureOut">
               <a:rPr lang="ko-KR" altLang="en-US" smtClean="0"/>
-              <a:t>2024-09-10</a:t>
+              <a:t>2024-09-20</a:t>
             </a:fld>
             <a:endParaRPr lang="ko-KR" altLang="en-US"/>
           </a:p>
@@ -1825,7 +1827,7 @@
           <a:p>
             <a:fld id="{9074BD7F-5C0F-465C-A891-F87FEF347ABB}" type="datetimeFigureOut">
               <a:rPr lang="ko-KR" altLang="en-US" smtClean="0"/>
-              <a:t>2024-09-10</a:t>
+              <a:t>2024-09-20</a:t>
             </a:fld>
             <a:endParaRPr lang="ko-KR" altLang="en-US"/>
           </a:p>
@@ -1966,7 +1968,7 @@
           <a:p>
             <a:fld id="{9074BD7F-5C0F-465C-A891-F87FEF347ABB}" type="datetimeFigureOut">
               <a:rPr lang="ko-KR" altLang="en-US" smtClean="0"/>
-              <a:t>2024-09-10</a:t>
+              <a:t>2024-09-20</a:t>
             </a:fld>
             <a:endParaRPr lang="ko-KR" altLang="en-US"/>
           </a:p>
@@ -2079,7 +2081,7 @@
           <a:p>
             <a:fld id="{9074BD7F-5C0F-465C-A891-F87FEF347ABB}" type="datetimeFigureOut">
               <a:rPr lang="ko-KR" altLang="en-US" smtClean="0"/>
-              <a:t>2024-09-10</a:t>
+              <a:t>2024-09-20</a:t>
             </a:fld>
             <a:endParaRPr lang="ko-KR" altLang="en-US"/>
           </a:p>
@@ -2390,7 +2392,7 @@
           <a:p>
             <a:fld id="{9074BD7F-5C0F-465C-A891-F87FEF347ABB}" type="datetimeFigureOut">
               <a:rPr lang="ko-KR" altLang="en-US" smtClean="0"/>
-              <a:t>2024-09-10</a:t>
+              <a:t>2024-09-20</a:t>
             </a:fld>
             <a:endParaRPr lang="ko-KR" altLang="en-US"/>
           </a:p>
@@ -2678,7 +2680,7 @@
           <a:p>
             <a:fld id="{9074BD7F-5C0F-465C-A891-F87FEF347ABB}" type="datetimeFigureOut">
               <a:rPr lang="ko-KR" altLang="en-US" smtClean="0"/>
-              <a:t>2024-09-10</a:t>
+              <a:t>2024-09-20</a:t>
             </a:fld>
             <a:endParaRPr lang="ko-KR" altLang="en-US"/>
           </a:p>
@@ -2919,7 +2921,7 @@
           <a:p>
             <a:fld id="{9074BD7F-5C0F-465C-A891-F87FEF347ABB}" type="datetimeFigureOut">
               <a:rPr lang="ko-KR" altLang="en-US" smtClean="0"/>
-              <a:t>2024-09-10</a:t>
+              <a:t>2024-09-20</a:t>
             </a:fld>
             <a:endParaRPr lang="ko-KR" altLang="en-US"/>
           </a:p>
@@ -3425,6 +3427,4846 @@
       </p:grpSpPr>
       <p:sp>
         <p:nvSpPr>
+          <p:cNvPr id="2" name="제목 1">
+            <a:extLst>
+              <a:ext uri="{FF2B5EF4-FFF2-40B4-BE49-F238E27FC236}">
+                <a16:creationId xmlns:a16="http://schemas.microsoft.com/office/drawing/2014/main" id="{FCCE6D91-A4D2-4BF6-A581-D9066427D24C}"/>
+              </a:ext>
+            </a:extLst>
+          </p:cNvPr>
+          <p:cNvSpPr>
+            <a:spLocks noGrp="1"/>
+          </p:cNvSpPr>
+          <p:nvPr>
+            <p:ph type="title"/>
+          </p:nvPr>
+        </p:nvSpPr>
+        <p:spPr>
+          <a:xfrm>
+            <a:off x="326571" y="365126"/>
+            <a:ext cx="11569960" cy="557664"/>
+          </a:xfrm>
+          <a:ln>
+            <a:solidFill>
+              <a:schemeClr val="tx1"/>
+            </a:solidFill>
+          </a:ln>
+        </p:spPr>
+        <p:txBody>
+          <a:bodyPr>
+            <a:normAutofit/>
+          </a:bodyPr>
+          <a:lstStyle/>
+          <a:p>
+            <a:r>
+              <a:rPr lang="ko-KR" altLang="en-US" sz="3200" dirty="0" err="1"/>
+              <a:t>플래너</a:t>
+            </a:r>
+            <a:r>
+              <a:rPr lang="ko-KR" altLang="en-US" sz="3200" dirty="0"/>
+              <a:t> 작성 화면 </a:t>
+            </a:r>
+            <a:r>
+              <a:rPr lang="en-US" altLang="ko-KR" sz="3200" dirty="0"/>
+              <a:t>(P03)</a:t>
+            </a:r>
+            <a:endParaRPr lang="ko-KR" altLang="en-US" sz="3200" dirty="0"/>
+          </a:p>
+        </p:txBody>
+      </p:sp>
+      <p:sp>
+        <p:nvSpPr>
+          <p:cNvPr id="4" name="직사각형 3">
+            <a:extLst>
+              <a:ext uri="{FF2B5EF4-FFF2-40B4-BE49-F238E27FC236}">
+                <a16:creationId xmlns:a16="http://schemas.microsoft.com/office/drawing/2014/main" id="{4CC9D6AE-AA2A-4625-A882-B479931C112C}"/>
+              </a:ext>
+            </a:extLst>
+          </p:cNvPr>
+          <p:cNvSpPr/>
+          <p:nvPr/>
+        </p:nvSpPr>
+        <p:spPr>
+          <a:xfrm>
+            <a:off x="326571" y="1045029"/>
+            <a:ext cx="11569960" cy="5346441"/>
+          </a:xfrm>
+          <a:prstGeom prst="rect">
+            <a:avLst/>
+          </a:prstGeom>
+          <a:noFill/>
+        </p:spPr>
+        <p:style>
+          <a:lnRef idx="2">
+            <a:schemeClr val="accent1">
+              <a:shade val="50000"/>
+            </a:schemeClr>
+          </a:lnRef>
+          <a:fillRef idx="1">
+            <a:schemeClr val="accent1"/>
+          </a:fillRef>
+          <a:effectRef idx="0">
+            <a:schemeClr val="accent1"/>
+          </a:effectRef>
+          <a:fontRef idx="minor">
+            <a:schemeClr val="lt1"/>
+          </a:fontRef>
+        </p:style>
+        <p:txBody>
+          <a:bodyPr rtlCol="0" anchor="ctr"/>
+          <a:lstStyle/>
+          <a:p>
+            <a:pPr algn="ctr"/>
+            <a:endParaRPr lang="ko-KR" altLang="en-US"/>
+          </a:p>
+        </p:txBody>
+      </p:sp>
+      <p:sp>
+        <p:nvSpPr>
+          <p:cNvPr id="3" name="직사각형 2">
+            <a:extLst>
+              <a:ext uri="{FF2B5EF4-FFF2-40B4-BE49-F238E27FC236}">
+                <a16:creationId xmlns:a16="http://schemas.microsoft.com/office/drawing/2014/main" id="{9F9E5247-5104-4622-9E8B-74FBFB9560EC}"/>
+              </a:ext>
+            </a:extLst>
+          </p:cNvPr>
+          <p:cNvSpPr/>
+          <p:nvPr/>
+        </p:nvSpPr>
+        <p:spPr>
+          <a:xfrm>
+            <a:off x="326571" y="1045029"/>
+            <a:ext cx="1062614" cy="5346441"/>
+          </a:xfrm>
+          <a:prstGeom prst="rect">
+            <a:avLst/>
+          </a:prstGeom>
+          <a:solidFill>
+            <a:schemeClr val="tx2">
+              <a:lumMod val="60000"/>
+              <a:lumOff val="40000"/>
+            </a:schemeClr>
+          </a:solidFill>
+        </p:spPr>
+        <p:style>
+          <a:lnRef idx="2">
+            <a:schemeClr val="accent1">
+              <a:shade val="50000"/>
+            </a:schemeClr>
+          </a:lnRef>
+          <a:fillRef idx="1">
+            <a:schemeClr val="accent1"/>
+          </a:fillRef>
+          <a:effectRef idx="0">
+            <a:schemeClr val="accent1"/>
+          </a:effectRef>
+          <a:fontRef idx="minor">
+            <a:schemeClr val="lt1"/>
+          </a:fontRef>
+        </p:style>
+        <p:txBody>
+          <a:bodyPr rtlCol="0" anchor="ctr"/>
+          <a:lstStyle/>
+          <a:p>
+            <a:pPr algn="ctr"/>
+            <a:endParaRPr lang="ko-KR" altLang="en-US"/>
+          </a:p>
+        </p:txBody>
+      </p:sp>
+      <p:sp>
+        <p:nvSpPr>
+          <p:cNvPr id="5" name="직사각형 4">
+            <a:extLst>
+              <a:ext uri="{FF2B5EF4-FFF2-40B4-BE49-F238E27FC236}">
+                <a16:creationId xmlns:a16="http://schemas.microsoft.com/office/drawing/2014/main" id="{CA4227B1-E9FB-4B31-A17B-D9735800D13E}"/>
+              </a:ext>
+            </a:extLst>
+          </p:cNvPr>
+          <p:cNvSpPr/>
+          <p:nvPr/>
+        </p:nvSpPr>
+        <p:spPr>
+          <a:xfrm>
+            <a:off x="1389185" y="1045029"/>
+            <a:ext cx="2455984" cy="660679"/>
+          </a:xfrm>
+          <a:prstGeom prst="rect">
+            <a:avLst/>
+          </a:prstGeom>
+          <a:solidFill>
+            <a:schemeClr val="bg1">
+              <a:lumMod val="85000"/>
+            </a:schemeClr>
+          </a:solidFill>
+        </p:spPr>
+        <p:style>
+          <a:lnRef idx="2">
+            <a:schemeClr val="accent1">
+              <a:shade val="50000"/>
+            </a:schemeClr>
+          </a:lnRef>
+          <a:fillRef idx="1">
+            <a:schemeClr val="accent1"/>
+          </a:fillRef>
+          <a:effectRef idx="0">
+            <a:schemeClr val="accent1"/>
+          </a:effectRef>
+          <a:fontRef idx="minor">
+            <a:schemeClr val="lt1"/>
+          </a:fontRef>
+        </p:style>
+        <p:txBody>
+          <a:bodyPr rtlCol="0" anchor="ctr"/>
+          <a:lstStyle/>
+          <a:p>
+            <a:pPr algn="ctr"/>
+            <a:r>
+              <a:rPr lang="en-US" altLang="ko-KR" dirty="0">
+                <a:solidFill>
+                  <a:schemeClr val="tx1"/>
+                </a:solidFill>
+              </a:rPr>
+              <a:t>1</a:t>
+            </a:r>
+            <a:r>
+              <a:rPr lang="ko-KR" altLang="en-US" dirty="0">
+                <a:solidFill>
+                  <a:schemeClr val="tx1"/>
+                </a:solidFill>
+              </a:rPr>
+              <a:t>일차 </a:t>
+            </a:r>
+            <a:r>
+              <a:rPr lang="en-US" altLang="ko-KR" dirty="0">
+                <a:solidFill>
+                  <a:schemeClr val="tx1"/>
+                </a:solidFill>
+              </a:rPr>
+              <a:t>| </a:t>
+            </a:r>
+            <a:r>
+              <a:rPr lang="en-US" altLang="ko-KR" sz="1600" dirty="0">
+                <a:solidFill>
+                  <a:schemeClr val="tx1"/>
+                </a:solidFill>
+              </a:rPr>
+              <a:t>xx. xx . xx (</a:t>
+            </a:r>
+            <a:r>
+              <a:rPr lang="ko-KR" altLang="en-US" sz="1600" dirty="0">
+                <a:solidFill>
+                  <a:schemeClr val="tx1"/>
+                </a:solidFill>
+              </a:rPr>
+              <a:t>요일</a:t>
+            </a:r>
+            <a:r>
+              <a:rPr lang="en-US" altLang="ko-KR" sz="1600" dirty="0">
+                <a:solidFill>
+                  <a:schemeClr val="tx1"/>
+                </a:solidFill>
+              </a:rPr>
+              <a:t>)</a:t>
+            </a:r>
+            <a:endParaRPr lang="ko-KR" altLang="en-US" sz="1600" dirty="0">
+              <a:solidFill>
+                <a:schemeClr val="tx1"/>
+              </a:solidFill>
+            </a:endParaRPr>
+          </a:p>
+        </p:txBody>
+      </p:sp>
+      <p:sp>
+        <p:nvSpPr>
+          <p:cNvPr id="6" name="직사각형 5">
+            <a:extLst>
+              <a:ext uri="{FF2B5EF4-FFF2-40B4-BE49-F238E27FC236}">
+                <a16:creationId xmlns:a16="http://schemas.microsoft.com/office/drawing/2014/main" id="{6E0B0DDD-112D-48A0-A24B-550307356E0D}"/>
+              </a:ext>
+            </a:extLst>
+          </p:cNvPr>
+          <p:cNvSpPr/>
+          <p:nvPr/>
+        </p:nvSpPr>
+        <p:spPr>
+          <a:xfrm>
+            <a:off x="3845169" y="1045029"/>
+            <a:ext cx="2661139" cy="5346441"/>
+          </a:xfrm>
+          <a:prstGeom prst="rect">
+            <a:avLst/>
+          </a:prstGeom>
+          <a:solidFill>
+            <a:schemeClr val="bg1"/>
+          </a:solidFill>
+        </p:spPr>
+        <p:style>
+          <a:lnRef idx="2">
+            <a:schemeClr val="accent1">
+              <a:shade val="50000"/>
+            </a:schemeClr>
+          </a:lnRef>
+          <a:fillRef idx="1">
+            <a:schemeClr val="accent1"/>
+          </a:fillRef>
+          <a:effectRef idx="0">
+            <a:schemeClr val="accent1"/>
+          </a:effectRef>
+          <a:fontRef idx="minor">
+            <a:schemeClr val="lt1"/>
+          </a:fontRef>
+        </p:style>
+        <p:txBody>
+          <a:bodyPr rtlCol="0" anchor="ctr"/>
+          <a:lstStyle/>
+          <a:p>
+            <a:pPr algn="ctr"/>
+            <a:endParaRPr lang="ko-KR" altLang="en-US" dirty="0"/>
+          </a:p>
+        </p:txBody>
+      </p:sp>
+      <p:sp>
+        <p:nvSpPr>
+          <p:cNvPr id="7" name="직사각형 6">
+            <a:extLst>
+              <a:ext uri="{FF2B5EF4-FFF2-40B4-BE49-F238E27FC236}">
+                <a16:creationId xmlns:a16="http://schemas.microsoft.com/office/drawing/2014/main" id="{CD3C1418-6DF1-4207-8011-89D6694FBA60}"/>
+              </a:ext>
+            </a:extLst>
+          </p:cNvPr>
+          <p:cNvSpPr/>
+          <p:nvPr/>
+        </p:nvSpPr>
+        <p:spPr>
+          <a:xfrm>
+            <a:off x="326571" y="1045029"/>
+            <a:ext cx="1062614" cy="660679"/>
+          </a:xfrm>
+          <a:prstGeom prst="rect">
+            <a:avLst/>
+          </a:prstGeom>
+          <a:solidFill>
+            <a:schemeClr val="tx2">
+              <a:lumMod val="60000"/>
+              <a:lumOff val="40000"/>
+            </a:schemeClr>
+          </a:solidFill>
+        </p:spPr>
+        <p:style>
+          <a:lnRef idx="2">
+            <a:schemeClr val="accent1">
+              <a:shade val="50000"/>
+            </a:schemeClr>
+          </a:lnRef>
+          <a:fillRef idx="1">
+            <a:schemeClr val="accent1"/>
+          </a:fillRef>
+          <a:effectRef idx="0">
+            <a:schemeClr val="accent1"/>
+          </a:effectRef>
+          <a:fontRef idx="minor">
+            <a:schemeClr val="lt1"/>
+          </a:fontRef>
+        </p:style>
+        <p:txBody>
+          <a:bodyPr rtlCol="0" anchor="ctr"/>
+          <a:lstStyle/>
+          <a:p>
+            <a:pPr algn="ctr"/>
+            <a:r>
+              <a:rPr lang="ko-KR" altLang="en-US" dirty="0"/>
+              <a:t>일정</a:t>
+            </a:r>
+          </a:p>
+        </p:txBody>
+      </p:sp>
+      <p:sp>
+        <p:nvSpPr>
+          <p:cNvPr id="8" name="직사각형 7">
+            <a:extLst>
+              <a:ext uri="{FF2B5EF4-FFF2-40B4-BE49-F238E27FC236}">
+                <a16:creationId xmlns:a16="http://schemas.microsoft.com/office/drawing/2014/main" id="{DAD6D70A-B387-4C0B-9454-310587EEDE58}"/>
+              </a:ext>
+            </a:extLst>
+          </p:cNvPr>
+          <p:cNvSpPr/>
+          <p:nvPr/>
+        </p:nvSpPr>
+        <p:spPr>
+          <a:xfrm>
+            <a:off x="326571" y="1705708"/>
+            <a:ext cx="1062614" cy="849923"/>
+          </a:xfrm>
+          <a:prstGeom prst="rect">
+            <a:avLst/>
+          </a:prstGeom>
+          <a:solidFill>
+            <a:schemeClr val="tx2">
+              <a:lumMod val="75000"/>
+            </a:schemeClr>
+          </a:solidFill>
+        </p:spPr>
+        <p:style>
+          <a:lnRef idx="2">
+            <a:schemeClr val="accent1">
+              <a:shade val="50000"/>
+            </a:schemeClr>
+          </a:lnRef>
+          <a:fillRef idx="1">
+            <a:schemeClr val="accent1"/>
+          </a:fillRef>
+          <a:effectRef idx="0">
+            <a:schemeClr val="accent1"/>
+          </a:effectRef>
+          <a:fontRef idx="minor">
+            <a:schemeClr val="lt1"/>
+          </a:fontRef>
+        </p:style>
+        <p:txBody>
+          <a:bodyPr rtlCol="0" anchor="ctr"/>
+          <a:lstStyle/>
+          <a:p>
+            <a:pPr algn="ctr"/>
+            <a:r>
+              <a:rPr lang="en-US" altLang="ko-KR" dirty="0"/>
+              <a:t>xx . xx</a:t>
+            </a:r>
+          </a:p>
+          <a:p>
+            <a:pPr algn="ctr"/>
+            <a:r>
+              <a:rPr lang="en-US" altLang="ko-KR" dirty="0"/>
+              <a:t>(</a:t>
+            </a:r>
+            <a:r>
+              <a:rPr lang="ko-KR" altLang="en-US" dirty="0"/>
+              <a:t>요일</a:t>
+            </a:r>
+            <a:r>
+              <a:rPr lang="en-US" altLang="ko-KR" dirty="0"/>
+              <a:t>)</a:t>
+            </a:r>
+            <a:endParaRPr lang="ko-KR" altLang="en-US" dirty="0"/>
+          </a:p>
+        </p:txBody>
+      </p:sp>
+      <p:sp>
+        <p:nvSpPr>
+          <p:cNvPr id="9" name="직사각형 8">
+            <a:extLst>
+              <a:ext uri="{FF2B5EF4-FFF2-40B4-BE49-F238E27FC236}">
+                <a16:creationId xmlns:a16="http://schemas.microsoft.com/office/drawing/2014/main" id="{6A85FA1C-D58D-4B80-9E4E-549BB0E62829}"/>
+              </a:ext>
+            </a:extLst>
+          </p:cNvPr>
+          <p:cNvSpPr/>
+          <p:nvPr/>
+        </p:nvSpPr>
+        <p:spPr>
+          <a:xfrm>
+            <a:off x="326571" y="2555631"/>
+            <a:ext cx="1062614" cy="849923"/>
+          </a:xfrm>
+          <a:prstGeom prst="rect">
+            <a:avLst/>
+          </a:prstGeom>
+          <a:solidFill>
+            <a:schemeClr val="tx2">
+              <a:lumMod val="60000"/>
+              <a:lumOff val="40000"/>
+            </a:schemeClr>
+          </a:solidFill>
+        </p:spPr>
+        <p:style>
+          <a:lnRef idx="2">
+            <a:schemeClr val="accent1">
+              <a:shade val="50000"/>
+            </a:schemeClr>
+          </a:lnRef>
+          <a:fillRef idx="1">
+            <a:schemeClr val="accent1"/>
+          </a:fillRef>
+          <a:effectRef idx="0">
+            <a:schemeClr val="accent1"/>
+          </a:effectRef>
+          <a:fontRef idx="minor">
+            <a:schemeClr val="lt1"/>
+          </a:fontRef>
+        </p:style>
+        <p:txBody>
+          <a:bodyPr rtlCol="0" anchor="ctr"/>
+          <a:lstStyle/>
+          <a:p>
+            <a:pPr algn="ctr"/>
+            <a:r>
+              <a:rPr lang="en-US" altLang="ko-KR" dirty="0"/>
+              <a:t>xx . xx</a:t>
+            </a:r>
+          </a:p>
+          <a:p>
+            <a:pPr algn="ctr"/>
+            <a:r>
+              <a:rPr lang="en-US" altLang="ko-KR" dirty="0"/>
+              <a:t>(</a:t>
+            </a:r>
+            <a:r>
+              <a:rPr lang="ko-KR" altLang="en-US" dirty="0"/>
+              <a:t>요일</a:t>
+            </a:r>
+            <a:r>
+              <a:rPr lang="en-US" altLang="ko-KR" dirty="0"/>
+              <a:t>)</a:t>
+            </a:r>
+            <a:endParaRPr lang="ko-KR" altLang="en-US" dirty="0"/>
+          </a:p>
+        </p:txBody>
+      </p:sp>
+      <p:sp>
+        <p:nvSpPr>
+          <p:cNvPr id="10" name="TextBox 9">
+            <a:extLst>
+              <a:ext uri="{FF2B5EF4-FFF2-40B4-BE49-F238E27FC236}">
+                <a16:creationId xmlns:a16="http://schemas.microsoft.com/office/drawing/2014/main" id="{11168070-481B-4A3E-9CA6-ED1D3AEE3ABD}"/>
+              </a:ext>
+            </a:extLst>
+          </p:cNvPr>
+          <p:cNvSpPr txBox="1"/>
+          <p:nvPr/>
+        </p:nvSpPr>
+        <p:spPr>
+          <a:xfrm>
+            <a:off x="739897" y="3527793"/>
+            <a:ext cx="235962" cy="923330"/>
+          </a:xfrm>
+          <a:prstGeom prst="rect">
+            <a:avLst/>
+          </a:prstGeom>
+          <a:noFill/>
+        </p:spPr>
+        <p:txBody>
+          <a:bodyPr wrap="none" rtlCol="0">
+            <a:spAutoFit/>
+          </a:bodyPr>
+          <a:lstStyle/>
+          <a:p>
+            <a:r>
+              <a:rPr lang="en-US" altLang="ko-KR" dirty="0">
+                <a:solidFill>
+                  <a:schemeClr val="bg1"/>
+                </a:solidFill>
+              </a:rPr>
+              <a:t>.</a:t>
+            </a:r>
+          </a:p>
+          <a:p>
+            <a:r>
+              <a:rPr lang="en-US" altLang="ko-KR" dirty="0">
+                <a:solidFill>
+                  <a:schemeClr val="bg1"/>
+                </a:solidFill>
+              </a:rPr>
+              <a:t>.</a:t>
+            </a:r>
+          </a:p>
+          <a:p>
+            <a:r>
+              <a:rPr lang="en-US" altLang="ko-KR" dirty="0">
+                <a:solidFill>
+                  <a:schemeClr val="bg1"/>
+                </a:solidFill>
+              </a:rPr>
+              <a:t>.</a:t>
+            </a:r>
+            <a:endParaRPr lang="ko-KR" altLang="en-US" dirty="0">
+              <a:solidFill>
+                <a:schemeClr val="bg1"/>
+              </a:solidFill>
+            </a:endParaRPr>
+          </a:p>
+        </p:txBody>
+      </p:sp>
+      <p:sp>
+        <p:nvSpPr>
+          <p:cNvPr id="39" name="직사각형 38">
+            <a:extLst>
+              <a:ext uri="{FF2B5EF4-FFF2-40B4-BE49-F238E27FC236}">
+                <a16:creationId xmlns:a16="http://schemas.microsoft.com/office/drawing/2014/main" id="{483B05D1-64D9-489C-9949-2D21AB5E92A6}"/>
+              </a:ext>
+            </a:extLst>
+          </p:cNvPr>
+          <p:cNvSpPr/>
+          <p:nvPr/>
+        </p:nvSpPr>
+        <p:spPr>
+          <a:xfrm>
+            <a:off x="327914" y="4525108"/>
+            <a:ext cx="1062614" cy="849923"/>
+          </a:xfrm>
+          <a:prstGeom prst="rect">
+            <a:avLst/>
+          </a:prstGeom>
+          <a:solidFill>
+            <a:schemeClr val="tx2">
+              <a:lumMod val="60000"/>
+              <a:lumOff val="40000"/>
+            </a:schemeClr>
+          </a:solidFill>
+        </p:spPr>
+        <p:style>
+          <a:lnRef idx="2">
+            <a:schemeClr val="accent1">
+              <a:shade val="50000"/>
+            </a:schemeClr>
+          </a:lnRef>
+          <a:fillRef idx="1">
+            <a:schemeClr val="accent1"/>
+          </a:fillRef>
+          <a:effectRef idx="0">
+            <a:schemeClr val="accent1"/>
+          </a:effectRef>
+          <a:fontRef idx="minor">
+            <a:schemeClr val="lt1"/>
+          </a:fontRef>
+        </p:style>
+        <p:txBody>
+          <a:bodyPr rtlCol="0" anchor="ctr"/>
+          <a:lstStyle/>
+          <a:p>
+            <a:pPr algn="ctr"/>
+            <a:r>
+              <a:rPr lang="en-US" altLang="ko-KR" sz="1600" dirty="0"/>
+              <a:t>xx . xx</a:t>
+            </a:r>
+          </a:p>
+          <a:p>
+            <a:pPr algn="ctr"/>
+            <a:r>
+              <a:rPr lang="en-US" altLang="ko-KR" sz="1600" dirty="0"/>
+              <a:t>(</a:t>
+            </a:r>
+            <a:r>
+              <a:rPr lang="ko-KR" altLang="en-US" sz="1600" dirty="0"/>
+              <a:t>요일</a:t>
+            </a:r>
+            <a:r>
+              <a:rPr lang="en-US" altLang="ko-KR" sz="1600" dirty="0"/>
+              <a:t>)</a:t>
+            </a:r>
+            <a:endParaRPr lang="ko-KR" altLang="en-US" sz="1600" dirty="0"/>
+          </a:p>
+        </p:txBody>
+      </p:sp>
+      <p:sp>
+        <p:nvSpPr>
+          <p:cNvPr id="11" name="직사각형 10">
+            <a:extLst>
+              <a:ext uri="{FF2B5EF4-FFF2-40B4-BE49-F238E27FC236}">
+                <a16:creationId xmlns:a16="http://schemas.microsoft.com/office/drawing/2014/main" id="{EB51FF09-5942-4A6E-85C3-32CD10696D79}"/>
+              </a:ext>
+            </a:extLst>
+          </p:cNvPr>
+          <p:cNvSpPr/>
+          <p:nvPr/>
+        </p:nvSpPr>
+        <p:spPr>
+          <a:xfrm>
+            <a:off x="1389184" y="1705708"/>
+            <a:ext cx="2454641" cy="1412630"/>
+          </a:xfrm>
+          <a:prstGeom prst="rect">
+            <a:avLst/>
+          </a:prstGeom>
+          <a:solidFill>
+            <a:schemeClr val="bg1"/>
+          </a:solidFill>
+        </p:spPr>
+        <p:style>
+          <a:lnRef idx="2">
+            <a:schemeClr val="accent1">
+              <a:shade val="50000"/>
+            </a:schemeClr>
+          </a:lnRef>
+          <a:fillRef idx="1">
+            <a:schemeClr val="accent1"/>
+          </a:fillRef>
+          <a:effectRef idx="0">
+            <a:schemeClr val="accent1"/>
+          </a:effectRef>
+          <a:fontRef idx="minor">
+            <a:schemeClr val="lt1"/>
+          </a:fontRef>
+        </p:style>
+        <p:txBody>
+          <a:bodyPr rtlCol="0" anchor="ctr"/>
+          <a:lstStyle/>
+          <a:p>
+            <a:pPr algn="ctr"/>
+            <a:endParaRPr lang="ko-KR" altLang="en-US" dirty="0">
+              <a:solidFill>
+                <a:schemeClr val="tx1"/>
+              </a:solidFill>
+            </a:endParaRPr>
+          </a:p>
+        </p:txBody>
+      </p:sp>
+      <p:sp>
+        <p:nvSpPr>
+          <p:cNvPr id="14" name="TextBox 13">
+            <a:extLst>
+              <a:ext uri="{FF2B5EF4-FFF2-40B4-BE49-F238E27FC236}">
+                <a16:creationId xmlns:a16="http://schemas.microsoft.com/office/drawing/2014/main" id="{32F89F6F-ADB9-4CD1-B6B9-464240C21F6E}"/>
+              </a:ext>
+            </a:extLst>
+          </p:cNvPr>
+          <p:cNvSpPr txBox="1"/>
+          <p:nvPr/>
+        </p:nvSpPr>
+        <p:spPr>
+          <a:xfrm>
+            <a:off x="1728015" y="1786151"/>
+            <a:ext cx="1779459" cy="400110"/>
+          </a:xfrm>
+          <a:prstGeom prst="rect">
+            <a:avLst/>
+          </a:prstGeom>
+          <a:noFill/>
+        </p:spPr>
+        <p:txBody>
+          <a:bodyPr wrap="square" rtlCol="0">
+            <a:spAutoFit/>
+          </a:bodyPr>
+          <a:lstStyle/>
+          <a:p>
+            <a:pPr marL="342900" indent="-342900">
+              <a:buFont typeface="+mj-ea"/>
+              <a:buAutoNum type="circleNumDbPlain"/>
+            </a:pPr>
+            <a:r>
+              <a:rPr lang="ko-KR" altLang="en-US" sz="2000" dirty="0" err="1">
+                <a:solidFill>
+                  <a:schemeClr val="accent5"/>
+                </a:solidFill>
+              </a:rPr>
+              <a:t>마량포구</a:t>
+            </a:r>
+            <a:endParaRPr lang="ko-KR" altLang="en-US" sz="2000" dirty="0">
+              <a:solidFill>
+                <a:schemeClr val="accent5"/>
+              </a:solidFill>
+            </a:endParaRPr>
+          </a:p>
+        </p:txBody>
+      </p:sp>
+      <p:sp>
+        <p:nvSpPr>
+          <p:cNvPr id="12" name="TextBox 11">
+            <a:extLst>
+              <a:ext uri="{FF2B5EF4-FFF2-40B4-BE49-F238E27FC236}">
+                <a16:creationId xmlns:a16="http://schemas.microsoft.com/office/drawing/2014/main" id="{C42EDEAB-C3ED-4F28-B3C0-2967A35B2632}"/>
+              </a:ext>
+            </a:extLst>
+          </p:cNvPr>
+          <p:cNvSpPr txBox="1"/>
+          <p:nvPr/>
+        </p:nvSpPr>
+        <p:spPr>
+          <a:xfrm>
+            <a:off x="1387840" y="2331588"/>
+            <a:ext cx="546945" cy="261610"/>
+          </a:xfrm>
+          <a:prstGeom prst="rect">
+            <a:avLst/>
+          </a:prstGeom>
+          <a:noFill/>
+        </p:spPr>
+        <p:txBody>
+          <a:bodyPr wrap="none" rtlCol="0">
+            <a:spAutoFit/>
+          </a:bodyPr>
+          <a:lstStyle/>
+          <a:p>
+            <a:r>
+              <a:rPr lang="ko-KR" altLang="en-US" sz="1100" dirty="0"/>
+              <a:t>시간 </a:t>
+            </a:r>
+            <a:r>
+              <a:rPr lang="en-US" altLang="ko-KR" sz="1100" dirty="0"/>
+              <a:t>:</a:t>
+            </a:r>
+            <a:endParaRPr lang="ko-KR" altLang="en-US" sz="1100" dirty="0"/>
+          </a:p>
+        </p:txBody>
+      </p:sp>
+      <p:sp>
+        <p:nvSpPr>
+          <p:cNvPr id="16" name="직사각형 15">
+            <a:extLst>
+              <a:ext uri="{FF2B5EF4-FFF2-40B4-BE49-F238E27FC236}">
+                <a16:creationId xmlns:a16="http://schemas.microsoft.com/office/drawing/2014/main" id="{04B61069-BC28-4CB3-8889-5286C28C7E34}"/>
+              </a:ext>
+            </a:extLst>
+          </p:cNvPr>
+          <p:cNvSpPr/>
+          <p:nvPr/>
+        </p:nvSpPr>
+        <p:spPr>
+          <a:xfrm>
+            <a:off x="1387840" y="3127952"/>
+            <a:ext cx="2458736" cy="1397156"/>
+          </a:xfrm>
+          <a:prstGeom prst="rect">
+            <a:avLst/>
+          </a:prstGeom>
+          <a:solidFill>
+            <a:schemeClr val="bg1"/>
+          </a:solidFill>
+        </p:spPr>
+        <p:style>
+          <a:lnRef idx="2">
+            <a:schemeClr val="accent1">
+              <a:shade val="50000"/>
+            </a:schemeClr>
+          </a:lnRef>
+          <a:fillRef idx="1">
+            <a:schemeClr val="accent1"/>
+          </a:fillRef>
+          <a:effectRef idx="0">
+            <a:schemeClr val="accent1"/>
+          </a:effectRef>
+          <a:fontRef idx="minor">
+            <a:schemeClr val="lt1"/>
+          </a:fontRef>
+        </p:style>
+        <p:txBody>
+          <a:bodyPr rtlCol="0" anchor="ctr"/>
+          <a:lstStyle/>
+          <a:p>
+            <a:pPr algn="ctr"/>
+            <a:endParaRPr lang="en-US" altLang="ko-KR" sz="2000" dirty="0">
+              <a:solidFill>
+                <a:schemeClr val="accent5"/>
+              </a:solidFill>
+            </a:endParaRPr>
+          </a:p>
+          <a:p>
+            <a:pPr algn="ctr"/>
+            <a:endParaRPr lang="en-US" altLang="ko-KR" sz="2000" dirty="0">
+              <a:solidFill>
+                <a:schemeClr val="accent5"/>
+              </a:solidFill>
+            </a:endParaRPr>
+          </a:p>
+          <a:p>
+            <a:pPr algn="ctr"/>
+            <a:endParaRPr lang="ko-KR" altLang="en-US" sz="2000" dirty="0">
+              <a:solidFill>
+                <a:schemeClr val="accent5"/>
+              </a:solidFill>
+            </a:endParaRPr>
+          </a:p>
+        </p:txBody>
+      </p:sp>
+      <p:sp>
+        <p:nvSpPr>
+          <p:cNvPr id="18" name="TextBox 17">
+            <a:extLst>
+              <a:ext uri="{FF2B5EF4-FFF2-40B4-BE49-F238E27FC236}">
+                <a16:creationId xmlns:a16="http://schemas.microsoft.com/office/drawing/2014/main" id="{27C8C158-8D36-4E4B-B21C-318F2AD89232}"/>
+              </a:ext>
+            </a:extLst>
+          </p:cNvPr>
+          <p:cNvSpPr txBox="1"/>
+          <p:nvPr/>
+        </p:nvSpPr>
+        <p:spPr>
+          <a:xfrm>
+            <a:off x="1385152" y="3651367"/>
+            <a:ext cx="546944" cy="261610"/>
+          </a:xfrm>
+          <a:prstGeom prst="rect">
+            <a:avLst/>
+          </a:prstGeom>
+          <a:noFill/>
+        </p:spPr>
+        <p:txBody>
+          <a:bodyPr wrap="square" rtlCol="0">
+            <a:spAutoFit/>
+          </a:bodyPr>
+          <a:lstStyle/>
+          <a:p>
+            <a:r>
+              <a:rPr lang="ko-KR" altLang="en-US" sz="1100" dirty="0"/>
+              <a:t>시간 </a:t>
+            </a:r>
+            <a:r>
+              <a:rPr lang="en-US" altLang="ko-KR" sz="1100" dirty="0"/>
+              <a:t>:</a:t>
+            </a:r>
+            <a:endParaRPr lang="ko-KR" altLang="en-US" sz="1100" dirty="0"/>
+          </a:p>
+        </p:txBody>
+      </p:sp>
+      <p:sp>
+        <p:nvSpPr>
+          <p:cNvPr id="19" name="TextBox 18">
+            <a:extLst>
+              <a:ext uri="{FF2B5EF4-FFF2-40B4-BE49-F238E27FC236}">
+                <a16:creationId xmlns:a16="http://schemas.microsoft.com/office/drawing/2014/main" id="{66AD2B9D-14FD-4E1A-8631-99BDA62D50D8}"/>
+              </a:ext>
+            </a:extLst>
+          </p:cNvPr>
+          <p:cNvSpPr txBox="1"/>
+          <p:nvPr/>
+        </p:nvSpPr>
+        <p:spPr>
+          <a:xfrm>
+            <a:off x="1742481" y="3205499"/>
+            <a:ext cx="1779459" cy="400110"/>
+          </a:xfrm>
+          <a:prstGeom prst="rect">
+            <a:avLst/>
+          </a:prstGeom>
+          <a:noFill/>
+        </p:spPr>
+        <p:txBody>
+          <a:bodyPr wrap="square" rtlCol="0">
+            <a:spAutoFit/>
+          </a:bodyPr>
+          <a:lstStyle/>
+          <a:p>
+            <a:r>
+              <a:rPr lang="ko-KR" altLang="en-US" sz="2000" dirty="0">
+                <a:solidFill>
+                  <a:schemeClr val="accent5"/>
+                </a:solidFill>
+              </a:rPr>
+              <a:t>② </a:t>
+            </a:r>
+            <a:r>
+              <a:rPr lang="ko-KR" altLang="en-US" sz="2000" dirty="0" err="1">
+                <a:solidFill>
+                  <a:schemeClr val="accent5"/>
+                </a:solidFill>
+              </a:rPr>
+              <a:t>춘장대</a:t>
+            </a:r>
+            <a:endParaRPr lang="ko-KR" altLang="en-US" sz="2000" dirty="0">
+              <a:solidFill>
+                <a:schemeClr val="accent5"/>
+              </a:solidFill>
+            </a:endParaRPr>
+          </a:p>
+        </p:txBody>
+      </p:sp>
+      <p:sp>
+        <p:nvSpPr>
+          <p:cNvPr id="21" name="TextBox 20">
+            <a:extLst>
+              <a:ext uri="{FF2B5EF4-FFF2-40B4-BE49-F238E27FC236}">
+                <a16:creationId xmlns:a16="http://schemas.microsoft.com/office/drawing/2014/main" id="{866732CA-3298-4F5D-835E-E3767056B40A}"/>
+              </a:ext>
+            </a:extLst>
+          </p:cNvPr>
+          <p:cNvSpPr txBox="1"/>
+          <p:nvPr/>
+        </p:nvSpPr>
+        <p:spPr>
+          <a:xfrm>
+            <a:off x="1385151" y="2690776"/>
+            <a:ext cx="546945" cy="261610"/>
+          </a:xfrm>
+          <a:prstGeom prst="rect">
+            <a:avLst/>
+          </a:prstGeom>
+          <a:noFill/>
+        </p:spPr>
+        <p:txBody>
+          <a:bodyPr wrap="none" rtlCol="0">
+            <a:spAutoFit/>
+          </a:bodyPr>
+          <a:lstStyle/>
+          <a:p>
+            <a:r>
+              <a:rPr lang="ko-KR" altLang="en-US" sz="1100" dirty="0"/>
+              <a:t>메모 </a:t>
+            </a:r>
+            <a:r>
+              <a:rPr lang="en-US" altLang="ko-KR" sz="1100" dirty="0"/>
+              <a:t>:</a:t>
+            </a:r>
+            <a:endParaRPr lang="ko-KR" altLang="en-US" sz="1100" dirty="0"/>
+          </a:p>
+        </p:txBody>
+      </p:sp>
+      <p:sp>
+        <p:nvSpPr>
+          <p:cNvPr id="24" name="직사각형 23">
+            <a:extLst>
+              <a:ext uri="{FF2B5EF4-FFF2-40B4-BE49-F238E27FC236}">
+                <a16:creationId xmlns:a16="http://schemas.microsoft.com/office/drawing/2014/main" id="{1C8EC8E2-8C35-4D44-96A7-F1E29324BDEE}"/>
+              </a:ext>
+            </a:extLst>
+          </p:cNvPr>
+          <p:cNvSpPr/>
+          <p:nvPr/>
+        </p:nvSpPr>
+        <p:spPr>
+          <a:xfrm>
+            <a:off x="1877232" y="2753303"/>
+            <a:ext cx="1875062" cy="196543"/>
+          </a:xfrm>
+          <a:prstGeom prst="rect">
+            <a:avLst/>
+          </a:prstGeom>
+          <a:solidFill>
+            <a:schemeClr val="bg1"/>
+          </a:solidFill>
+        </p:spPr>
+        <p:style>
+          <a:lnRef idx="2">
+            <a:schemeClr val="accent1">
+              <a:shade val="50000"/>
+            </a:schemeClr>
+          </a:lnRef>
+          <a:fillRef idx="1">
+            <a:schemeClr val="accent1"/>
+          </a:fillRef>
+          <a:effectRef idx="0">
+            <a:schemeClr val="accent1"/>
+          </a:effectRef>
+          <a:fontRef idx="minor">
+            <a:schemeClr val="lt1"/>
+          </a:fontRef>
+        </p:style>
+        <p:txBody>
+          <a:bodyPr rtlCol="0" anchor="ctr"/>
+          <a:lstStyle/>
+          <a:p>
+            <a:endParaRPr lang="ko-KR" altLang="en-US" sz="1000" dirty="0">
+              <a:solidFill>
+                <a:schemeClr val="tx1"/>
+              </a:solidFill>
+            </a:endParaRPr>
+          </a:p>
+        </p:txBody>
+      </p:sp>
+      <p:sp>
+        <p:nvSpPr>
+          <p:cNvPr id="27" name="TextBox 26">
+            <a:extLst>
+              <a:ext uri="{FF2B5EF4-FFF2-40B4-BE49-F238E27FC236}">
+                <a16:creationId xmlns:a16="http://schemas.microsoft.com/office/drawing/2014/main" id="{FF47DC61-EEBB-4B94-A6CE-C862A8BFDB06}"/>
+              </a:ext>
+            </a:extLst>
+          </p:cNvPr>
+          <p:cNvSpPr txBox="1"/>
+          <p:nvPr/>
+        </p:nvSpPr>
+        <p:spPr>
+          <a:xfrm>
+            <a:off x="1389667" y="3960941"/>
+            <a:ext cx="546945" cy="261610"/>
+          </a:xfrm>
+          <a:prstGeom prst="rect">
+            <a:avLst/>
+          </a:prstGeom>
+          <a:noFill/>
+        </p:spPr>
+        <p:txBody>
+          <a:bodyPr wrap="none" rtlCol="0">
+            <a:spAutoFit/>
+          </a:bodyPr>
+          <a:lstStyle/>
+          <a:p>
+            <a:r>
+              <a:rPr lang="ko-KR" altLang="en-US" sz="1100" dirty="0"/>
+              <a:t>메모 </a:t>
+            </a:r>
+            <a:r>
+              <a:rPr lang="en-US" altLang="ko-KR" sz="1100" dirty="0"/>
+              <a:t>:</a:t>
+            </a:r>
+            <a:endParaRPr lang="ko-KR" altLang="en-US" sz="1100" dirty="0"/>
+          </a:p>
+        </p:txBody>
+      </p:sp>
+      <p:sp>
+        <p:nvSpPr>
+          <p:cNvPr id="32" name="직사각형 31">
+            <a:extLst>
+              <a:ext uri="{FF2B5EF4-FFF2-40B4-BE49-F238E27FC236}">
+                <a16:creationId xmlns:a16="http://schemas.microsoft.com/office/drawing/2014/main" id="{4C8A66FF-6496-4C3A-B55A-055E5338247B}"/>
+              </a:ext>
+            </a:extLst>
+          </p:cNvPr>
+          <p:cNvSpPr/>
+          <p:nvPr/>
+        </p:nvSpPr>
+        <p:spPr>
+          <a:xfrm>
+            <a:off x="1877232" y="3982751"/>
+            <a:ext cx="1875062" cy="196543"/>
+          </a:xfrm>
+          <a:prstGeom prst="rect">
+            <a:avLst/>
+          </a:prstGeom>
+          <a:solidFill>
+            <a:schemeClr val="bg1"/>
+          </a:solidFill>
+        </p:spPr>
+        <p:style>
+          <a:lnRef idx="2">
+            <a:schemeClr val="accent1">
+              <a:shade val="50000"/>
+            </a:schemeClr>
+          </a:lnRef>
+          <a:fillRef idx="1">
+            <a:schemeClr val="accent1"/>
+          </a:fillRef>
+          <a:effectRef idx="0">
+            <a:schemeClr val="accent1"/>
+          </a:effectRef>
+          <a:fontRef idx="minor">
+            <a:schemeClr val="lt1"/>
+          </a:fontRef>
+        </p:style>
+        <p:txBody>
+          <a:bodyPr rtlCol="0" anchor="ctr"/>
+          <a:lstStyle/>
+          <a:p>
+            <a:endParaRPr lang="ko-KR" altLang="en-US" sz="1000" dirty="0">
+              <a:solidFill>
+                <a:schemeClr val="tx1"/>
+              </a:solidFill>
+            </a:endParaRPr>
+          </a:p>
+        </p:txBody>
+      </p:sp>
+      <p:sp>
+        <p:nvSpPr>
+          <p:cNvPr id="34" name="TextBox 33">
+            <a:extLst>
+              <a:ext uri="{FF2B5EF4-FFF2-40B4-BE49-F238E27FC236}">
+                <a16:creationId xmlns:a16="http://schemas.microsoft.com/office/drawing/2014/main" id="{88C49321-92F3-4176-8F41-056CB1982C23}"/>
+              </a:ext>
+            </a:extLst>
+          </p:cNvPr>
+          <p:cNvSpPr txBox="1"/>
+          <p:nvPr/>
+        </p:nvSpPr>
+        <p:spPr>
+          <a:xfrm>
+            <a:off x="1391873" y="4179110"/>
+            <a:ext cx="1583780" cy="261610"/>
+          </a:xfrm>
+          <a:prstGeom prst="rect">
+            <a:avLst/>
+          </a:prstGeom>
+          <a:noFill/>
+        </p:spPr>
+        <p:txBody>
+          <a:bodyPr wrap="square" rtlCol="0">
+            <a:spAutoFit/>
+          </a:bodyPr>
+          <a:lstStyle/>
+          <a:p>
+            <a:r>
+              <a:rPr lang="en-US" altLang="ko-KR" sz="1100" dirty="0"/>
+              <a:t>1</a:t>
+            </a:r>
+            <a:r>
+              <a:rPr lang="ko-KR" altLang="en-US" sz="1100" dirty="0"/>
+              <a:t> 번째 장소와의 거리 </a:t>
+            </a:r>
+            <a:r>
+              <a:rPr lang="en-US" altLang="ko-KR" sz="1100" dirty="0"/>
+              <a:t>:            </a:t>
+            </a:r>
+            <a:endParaRPr lang="ko-KR" altLang="en-US" sz="1100" dirty="0"/>
+          </a:p>
+        </p:txBody>
+      </p:sp>
+      <p:sp>
+        <p:nvSpPr>
+          <p:cNvPr id="35" name="직사각형 34">
+            <a:extLst>
+              <a:ext uri="{FF2B5EF4-FFF2-40B4-BE49-F238E27FC236}">
+                <a16:creationId xmlns:a16="http://schemas.microsoft.com/office/drawing/2014/main" id="{38E2F87E-FC65-4195-A3F8-95D81846C4AD}"/>
+              </a:ext>
+            </a:extLst>
+          </p:cNvPr>
+          <p:cNvSpPr/>
+          <p:nvPr/>
+        </p:nvSpPr>
+        <p:spPr>
+          <a:xfrm>
+            <a:off x="2978340" y="4221609"/>
+            <a:ext cx="452160" cy="196543"/>
+          </a:xfrm>
+          <a:prstGeom prst="rect">
+            <a:avLst/>
+          </a:prstGeom>
+          <a:solidFill>
+            <a:schemeClr val="bg1"/>
+          </a:solidFill>
+        </p:spPr>
+        <p:style>
+          <a:lnRef idx="2">
+            <a:schemeClr val="accent1">
+              <a:shade val="50000"/>
+            </a:schemeClr>
+          </a:lnRef>
+          <a:fillRef idx="1">
+            <a:schemeClr val="accent1"/>
+          </a:fillRef>
+          <a:effectRef idx="0">
+            <a:schemeClr val="accent1"/>
+          </a:effectRef>
+          <a:fontRef idx="minor">
+            <a:schemeClr val="lt1"/>
+          </a:fontRef>
+        </p:style>
+        <p:txBody>
+          <a:bodyPr rtlCol="0" anchor="ctr"/>
+          <a:lstStyle/>
+          <a:p>
+            <a:pPr algn="ctr"/>
+            <a:r>
+              <a:rPr lang="en-US" altLang="ko-KR" sz="1000" dirty="0">
+                <a:solidFill>
+                  <a:schemeClr val="tx1"/>
+                </a:solidFill>
+              </a:rPr>
+              <a:t>4.5</a:t>
+            </a:r>
+            <a:endParaRPr lang="ko-KR" altLang="en-US" sz="1000" dirty="0">
+              <a:solidFill>
+                <a:schemeClr val="tx1"/>
+              </a:solidFill>
+            </a:endParaRPr>
+          </a:p>
+        </p:txBody>
+      </p:sp>
+      <p:sp>
+        <p:nvSpPr>
+          <p:cNvPr id="36" name="TextBox 35">
+            <a:extLst>
+              <a:ext uri="{FF2B5EF4-FFF2-40B4-BE49-F238E27FC236}">
+                <a16:creationId xmlns:a16="http://schemas.microsoft.com/office/drawing/2014/main" id="{1F3936DA-7ED2-42B5-8437-3ADE9DA7F6D9}"/>
+              </a:ext>
+            </a:extLst>
+          </p:cNvPr>
+          <p:cNvSpPr txBox="1"/>
+          <p:nvPr/>
+        </p:nvSpPr>
+        <p:spPr>
+          <a:xfrm>
+            <a:off x="3397498" y="4189075"/>
+            <a:ext cx="444983" cy="261610"/>
+          </a:xfrm>
+          <a:prstGeom prst="rect">
+            <a:avLst/>
+          </a:prstGeom>
+          <a:noFill/>
+        </p:spPr>
+        <p:txBody>
+          <a:bodyPr wrap="square" rtlCol="0">
+            <a:spAutoFit/>
+          </a:bodyPr>
+          <a:lstStyle/>
+          <a:p>
+            <a:r>
+              <a:rPr lang="en-US" altLang="ko-KR" sz="1100" dirty="0"/>
+              <a:t>km</a:t>
+            </a:r>
+            <a:endParaRPr lang="ko-KR" altLang="en-US" sz="1100" dirty="0"/>
+          </a:p>
+        </p:txBody>
+      </p:sp>
+      <p:sp>
+        <p:nvSpPr>
+          <p:cNvPr id="37" name="사각형: 둥근 모서리 36">
+            <a:extLst>
+              <a:ext uri="{FF2B5EF4-FFF2-40B4-BE49-F238E27FC236}">
+                <a16:creationId xmlns:a16="http://schemas.microsoft.com/office/drawing/2014/main" id="{6ECC3192-AB3C-4086-818B-8D65429B1A07}"/>
+              </a:ext>
+            </a:extLst>
+          </p:cNvPr>
+          <p:cNvSpPr/>
+          <p:nvPr/>
+        </p:nvSpPr>
+        <p:spPr>
+          <a:xfrm>
+            <a:off x="3642084" y="1767660"/>
+            <a:ext cx="145774" cy="156388"/>
+          </a:xfrm>
+          <a:prstGeom prst="roundRect">
+            <a:avLst/>
+          </a:prstGeom>
+          <a:solidFill>
+            <a:schemeClr val="bg1"/>
+          </a:solidFill>
+          <a:ln w="3175">
+            <a:solidFill>
+              <a:schemeClr val="tx1"/>
+            </a:solidFill>
+          </a:ln>
+        </p:spPr>
+        <p:style>
+          <a:lnRef idx="2">
+            <a:schemeClr val="accent1">
+              <a:shade val="50000"/>
+            </a:schemeClr>
+          </a:lnRef>
+          <a:fillRef idx="1">
+            <a:schemeClr val="accent1"/>
+          </a:fillRef>
+          <a:effectRef idx="0">
+            <a:schemeClr val="accent1"/>
+          </a:effectRef>
+          <a:fontRef idx="minor">
+            <a:schemeClr val="lt1"/>
+          </a:fontRef>
+        </p:style>
+        <p:txBody>
+          <a:bodyPr rtlCol="0" anchor="ctr"/>
+          <a:lstStyle/>
+          <a:p>
+            <a:pPr algn="ctr"/>
+            <a:r>
+              <a:rPr lang="en-US" altLang="ko-KR" sz="1200" dirty="0">
+                <a:solidFill>
+                  <a:schemeClr val="tx1"/>
+                </a:solidFill>
+              </a:rPr>
+              <a:t>X</a:t>
+            </a:r>
+            <a:endParaRPr lang="ko-KR" altLang="en-US" sz="1200" dirty="0">
+              <a:solidFill>
+                <a:schemeClr val="tx1"/>
+              </a:solidFill>
+            </a:endParaRPr>
+          </a:p>
+        </p:txBody>
+      </p:sp>
+      <p:sp>
+        <p:nvSpPr>
+          <p:cNvPr id="38" name="사각형: 둥근 모서리 37">
+            <a:extLst>
+              <a:ext uri="{FF2B5EF4-FFF2-40B4-BE49-F238E27FC236}">
+                <a16:creationId xmlns:a16="http://schemas.microsoft.com/office/drawing/2014/main" id="{ED4628BD-3324-4358-BF16-4029BF152DE9}"/>
+              </a:ext>
+            </a:extLst>
+          </p:cNvPr>
+          <p:cNvSpPr/>
+          <p:nvPr/>
+        </p:nvSpPr>
+        <p:spPr>
+          <a:xfrm>
+            <a:off x="3642084" y="3200249"/>
+            <a:ext cx="145774" cy="156388"/>
+          </a:xfrm>
+          <a:prstGeom prst="roundRect">
+            <a:avLst/>
+          </a:prstGeom>
+          <a:solidFill>
+            <a:schemeClr val="bg1"/>
+          </a:solidFill>
+          <a:ln w="3175">
+            <a:solidFill>
+              <a:schemeClr val="tx1"/>
+            </a:solidFill>
+          </a:ln>
+        </p:spPr>
+        <p:style>
+          <a:lnRef idx="2">
+            <a:schemeClr val="accent1">
+              <a:shade val="50000"/>
+            </a:schemeClr>
+          </a:lnRef>
+          <a:fillRef idx="1">
+            <a:schemeClr val="accent1"/>
+          </a:fillRef>
+          <a:effectRef idx="0">
+            <a:schemeClr val="accent1"/>
+          </a:effectRef>
+          <a:fontRef idx="minor">
+            <a:schemeClr val="lt1"/>
+          </a:fontRef>
+        </p:style>
+        <p:txBody>
+          <a:bodyPr rtlCol="0" anchor="ctr"/>
+          <a:lstStyle/>
+          <a:p>
+            <a:pPr algn="ctr"/>
+            <a:r>
+              <a:rPr lang="en-US" altLang="ko-KR" sz="1200" dirty="0">
+                <a:solidFill>
+                  <a:schemeClr val="tx1"/>
+                </a:solidFill>
+              </a:rPr>
+              <a:t>X</a:t>
+            </a:r>
+            <a:endParaRPr lang="ko-KR" altLang="en-US" sz="1200" dirty="0">
+              <a:solidFill>
+                <a:schemeClr val="tx1"/>
+              </a:solidFill>
+            </a:endParaRPr>
+          </a:p>
+        </p:txBody>
+      </p:sp>
+      <p:sp>
+        <p:nvSpPr>
+          <p:cNvPr id="17" name="사각형: 둥근 모서리 16">
+            <a:extLst>
+              <a:ext uri="{FF2B5EF4-FFF2-40B4-BE49-F238E27FC236}">
+                <a16:creationId xmlns:a16="http://schemas.microsoft.com/office/drawing/2014/main" id="{31F068E5-C36A-4EAB-BD46-B32C66B6BCBD}"/>
+              </a:ext>
+            </a:extLst>
+          </p:cNvPr>
+          <p:cNvSpPr/>
+          <p:nvPr/>
+        </p:nvSpPr>
+        <p:spPr>
+          <a:xfrm>
+            <a:off x="3973707" y="1133856"/>
+            <a:ext cx="2414901" cy="281670"/>
+          </a:xfrm>
+          <a:prstGeom prst="roundRect">
+            <a:avLst/>
+          </a:prstGeom>
+          <a:solidFill>
+            <a:schemeClr val="bg1"/>
+          </a:solidFill>
+        </p:spPr>
+        <p:style>
+          <a:lnRef idx="2">
+            <a:schemeClr val="accent1">
+              <a:shade val="50000"/>
+            </a:schemeClr>
+          </a:lnRef>
+          <a:fillRef idx="1">
+            <a:schemeClr val="accent1"/>
+          </a:fillRef>
+          <a:effectRef idx="0">
+            <a:schemeClr val="accent1"/>
+          </a:effectRef>
+          <a:fontRef idx="minor">
+            <a:schemeClr val="lt1"/>
+          </a:fontRef>
+        </p:style>
+        <p:txBody>
+          <a:bodyPr rtlCol="0" anchor="ctr"/>
+          <a:lstStyle/>
+          <a:p>
+            <a:r>
+              <a:rPr lang="ko-KR" altLang="en-US" sz="1200" dirty="0">
+                <a:solidFill>
+                  <a:schemeClr val="bg1">
+                    <a:lumMod val="75000"/>
+                  </a:schemeClr>
+                </a:solidFill>
+              </a:rPr>
+              <a:t>장소를 검색해주세요</a:t>
+            </a:r>
+          </a:p>
+        </p:txBody>
+      </p:sp>
+      <p:pic>
+        <p:nvPicPr>
+          <p:cNvPr id="22" name="그림 21">
+            <a:extLst>
+              <a:ext uri="{FF2B5EF4-FFF2-40B4-BE49-F238E27FC236}">
+                <a16:creationId xmlns:a16="http://schemas.microsoft.com/office/drawing/2014/main" id="{E5C3E33E-A82C-4061-BE3E-C89806BAADEC}"/>
+              </a:ext>
+            </a:extLst>
+          </p:cNvPr>
+          <p:cNvPicPr>
+            <a:picLocks noChangeAspect="1"/>
+          </p:cNvPicPr>
+          <p:nvPr/>
+        </p:nvPicPr>
+        <p:blipFill>
+          <a:blip r:embed="rId2">
+            <a:extLst>
+              <a:ext uri="{28A0092B-C50C-407E-A947-70E740481C1C}">
+                <a14:useLocalDpi xmlns:a14="http://schemas.microsoft.com/office/drawing/2010/main" val="0"/>
+              </a:ext>
+            </a:extLst>
+          </a:blip>
+          <a:stretch>
+            <a:fillRect/>
+          </a:stretch>
+        </p:blipFill>
+        <p:spPr>
+          <a:xfrm>
+            <a:off x="6111551" y="1158867"/>
+            <a:ext cx="234388" cy="231648"/>
+          </a:xfrm>
+          <a:prstGeom prst="rect">
+            <a:avLst/>
+          </a:prstGeom>
+        </p:spPr>
+      </p:pic>
+      <p:sp>
+        <p:nvSpPr>
+          <p:cNvPr id="41" name="직사각형 40">
+            <a:extLst>
+              <a:ext uri="{FF2B5EF4-FFF2-40B4-BE49-F238E27FC236}">
+                <a16:creationId xmlns:a16="http://schemas.microsoft.com/office/drawing/2014/main" id="{2B3C624F-63B2-42E5-8060-37C2D9161F75}"/>
+              </a:ext>
+            </a:extLst>
+          </p:cNvPr>
+          <p:cNvSpPr/>
+          <p:nvPr/>
+        </p:nvSpPr>
+        <p:spPr>
+          <a:xfrm>
+            <a:off x="3844848" y="1705708"/>
+            <a:ext cx="2661139" cy="849923"/>
+          </a:xfrm>
+          <a:prstGeom prst="rect">
+            <a:avLst/>
+          </a:prstGeom>
+          <a:solidFill>
+            <a:schemeClr val="bg1"/>
+          </a:solidFill>
+        </p:spPr>
+        <p:style>
+          <a:lnRef idx="2">
+            <a:schemeClr val="accent1">
+              <a:shade val="50000"/>
+            </a:schemeClr>
+          </a:lnRef>
+          <a:fillRef idx="1">
+            <a:schemeClr val="accent1"/>
+          </a:fillRef>
+          <a:effectRef idx="0">
+            <a:schemeClr val="accent1"/>
+          </a:effectRef>
+          <a:fontRef idx="minor">
+            <a:schemeClr val="lt1"/>
+          </a:fontRef>
+        </p:style>
+        <p:txBody>
+          <a:bodyPr rtlCol="0" anchor="ctr"/>
+          <a:lstStyle/>
+          <a:p>
+            <a:pPr algn="ctr"/>
+            <a:r>
+              <a:rPr lang="ko-KR" altLang="en-US" dirty="0">
+                <a:solidFill>
+                  <a:schemeClr val="tx1"/>
+                </a:solidFill>
+              </a:rPr>
+              <a:t>대우능력개발원</a:t>
+            </a:r>
+            <a:endParaRPr lang="en-US" altLang="ko-KR" dirty="0">
+              <a:solidFill>
+                <a:schemeClr val="tx1"/>
+              </a:solidFill>
+            </a:endParaRPr>
+          </a:p>
+          <a:p>
+            <a:pPr algn="ctr"/>
+            <a:r>
+              <a:rPr lang="ko-KR" altLang="en-US" dirty="0"/>
+              <a:t>층</a:t>
+            </a:r>
+            <a:endParaRPr lang="ko-KR" altLang="en-US" dirty="0">
+              <a:solidFill>
+                <a:schemeClr val="tx1"/>
+              </a:solidFill>
+            </a:endParaRPr>
+          </a:p>
+        </p:txBody>
+      </p:sp>
+      <p:sp>
+        <p:nvSpPr>
+          <p:cNvPr id="45" name="직사각형 44">
+            <a:extLst>
+              <a:ext uri="{FF2B5EF4-FFF2-40B4-BE49-F238E27FC236}">
+                <a16:creationId xmlns:a16="http://schemas.microsoft.com/office/drawing/2014/main" id="{49924413-7780-4DC5-A50D-F4DE64BB4B8F}"/>
+              </a:ext>
+            </a:extLst>
+          </p:cNvPr>
+          <p:cNvSpPr/>
+          <p:nvPr/>
+        </p:nvSpPr>
+        <p:spPr>
+          <a:xfrm>
+            <a:off x="3936700" y="2151873"/>
+            <a:ext cx="2518964" cy="245927"/>
+          </a:xfrm>
+          <a:prstGeom prst="rect">
+            <a:avLst/>
+          </a:prstGeom>
+          <a:solidFill>
+            <a:schemeClr val="bg1"/>
+          </a:solidFill>
+          <a:ln>
+            <a:solidFill>
+              <a:schemeClr val="bg1"/>
+            </a:solidFill>
+          </a:ln>
+        </p:spPr>
+        <p:style>
+          <a:lnRef idx="2">
+            <a:schemeClr val="accent1">
+              <a:shade val="50000"/>
+            </a:schemeClr>
+          </a:lnRef>
+          <a:fillRef idx="1">
+            <a:schemeClr val="accent1"/>
+          </a:fillRef>
+          <a:effectRef idx="0">
+            <a:schemeClr val="accent1"/>
+          </a:effectRef>
+          <a:fontRef idx="minor">
+            <a:schemeClr val="lt1"/>
+          </a:fontRef>
+        </p:style>
+        <p:txBody>
+          <a:bodyPr rtlCol="0" anchor="ctr"/>
+          <a:lstStyle/>
+          <a:p>
+            <a:pPr algn="ctr"/>
+            <a:r>
+              <a:rPr lang="ko-KR" altLang="en-US" sz="800" dirty="0">
+                <a:solidFill>
+                  <a:schemeClr val="tx1"/>
+                </a:solidFill>
+              </a:rPr>
+              <a:t>서울 중랑구 망우로 </a:t>
+            </a:r>
+            <a:r>
+              <a:rPr lang="en-US" altLang="ko-KR" sz="800" dirty="0">
+                <a:solidFill>
+                  <a:schemeClr val="tx1"/>
+                </a:solidFill>
+              </a:rPr>
+              <a:t>285-1 UM</a:t>
+            </a:r>
+            <a:r>
+              <a:rPr lang="ko-KR" altLang="en-US" sz="800" dirty="0">
+                <a:solidFill>
+                  <a:schemeClr val="tx1"/>
+                </a:solidFill>
+              </a:rPr>
+              <a:t>타워 </a:t>
+            </a:r>
+            <a:r>
+              <a:rPr lang="en-US" altLang="ko-KR" sz="800" dirty="0">
+                <a:solidFill>
+                  <a:schemeClr val="tx1"/>
+                </a:solidFill>
+              </a:rPr>
+              <a:t>4~7</a:t>
+            </a:r>
+            <a:r>
+              <a:rPr lang="ko-KR" altLang="en-US" sz="800" dirty="0">
+                <a:solidFill>
+                  <a:schemeClr val="tx1"/>
+                </a:solidFill>
+              </a:rPr>
+              <a:t>층</a:t>
+            </a:r>
+          </a:p>
+        </p:txBody>
+      </p:sp>
+      <p:pic>
+        <p:nvPicPr>
+          <p:cNvPr id="55" name="그림 54">
+            <a:extLst>
+              <a:ext uri="{FF2B5EF4-FFF2-40B4-BE49-F238E27FC236}">
+                <a16:creationId xmlns:a16="http://schemas.microsoft.com/office/drawing/2014/main" id="{3ECF62D4-78B4-45F4-8D92-D9B13C6BB941}"/>
+              </a:ext>
+            </a:extLst>
+          </p:cNvPr>
+          <p:cNvPicPr>
+            <a:picLocks noChangeAspect="1"/>
+          </p:cNvPicPr>
+          <p:nvPr/>
+        </p:nvPicPr>
+        <p:blipFill>
+          <a:blip r:embed="rId3">
+            <a:extLst>
+              <a:ext uri="{28A0092B-C50C-407E-A947-70E740481C1C}">
+                <a14:useLocalDpi xmlns:a14="http://schemas.microsoft.com/office/drawing/2010/main" val="0"/>
+              </a:ext>
+            </a:extLst>
+          </a:blip>
+          <a:stretch>
+            <a:fillRect/>
+          </a:stretch>
+        </p:blipFill>
+        <p:spPr>
+          <a:xfrm>
+            <a:off x="3973707" y="1795577"/>
+            <a:ext cx="399171" cy="399171"/>
+          </a:xfrm>
+          <a:prstGeom prst="rect">
+            <a:avLst/>
+          </a:prstGeom>
+        </p:spPr>
+      </p:pic>
+      <p:sp>
+        <p:nvSpPr>
+          <p:cNvPr id="56" name="직사각형 55">
+            <a:extLst>
+              <a:ext uri="{FF2B5EF4-FFF2-40B4-BE49-F238E27FC236}">
+                <a16:creationId xmlns:a16="http://schemas.microsoft.com/office/drawing/2014/main" id="{46FE288C-90C7-42CE-82D1-54D112F77044}"/>
+              </a:ext>
+            </a:extLst>
+          </p:cNvPr>
+          <p:cNvSpPr/>
+          <p:nvPr/>
+        </p:nvSpPr>
+        <p:spPr>
+          <a:xfrm>
+            <a:off x="3901136" y="2361828"/>
+            <a:ext cx="2554528" cy="158212"/>
+          </a:xfrm>
+          <a:prstGeom prst="rect">
+            <a:avLst/>
+          </a:prstGeom>
+          <a:solidFill>
+            <a:schemeClr val="bg1"/>
+          </a:solidFill>
+          <a:ln>
+            <a:solidFill>
+              <a:schemeClr val="bg1"/>
+            </a:solidFill>
+          </a:ln>
+        </p:spPr>
+        <p:style>
+          <a:lnRef idx="2">
+            <a:schemeClr val="accent1">
+              <a:shade val="50000"/>
+            </a:schemeClr>
+          </a:lnRef>
+          <a:fillRef idx="1">
+            <a:schemeClr val="accent1"/>
+          </a:fillRef>
+          <a:effectRef idx="0">
+            <a:schemeClr val="accent1"/>
+          </a:effectRef>
+          <a:fontRef idx="minor">
+            <a:schemeClr val="lt1"/>
+          </a:fontRef>
+        </p:style>
+        <p:txBody>
+          <a:bodyPr rtlCol="0" anchor="ctr"/>
+          <a:lstStyle/>
+          <a:p>
+            <a:pPr algn="ctr"/>
+            <a:r>
+              <a:rPr lang="en-US" altLang="ko-KR" sz="800" dirty="0">
+                <a:solidFill>
+                  <a:schemeClr val="accent6"/>
+                </a:solidFill>
+              </a:rPr>
+              <a:t>02-978-0012</a:t>
+            </a:r>
+            <a:endParaRPr lang="ko-KR" altLang="en-US" sz="800" dirty="0">
+              <a:solidFill>
+                <a:schemeClr val="accent6"/>
+              </a:solidFill>
+            </a:endParaRPr>
+          </a:p>
+        </p:txBody>
+      </p:sp>
+      <p:pic>
+        <p:nvPicPr>
+          <p:cNvPr id="58" name="그림 57">
+            <a:extLst>
+              <a:ext uri="{FF2B5EF4-FFF2-40B4-BE49-F238E27FC236}">
+                <a16:creationId xmlns:a16="http://schemas.microsoft.com/office/drawing/2014/main" id="{99C0A133-797A-449F-88A9-408CD76E351F}"/>
+              </a:ext>
+            </a:extLst>
+          </p:cNvPr>
+          <p:cNvPicPr>
+            <a:picLocks noChangeAspect="1"/>
+          </p:cNvPicPr>
+          <p:nvPr/>
+        </p:nvPicPr>
+        <p:blipFill>
+          <a:blip r:embed="rId4">
+            <a:extLst>
+              <a:ext uri="{28A0092B-C50C-407E-A947-70E740481C1C}">
+                <a14:useLocalDpi xmlns:a14="http://schemas.microsoft.com/office/drawing/2010/main" val="0"/>
+              </a:ext>
+            </a:extLst>
+          </a:blip>
+          <a:stretch>
+            <a:fillRect/>
+          </a:stretch>
+        </p:blipFill>
+        <p:spPr>
+          <a:xfrm>
+            <a:off x="6510202" y="1045029"/>
+            <a:ext cx="5386329" cy="5346441"/>
+          </a:xfrm>
+          <a:prstGeom prst="rect">
+            <a:avLst/>
+          </a:prstGeom>
+        </p:spPr>
+      </p:pic>
+      <p:sp>
+        <p:nvSpPr>
+          <p:cNvPr id="59" name="사각형: 둥근 모서리 58">
+            <a:extLst>
+              <a:ext uri="{FF2B5EF4-FFF2-40B4-BE49-F238E27FC236}">
+                <a16:creationId xmlns:a16="http://schemas.microsoft.com/office/drawing/2014/main" id="{D7B90898-EEC2-496D-BAB5-836DA75F8FBC}"/>
+              </a:ext>
+            </a:extLst>
+          </p:cNvPr>
+          <p:cNvSpPr/>
+          <p:nvPr/>
+        </p:nvSpPr>
+        <p:spPr>
+          <a:xfrm>
+            <a:off x="9101328" y="6467856"/>
+            <a:ext cx="1133856" cy="298704"/>
+          </a:xfrm>
+          <a:prstGeom prst="roundRect">
+            <a:avLst/>
+          </a:prstGeom>
+          <a:solidFill>
+            <a:schemeClr val="accent4">
+              <a:lumMod val="40000"/>
+              <a:lumOff val="60000"/>
+            </a:schemeClr>
+          </a:solidFill>
+        </p:spPr>
+        <p:style>
+          <a:lnRef idx="2">
+            <a:schemeClr val="accent1">
+              <a:shade val="50000"/>
+            </a:schemeClr>
+          </a:lnRef>
+          <a:fillRef idx="1">
+            <a:schemeClr val="accent1"/>
+          </a:fillRef>
+          <a:effectRef idx="0">
+            <a:schemeClr val="accent1"/>
+          </a:effectRef>
+          <a:fontRef idx="minor">
+            <a:schemeClr val="lt1"/>
+          </a:fontRef>
+        </p:style>
+        <p:txBody>
+          <a:bodyPr rtlCol="0" anchor="ctr"/>
+          <a:lstStyle/>
+          <a:p>
+            <a:pPr algn="ctr"/>
+            <a:r>
+              <a:rPr lang="ko-KR" altLang="en-US" dirty="0">
+                <a:solidFill>
+                  <a:schemeClr val="tx1"/>
+                </a:solidFill>
+              </a:rPr>
+              <a:t>저 장</a:t>
+            </a:r>
+          </a:p>
+        </p:txBody>
+      </p:sp>
+      <p:sp>
+        <p:nvSpPr>
+          <p:cNvPr id="60" name="사각형: 둥근 모서리 59">
+            <a:extLst>
+              <a:ext uri="{FF2B5EF4-FFF2-40B4-BE49-F238E27FC236}">
+                <a16:creationId xmlns:a16="http://schemas.microsoft.com/office/drawing/2014/main" id="{1150856B-9FCB-41DA-B0F9-893849F7C5DB}"/>
+              </a:ext>
+            </a:extLst>
+          </p:cNvPr>
+          <p:cNvSpPr/>
+          <p:nvPr/>
+        </p:nvSpPr>
+        <p:spPr>
+          <a:xfrm>
+            <a:off x="10613136" y="6467856"/>
+            <a:ext cx="1133856" cy="298704"/>
+          </a:xfrm>
+          <a:prstGeom prst="roundRect">
+            <a:avLst/>
+          </a:prstGeom>
+          <a:solidFill>
+            <a:schemeClr val="bg1"/>
+          </a:solidFill>
+        </p:spPr>
+        <p:style>
+          <a:lnRef idx="2">
+            <a:schemeClr val="accent1">
+              <a:shade val="50000"/>
+            </a:schemeClr>
+          </a:lnRef>
+          <a:fillRef idx="1">
+            <a:schemeClr val="accent1"/>
+          </a:fillRef>
+          <a:effectRef idx="0">
+            <a:schemeClr val="accent1"/>
+          </a:effectRef>
+          <a:fontRef idx="minor">
+            <a:schemeClr val="lt1"/>
+          </a:fontRef>
+        </p:style>
+        <p:txBody>
+          <a:bodyPr rtlCol="0" anchor="ctr"/>
+          <a:lstStyle/>
+          <a:p>
+            <a:pPr algn="ctr"/>
+            <a:r>
+              <a:rPr lang="ko-KR" altLang="en-US" dirty="0">
+                <a:solidFill>
+                  <a:schemeClr val="tx1"/>
+                </a:solidFill>
+              </a:rPr>
+              <a:t>닫 기</a:t>
+            </a:r>
+          </a:p>
+        </p:txBody>
+      </p:sp>
+      <p:sp>
+        <p:nvSpPr>
+          <p:cNvPr id="44" name="TextBox 43">
+            <a:extLst>
+              <a:ext uri="{FF2B5EF4-FFF2-40B4-BE49-F238E27FC236}">
+                <a16:creationId xmlns:a16="http://schemas.microsoft.com/office/drawing/2014/main" id="{F871F49C-BA3F-4471-A0CC-8742B53F4667}"/>
+              </a:ext>
+            </a:extLst>
+          </p:cNvPr>
+          <p:cNvSpPr txBox="1"/>
+          <p:nvPr/>
+        </p:nvSpPr>
+        <p:spPr>
+          <a:xfrm>
+            <a:off x="2355004" y="2365812"/>
+            <a:ext cx="546945" cy="230832"/>
+          </a:xfrm>
+          <a:prstGeom prst="rect">
+            <a:avLst/>
+          </a:prstGeom>
+          <a:noFill/>
+        </p:spPr>
+        <p:txBody>
+          <a:bodyPr wrap="square" rtlCol="0">
+            <a:spAutoFit/>
+          </a:bodyPr>
+          <a:lstStyle/>
+          <a:p>
+            <a:r>
+              <a:rPr lang="ko-KR" altLang="en-US" sz="900" dirty="0"/>
+              <a:t>시간</a:t>
+            </a:r>
+          </a:p>
+        </p:txBody>
+      </p:sp>
+      <p:sp>
+        <p:nvSpPr>
+          <p:cNvPr id="13" name="직사각형 12">
+            <a:extLst>
+              <a:ext uri="{FF2B5EF4-FFF2-40B4-BE49-F238E27FC236}">
+                <a16:creationId xmlns:a16="http://schemas.microsoft.com/office/drawing/2014/main" id="{C728D50C-FC2A-47C2-9FF9-8B371BA102C8}"/>
+              </a:ext>
+            </a:extLst>
+          </p:cNvPr>
+          <p:cNvSpPr/>
+          <p:nvPr/>
+        </p:nvSpPr>
+        <p:spPr>
+          <a:xfrm>
+            <a:off x="1877231" y="2331588"/>
+            <a:ext cx="495277" cy="261610"/>
+          </a:xfrm>
+          <a:prstGeom prst="rect">
+            <a:avLst/>
+          </a:prstGeom>
+          <a:solidFill>
+            <a:schemeClr val="bg1"/>
+          </a:solidFill>
+        </p:spPr>
+        <p:style>
+          <a:lnRef idx="2">
+            <a:schemeClr val="accent1">
+              <a:shade val="50000"/>
+            </a:schemeClr>
+          </a:lnRef>
+          <a:fillRef idx="1">
+            <a:schemeClr val="accent1"/>
+          </a:fillRef>
+          <a:effectRef idx="0">
+            <a:schemeClr val="accent1"/>
+          </a:effectRef>
+          <a:fontRef idx="minor">
+            <a:schemeClr val="lt1"/>
+          </a:fontRef>
+        </p:style>
+        <p:txBody>
+          <a:bodyPr rtlCol="0" anchor="ctr"/>
+          <a:lstStyle/>
+          <a:p>
+            <a:r>
+              <a:rPr lang="en-US" altLang="ko-KR" sz="1100" dirty="0">
+                <a:solidFill>
+                  <a:schemeClr val="tx1"/>
+                </a:solidFill>
+              </a:rPr>
+              <a:t> 0</a:t>
+            </a:r>
+            <a:endParaRPr lang="ko-KR" altLang="en-US" sz="1100" dirty="0">
+              <a:solidFill>
+                <a:schemeClr val="tx1"/>
+              </a:solidFill>
+            </a:endParaRPr>
+          </a:p>
+        </p:txBody>
+      </p:sp>
+      <p:pic>
+        <p:nvPicPr>
+          <p:cNvPr id="23" name="그림 22">
+            <a:extLst>
+              <a:ext uri="{FF2B5EF4-FFF2-40B4-BE49-F238E27FC236}">
+                <a16:creationId xmlns:a16="http://schemas.microsoft.com/office/drawing/2014/main" id="{6DDAFC24-0D9E-4B2D-8F1F-4CB1049D3F9C}"/>
+              </a:ext>
+            </a:extLst>
+          </p:cNvPr>
+          <p:cNvPicPr>
+            <a:picLocks noChangeAspect="1"/>
+          </p:cNvPicPr>
+          <p:nvPr/>
+        </p:nvPicPr>
+        <p:blipFill>
+          <a:blip r:embed="rId5">
+            <a:extLst>
+              <a:ext uri="{28A0092B-C50C-407E-A947-70E740481C1C}">
+                <a14:useLocalDpi xmlns:a14="http://schemas.microsoft.com/office/drawing/2010/main" val="0"/>
+              </a:ext>
+            </a:extLst>
+          </a:blip>
+          <a:stretch>
+            <a:fillRect/>
+          </a:stretch>
+        </p:blipFill>
+        <p:spPr>
+          <a:xfrm>
+            <a:off x="2174359" y="2353278"/>
+            <a:ext cx="198149" cy="217894"/>
+          </a:xfrm>
+          <a:prstGeom prst="rect">
+            <a:avLst/>
+          </a:prstGeom>
+        </p:spPr>
+      </p:pic>
+      <p:sp>
+        <p:nvSpPr>
+          <p:cNvPr id="46" name="직사각형 45">
+            <a:extLst>
+              <a:ext uri="{FF2B5EF4-FFF2-40B4-BE49-F238E27FC236}">
+                <a16:creationId xmlns:a16="http://schemas.microsoft.com/office/drawing/2014/main" id="{E61D594D-2D99-41DE-951F-278E8DECA3E9}"/>
+              </a:ext>
+            </a:extLst>
+          </p:cNvPr>
+          <p:cNvSpPr/>
+          <p:nvPr/>
+        </p:nvSpPr>
+        <p:spPr>
+          <a:xfrm>
+            <a:off x="1875740" y="3656029"/>
+            <a:ext cx="495277" cy="261610"/>
+          </a:xfrm>
+          <a:prstGeom prst="rect">
+            <a:avLst/>
+          </a:prstGeom>
+          <a:solidFill>
+            <a:schemeClr val="bg1"/>
+          </a:solidFill>
+        </p:spPr>
+        <p:style>
+          <a:lnRef idx="2">
+            <a:schemeClr val="accent1">
+              <a:shade val="50000"/>
+            </a:schemeClr>
+          </a:lnRef>
+          <a:fillRef idx="1">
+            <a:schemeClr val="accent1"/>
+          </a:fillRef>
+          <a:effectRef idx="0">
+            <a:schemeClr val="accent1"/>
+          </a:effectRef>
+          <a:fontRef idx="minor">
+            <a:schemeClr val="lt1"/>
+          </a:fontRef>
+        </p:style>
+        <p:txBody>
+          <a:bodyPr rtlCol="0" anchor="ctr"/>
+          <a:lstStyle/>
+          <a:p>
+            <a:r>
+              <a:rPr lang="en-US" altLang="ko-KR" sz="1100" dirty="0">
+                <a:solidFill>
+                  <a:schemeClr val="tx1"/>
+                </a:solidFill>
+              </a:rPr>
+              <a:t> 0</a:t>
+            </a:r>
+            <a:endParaRPr lang="ko-KR" altLang="en-US" sz="1100" dirty="0">
+              <a:solidFill>
+                <a:schemeClr val="tx1"/>
+              </a:solidFill>
+            </a:endParaRPr>
+          </a:p>
+        </p:txBody>
+      </p:sp>
+      <p:pic>
+        <p:nvPicPr>
+          <p:cNvPr id="30" name="그림 29">
+            <a:extLst>
+              <a:ext uri="{FF2B5EF4-FFF2-40B4-BE49-F238E27FC236}">
+                <a16:creationId xmlns:a16="http://schemas.microsoft.com/office/drawing/2014/main" id="{7DAC48AD-97F1-4BBF-8441-7035B7D68A4A}"/>
+              </a:ext>
+            </a:extLst>
+          </p:cNvPr>
+          <p:cNvPicPr>
+            <a:picLocks noChangeAspect="1"/>
+          </p:cNvPicPr>
+          <p:nvPr/>
+        </p:nvPicPr>
+        <p:blipFill>
+          <a:blip r:embed="rId5">
+            <a:extLst>
+              <a:ext uri="{28A0092B-C50C-407E-A947-70E740481C1C}">
+                <a14:useLocalDpi xmlns:a14="http://schemas.microsoft.com/office/drawing/2010/main" val="0"/>
+              </a:ext>
+            </a:extLst>
+          </a:blip>
+          <a:stretch>
+            <a:fillRect/>
+          </a:stretch>
+        </p:blipFill>
+        <p:spPr>
+          <a:xfrm>
+            <a:off x="2149358" y="3685928"/>
+            <a:ext cx="205646" cy="226138"/>
+          </a:xfrm>
+          <a:prstGeom prst="rect">
+            <a:avLst/>
+          </a:prstGeom>
+        </p:spPr>
+      </p:pic>
+      <p:sp>
+        <p:nvSpPr>
+          <p:cNvPr id="47" name="TextBox 46">
+            <a:extLst>
+              <a:ext uri="{FF2B5EF4-FFF2-40B4-BE49-F238E27FC236}">
+                <a16:creationId xmlns:a16="http://schemas.microsoft.com/office/drawing/2014/main" id="{EC53E383-9E1F-4260-BDAF-F8EB84EE5372}"/>
+              </a:ext>
+            </a:extLst>
+          </p:cNvPr>
+          <p:cNvSpPr txBox="1"/>
+          <p:nvPr/>
+        </p:nvSpPr>
+        <p:spPr>
+          <a:xfrm>
+            <a:off x="2355003" y="3708617"/>
+            <a:ext cx="546945" cy="230832"/>
+          </a:xfrm>
+          <a:prstGeom prst="rect">
+            <a:avLst/>
+          </a:prstGeom>
+          <a:noFill/>
+        </p:spPr>
+        <p:txBody>
+          <a:bodyPr wrap="square" rtlCol="0">
+            <a:spAutoFit/>
+          </a:bodyPr>
+          <a:lstStyle/>
+          <a:p>
+            <a:r>
+              <a:rPr lang="ko-KR" altLang="en-US" sz="900" dirty="0"/>
+              <a:t>시간</a:t>
+            </a:r>
+          </a:p>
+        </p:txBody>
+      </p:sp>
+      <p:sp>
+        <p:nvSpPr>
+          <p:cNvPr id="15" name="직사각형 14">
+            <a:extLst>
+              <a:ext uri="{FF2B5EF4-FFF2-40B4-BE49-F238E27FC236}">
+                <a16:creationId xmlns:a16="http://schemas.microsoft.com/office/drawing/2014/main" id="{CAD8F1CA-E149-4B23-B328-B6AF097EEF30}"/>
+              </a:ext>
+            </a:extLst>
+          </p:cNvPr>
+          <p:cNvSpPr/>
+          <p:nvPr/>
+        </p:nvSpPr>
+        <p:spPr>
+          <a:xfrm>
+            <a:off x="4310958" y="2397800"/>
+            <a:ext cx="3710238" cy="2439387"/>
+          </a:xfrm>
+          <a:prstGeom prst="rect">
+            <a:avLst/>
+          </a:prstGeom>
+          <a:solidFill>
+            <a:schemeClr val="bg1"/>
+          </a:solidFill>
+        </p:spPr>
+        <p:style>
+          <a:lnRef idx="2">
+            <a:schemeClr val="accent1">
+              <a:shade val="50000"/>
+            </a:schemeClr>
+          </a:lnRef>
+          <a:fillRef idx="1">
+            <a:schemeClr val="accent1"/>
+          </a:fillRef>
+          <a:effectRef idx="0">
+            <a:schemeClr val="accent1"/>
+          </a:effectRef>
+          <a:fontRef idx="minor">
+            <a:schemeClr val="lt1"/>
+          </a:fontRef>
+        </p:style>
+        <p:txBody>
+          <a:bodyPr rtlCol="0" anchor="ctr"/>
+          <a:lstStyle/>
+          <a:p>
+            <a:pPr algn="ctr"/>
+            <a:endParaRPr lang="ko-KR" altLang="en-US"/>
+          </a:p>
+        </p:txBody>
+      </p:sp>
+      <p:cxnSp>
+        <p:nvCxnSpPr>
+          <p:cNvPr id="25" name="직선 연결선 24">
+            <a:extLst>
+              <a:ext uri="{FF2B5EF4-FFF2-40B4-BE49-F238E27FC236}">
+                <a16:creationId xmlns:a16="http://schemas.microsoft.com/office/drawing/2014/main" id="{CB413C84-6778-4DC2-86E5-9E97E1A67CD3}"/>
+              </a:ext>
+            </a:extLst>
+          </p:cNvPr>
+          <p:cNvCxnSpPr/>
+          <p:nvPr/>
+        </p:nvCxnSpPr>
+        <p:spPr>
+          <a:xfrm>
+            <a:off x="4487758" y="2911927"/>
+            <a:ext cx="3382919" cy="0"/>
+          </a:xfrm>
+          <a:prstGeom prst="line">
+            <a:avLst/>
+          </a:prstGeom>
+        </p:spPr>
+        <p:style>
+          <a:lnRef idx="1">
+            <a:schemeClr val="accent1"/>
+          </a:lnRef>
+          <a:fillRef idx="0">
+            <a:schemeClr val="accent1"/>
+          </a:fillRef>
+          <a:effectRef idx="0">
+            <a:schemeClr val="accent1"/>
+          </a:effectRef>
+          <a:fontRef idx="minor">
+            <a:schemeClr val="tx1"/>
+          </a:fontRef>
+        </p:style>
+      </p:cxnSp>
+      <p:sp>
+        <p:nvSpPr>
+          <p:cNvPr id="26" name="TextBox 25">
+            <a:extLst>
+              <a:ext uri="{FF2B5EF4-FFF2-40B4-BE49-F238E27FC236}">
+                <a16:creationId xmlns:a16="http://schemas.microsoft.com/office/drawing/2014/main" id="{8998B65F-62AC-49EE-B052-2FCD13C90CB7}"/>
+              </a:ext>
+            </a:extLst>
+          </p:cNvPr>
+          <p:cNvSpPr txBox="1"/>
+          <p:nvPr/>
+        </p:nvSpPr>
+        <p:spPr>
+          <a:xfrm>
+            <a:off x="5809333" y="2502454"/>
+            <a:ext cx="646331" cy="369332"/>
+          </a:xfrm>
+          <a:prstGeom prst="rect">
+            <a:avLst/>
+          </a:prstGeom>
+          <a:noFill/>
+        </p:spPr>
+        <p:txBody>
+          <a:bodyPr wrap="none" rtlCol="0">
+            <a:spAutoFit/>
+          </a:bodyPr>
+          <a:lstStyle/>
+          <a:p>
+            <a:r>
+              <a:rPr lang="ko-KR" altLang="en-US" dirty="0"/>
+              <a:t>경고</a:t>
+            </a:r>
+          </a:p>
+        </p:txBody>
+      </p:sp>
+      <p:sp>
+        <p:nvSpPr>
+          <p:cNvPr id="28" name="TextBox 27">
+            <a:extLst>
+              <a:ext uri="{FF2B5EF4-FFF2-40B4-BE49-F238E27FC236}">
+                <a16:creationId xmlns:a16="http://schemas.microsoft.com/office/drawing/2014/main" id="{428F1A31-5108-4B16-90EC-80F6258FEFC7}"/>
+              </a:ext>
+            </a:extLst>
+          </p:cNvPr>
+          <p:cNvSpPr txBox="1"/>
+          <p:nvPr/>
+        </p:nvSpPr>
+        <p:spPr>
+          <a:xfrm>
+            <a:off x="4487757" y="3339285"/>
+            <a:ext cx="3297461" cy="646331"/>
+          </a:xfrm>
+          <a:prstGeom prst="rect">
+            <a:avLst/>
+          </a:prstGeom>
+          <a:noFill/>
+        </p:spPr>
+        <p:txBody>
+          <a:bodyPr wrap="square" rtlCol="0">
+            <a:spAutoFit/>
+          </a:bodyPr>
+          <a:lstStyle/>
+          <a:p>
+            <a:pPr algn="ctr"/>
+            <a:r>
+              <a:rPr lang="ko-KR" altLang="en-US" dirty="0"/>
+              <a:t>모든 날짜에 </a:t>
+            </a:r>
+            <a:r>
+              <a:rPr lang="en-US" altLang="ko-KR" dirty="0"/>
+              <a:t>1</a:t>
+            </a:r>
+            <a:r>
+              <a:rPr lang="ko-KR" altLang="en-US" dirty="0"/>
+              <a:t>개 이상의 </a:t>
+            </a:r>
+            <a:endParaRPr lang="en-US" altLang="ko-KR" dirty="0"/>
+          </a:p>
+          <a:p>
+            <a:pPr algn="ctr"/>
+            <a:r>
+              <a:rPr lang="ko-KR" altLang="en-US" dirty="0"/>
+              <a:t>장소를 넣어주세요</a:t>
+            </a:r>
+            <a:r>
+              <a:rPr lang="en-US" altLang="ko-KR" dirty="0"/>
+              <a:t>!</a:t>
+            </a:r>
+            <a:endParaRPr lang="ko-KR" altLang="en-US" dirty="0"/>
+          </a:p>
+        </p:txBody>
+      </p:sp>
+      <p:sp>
+        <p:nvSpPr>
+          <p:cNvPr id="48" name="사각형: 둥근 모서리 47">
+            <a:extLst>
+              <a:ext uri="{FF2B5EF4-FFF2-40B4-BE49-F238E27FC236}">
+                <a16:creationId xmlns:a16="http://schemas.microsoft.com/office/drawing/2014/main" id="{DD2D7D06-77D1-4D62-A863-FEAB149D35B2}"/>
+              </a:ext>
+            </a:extLst>
+          </p:cNvPr>
+          <p:cNvSpPr/>
+          <p:nvPr/>
+        </p:nvSpPr>
+        <p:spPr>
+          <a:xfrm>
+            <a:off x="5731486" y="4314754"/>
+            <a:ext cx="945037" cy="420708"/>
+          </a:xfrm>
+          <a:prstGeom prst="roundRect">
+            <a:avLst/>
+          </a:prstGeom>
+          <a:solidFill>
+            <a:schemeClr val="accent1">
+              <a:lumMod val="75000"/>
+            </a:schemeClr>
+          </a:solidFill>
+        </p:spPr>
+        <p:style>
+          <a:lnRef idx="2">
+            <a:schemeClr val="accent1">
+              <a:shade val="50000"/>
+            </a:schemeClr>
+          </a:lnRef>
+          <a:fillRef idx="1">
+            <a:schemeClr val="accent1"/>
+          </a:fillRef>
+          <a:effectRef idx="0">
+            <a:schemeClr val="accent1"/>
+          </a:effectRef>
+          <a:fontRef idx="minor">
+            <a:schemeClr val="lt1"/>
+          </a:fontRef>
+        </p:style>
+        <p:txBody>
+          <a:bodyPr rtlCol="0" anchor="ctr"/>
+          <a:lstStyle/>
+          <a:p>
+            <a:pPr algn="ctr"/>
+            <a:r>
+              <a:rPr lang="ko-KR" altLang="en-US" sz="1400" dirty="0">
+                <a:latin typeface="HY견고딕" panose="02030600000101010101" pitchFamily="18" charset="-127"/>
+                <a:ea typeface="HY견고딕" panose="02030600000101010101" pitchFamily="18" charset="-127"/>
+              </a:rPr>
+              <a:t>확인</a:t>
+            </a:r>
+          </a:p>
+        </p:txBody>
+      </p:sp>
+    </p:spTree>
+    <p:extLst>
+      <p:ext uri="{BB962C8B-B14F-4D97-AF65-F5344CB8AC3E}">
+        <p14:creationId xmlns:p14="http://schemas.microsoft.com/office/powerpoint/2010/main" val="755778431"/>
+      </p:ext>
+    </p:extLst>
+  </p:cSld>
+  <p:clrMapOvr>
+    <a:masterClrMapping/>
+  </p:clrMapOvr>
+</p:sld>
+</file>
+
+<file path=ppt/slides/slide11.xml><?xml version="1.0" encoding="utf-8"?>
+<p:sld xmlns:a="http://schemas.openxmlformats.org/drawingml/2006/main" xmlns:r="http://schemas.openxmlformats.org/officeDocument/2006/relationships" xmlns:p="http://schemas.openxmlformats.org/presentationml/2006/main">
+  <p:cSld>
+    <p:spTree>
+      <p:nvGrpSpPr>
+        <p:cNvPr id="1" name=""/>
+        <p:cNvGrpSpPr/>
+        <p:nvPr/>
+      </p:nvGrpSpPr>
+      <p:grpSpPr>
+        <a:xfrm>
+          <a:off x="0" y="0"/>
+          <a:ext cx="0" cy="0"/>
+          <a:chOff x="0" y="0"/>
+          <a:chExt cx="0" cy="0"/>
+        </a:xfrm>
+      </p:grpSpPr>
+      <p:sp>
+        <p:nvSpPr>
+          <p:cNvPr id="2" name="제목 1">
+            <a:extLst>
+              <a:ext uri="{FF2B5EF4-FFF2-40B4-BE49-F238E27FC236}">
+                <a16:creationId xmlns:a16="http://schemas.microsoft.com/office/drawing/2014/main" id="{FCCE6D91-A4D2-4BF6-A581-D9066427D24C}"/>
+              </a:ext>
+            </a:extLst>
+          </p:cNvPr>
+          <p:cNvSpPr>
+            <a:spLocks noGrp="1"/>
+          </p:cNvSpPr>
+          <p:nvPr>
+            <p:ph type="title"/>
+          </p:nvPr>
+        </p:nvSpPr>
+        <p:spPr>
+          <a:xfrm>
+            <a:off x="326571" y="365126"/>
+            <a:ext cx="11569960" cy="557664"/>
+          </a:xfrm>
+          <a:ln>
+            <a:solidFill>
+              <a:schemeClr val="tx1"/>
+            </a:solidFill>
+          </a:ln>
+        </p:spPr>
+        <p:txBody>
+          <a:bodyPr>
+            <a:normAutofit/>
+          </a:bodyPr>
+          <a:lstStyle/>
+          <a:p>
+            <a:r>
+              <a:rPr lang="ko-KR" altLang="en-US" sz="3200" dirty="0" err="1"/>
+              <a:t>플래너</a:t>
+            </a:r>
+            <a:r>
+              <a:rPr lang="ko-KR" altLang="en-US" sz="3200" dirty="0"/>
+              <a:t> 작성 화면 </a:t>
+            </a:r>
+            <a:r>
+              <a:rPr lang="en-US" altLang="ko-KR" sz="3200" dirty="0"/>
+              <a:t>(P03)</a:t>
+            </a:r>
+            <a:endParaRPr lang="ko-KR" altLang="en-US" sz="3200" dirty="0"/>
+          </a:p>
+        </p:txBody>
+      </p:sp>
+      <p:sp>
+        <p:nvSpPr>
+          <p:cNvPr id="4" name="직사각형 3">
+            <a:extLst>
+              <a:ext uri="{FF2B5EF4-FFF2-40B4-BE49-F238E27FC236}">
+                <a16:creationId xmlns:a16="http://schemas.microsoft.com/office/drawing/2014/main" id="{4CC9D6AE-AA2A-4625-A882-B479931C112C}"/>
+              </a:ext>
+            </a:extLst>
+          </p:cNvPr>
+          <p:cNvSpPr/>
+          <p:nvPr/>
+        </p:nvSpPr>
+        <p:spPr>
+          <a:xfrm>
+            <a:off x="326571" y="1045029"/>
+            <a:ext cx="11569960" cy="5346441"/>
+          </a:xfrm>
+          <a:prstGeom prst="rect">
+            <a:avLst/>
+          </a:prstGeom>
+          <a:noFill/>
+        </p:spPr>
+        <p:style>
+          <a:lnRef idx="2">
+            <a:schemeClr val="accent1">
+              <a:shade val="50000"/>
+            </a:schemeClr>
+          </a:lnRef>
+          <a:fillRef idx="1">
+            <a:schemeClr val="accent1"/>
+          </a:fillRef>
+          <a:effectRef idx="0">
+            <a:schemeClr val="accent1"/>
+          </a:effectRef>
+          <a:fontRef idx="minor">
+            <a:schemeClr val="lt1"/>
+          </a:fontRef>
+        </p:style>
+        <p:txBody>
+          <a:bodyPr rtlCol="0" anchor="ctr"/>
+          <a:lstStyle/>
+          <a:p>
+            <a:pPr algn="ctr"/>
+            <a:endParaRPr lang="ko-KR" altLang="en-US"/>
+          </a:p>
+        </p:txBody>
+      </p:sp>
+      <p:sp>
+        <p:nvSpPr>
+          <p:cNvPr id="3" name="직사각형 2">
+            <a:extLst>
+              <a:ext uri="{FF2B5EF4-FFF2-40B4-BE49-F238E27FC236}">
+                <a16:creationId xmlns:a16="http://schemas.microsoft.com/office/drawing/2014/main" id="{9F9E5247-5104-4622-9E8B-74FBFB9560EC}"/>
+              </a:ext>
+            </a:extLst>
+          </p:cNvPr>
+          <p:cNvSpPr/>
+          <p:nvPr/>
+        </p:nvSpPr>
+        <p:spPr>
+          <a:xfrm>
+            <a:off x="326571" y="1045029"/>
+            <a:ext cx="1062614" cy="5346441"/>
+          </a:xfrm>
+          <a:prstGeom prst="rect">
+            <a:avLst/>
+          </a:prstGeom>
+          <a:solidFill>
+            <a:schemeClr val="tx2">
+              <a:lumMod val="60000"/>
+              <a:lumOff val="40000"/>
+            </a:schemeClr>
+          </a:solidFill>
+        </p:spPr>
+        <p:style>
+          <a:lnRef idx="2">
+            <a:schemeClr val="accent1">
+              <a:shade val="50000"/>
+            </a:schemeClr>
+          </a:lnRef>
+          <a:fillRef idx="1">
+            <a:schemeClr val="accent1"/>
+          </a:fillRef>
+          <a:effectRef idx="0">
+            <a:schemeClr val="accent1"/>
+          </a:effectRef>
+          <a:fontRef idx="minor">
+            <a:schemeClr val="lt1"/>
+          </a:fontRef>
+        </p:style>
+        <p:txBody>
+          <a:bodyPr rtlCol="0" anchor="ctr"/>
+          <a:lstStyle/>
+          <a:p>
+            <a:pPr algn="ctr"/>
+            <a:endParaRPr lang="ko-KR" altLang="en-US"/>
+          </a:p>
+        </p:txBody>
+      </p:sp>
+      <p:sp>
+        <p:nvSpPr>
+          <p:cNvPr id="5" name="직사각형 4">
+            <a:extLst>
+              <a:ext uri="{FF2B5EF4-FFF2-40B4-BE49-F238E27FC236}">
+                <a16:creationId xmlns:a16="http://schemas.microsoft.com/office/drawing/2014/main" id="{CA4227B1-E9FB-4B31-A17B-D9735800D13E}"/>
+              </a:ext>
+            </a:extLst>
+          </p:cNvPr>
+          <p:cNvSpPr/>
+          <p:nvPr/>
+        </p:nvSpPr>
+        <p:spPr>
+          <a:xfrm>
+            <a:off x="1389185" y="1045029"/>
+            <a:ext cx="2455984" cy="660679"/>
+          </a:xfrm>
+          <a:prstGeom prst="rect">
+            <a:avLst/>
+          </a:prstGeom>
+          <a:solidFill>
+            <a:schemeClr val="bg1">
+              <a:lumMod val="85000"/>
+            </a:schemeClr>
+          </a:solidFill>
+        </p:spPr>
+        <p:style>
+          <a:lnRef idx="2">
+            <a:schemeClr val="accent1">
+              <a:shade val="50000"/>
+            </a:schemeClr>
+          </a:lnRef>
+          <a:fillRef idx="1">
+            <a:schemeClr val="accent1"/>
+          </a:fillRef>
+          <a:effectRef idx="0">
+            <a:schemeClr val="accent1"/>
+          </a:effectRef>
+          <a:fontRef idx="minor">
+            <a:schemeClr val="lt1"/>
+          </a:fontRef>
+        </p:style>
+        <p:txBody>
+          <a:bodyPr rtlCol="0" anchor="ctr"/>
+          <a:lstStyle/>
+          <a:p>
+            <a:pPr algn="ctr"/>
+            <a:r>
+              <a:rPr lang="en-US" altLang="ko-KR" dirty="0">
+                <a:solidFill>
+                  <a:schemeClr val="tx1"/>
+                </a:solidFill>
+              </a:rPr>
+              <a:t>1</a:t>
+            </a:r>
+            <a:r>
+              <a:rPr lang="ko-KR" altLang="en-US" dirty="0">
+                <a:solidFill>
+                  <a:schemeClr val="tx1"/>
+                </a:solidFill>
+              </a:rPr>
+              <a:t>일차 </a:t>
+            </a:r>
+            <a:r>
+              <a:rPr lang="en-US" altLang="ko-KR" dirty="0">
+                <a:solidFill>
+                  <a:schemeClr val="tx1"/>
+                </a:solidFill>
+              </a:rPr>
+              <a:t>| </a:t>
+            </a:r>
+            <a:r>
+              <a:rPr lang="en-US" altLang="ko-KR" sz="1600" dirty="0">
+                <a:solidFill>
+                  <a:schemeClr val="tx1"/>
+                </a:solidFill>
+              </a:rPr>
+              <a:t>xx. xx . xx (</a:t>
+            </a:r>
+            <a:r>
+              <a:rPr lang="ko-KR" altLang="en-US" sz="1600" dirty="0">
+                <a:solidFill>
+                  <a:schemeClr val="tx1"/>
+                </a:solidFill>
+              </a:rPr>
+              <a:t>요일</a:t>
+            </a:r>
+            <a:r>
+              <a:rPr lang="en-US" altLang="ko-KR" sz="1600" dirty="0">
+                <a:solidFill>
+                  <a:schemeClr val="tx1"/>
+                </a:solidFill>
+              </a:rPr>
+              <a:t>)</a:t>
+            </a:r>
+            <a:endParaRPr lang="ko-KR" altLang="en-US" sz="1600" dirty="0">
+              <a:solidFill>
+                <a:schemeClr val="tx1"/>
+              </a:solidFill>
+            </a:endParaRPr>
+          </a:p>
+        </p:txBody>
+      </p:sp>
+      <p:sp>
+        <p:nvSpPr>
+          <p:cNvPr id="6" name="직사각형 5">
+            <a:extLst>
+              <a:ext uri="{FF2B5EF4-FFF2-40B4-BE49-F238E27FC236}">
+                <a16:creationId xmlns:a16="http://schemas.microsoft.com/office/drawing/2014/main" id="{6E0B0DDD-112D-48A0-A24B-550307356E0D}"/>
+              </a:ext>
+            </a:extLst>
+          </p:cNvPr>
+          <p:cNvSpPr/>
+          <p:nvPr/>
+        </p:nvSpPr>
+        <p:spPr>
+          <a:xfrm>
+            <a:off x="3845169" y="1045029"/>
+            <a:ext cx="2661139" cy="5346441"/>
+          </a:xfrm>
+          <a:prstGeom prst="rect">
+            <a:avLst/>
+          </a:prstGeom>
+          <a:solidFill>
+            <a:schemeClr val="bg1"/>
+          </a:solidFill>
+        </p:spPr>
+        <p:style>
+          <a:lnRef idx="2">
+            <a:schemeClr val="accent1">
+              <a:shade val="50000"/>
+            </a:schemeClr>
+          </a:lnRef>
+          <a:fillRef idx="1">
+            <a:schemeClr val="accent1"/>
+          </a:fillRef>
+          <a:effectRef idx="0">
+            <a:schemeClr val="accent1"/>
+          </a:effectRef>
+          <a:fontRef idx="minor">
+            <a:schemeClr val="lt1"/>
+          </a:fontRef>
+        </p:style>
+        <p:txBody>
+          <a:bodyPr rtlCol="0" anchor="ctr"/>
+          <a:lstStyle/>
+          <a:p>
+            <a:pPr algn="ctr"/>
+            <a:endParaRPr lang="ko-KR" altLang="en-US" dirty="0"/>
+          </a:p>
+        </p:txBody>
+      </p:sp>
+      <p:sp>
+        <p:nvSpPr>
+          <p:cNvPr id="7" name="직사각형 6">
+            <a:extLst>
+              <a:ext uri="{FF2B5EF4-FFF2-40B4-BE49-F238E27FC236}">
+                <a16:creationId xmlns:a16="http://schemas.microsoft.com/office/drawing/2014/main" id="{CD3C1418-6DF1-4207-8011-89D6694FBA60}"/>
+              </a:ext>
+            </a:extLst>
+          </p:cNvPr>
+          <p:cNvSpPr/>
+          <p:nvPr/>
+        </p:nvSpPr>
+        <p:spPr>
+          <a:xfrm>
+            <a:off x="326571" y="1045029"/>
+            <a:ext cx="1062614" cy="660679"/>
+          </a:xfrm>
+          <a:prstGeom prst="rect">
+            <a:avLst/>
+          </a:prstGeom>
+          <a:solidFill>
+            <a:schemeClr val="tx2">
+              <a:lumMod val="60000"/>
+              <a:lumOff val="40000"/>
+            </a:schemeClr>
+          </a:solidFill>
+        </p:spPr>
+        <p:style>
+          <a:lnRef idx="2">
+            <a:schemeClr val="accent1">
+              <a:shade val="50000"/>
+            </a:schemeClr>
+          </a:lnRef>
+          <a:fillRef idx="1">
+            <a:schemeClr val="accent1"/>
+          </a:fillRef>
+          <a:effectRef idx="0">
+            <a:schemeClr val="accent1"/>
+          </a:effectRef>
+          <a:fontRef idx="minor">
+            <a:schemeClr val="lt1"/>
+          </a:fontRef>
+        </p:style>
+        <p:txBody>
+          <a:bodyPr rtlCol="0" anchor="ctr"/>
+          <a:lstStyle/>
+          <a:p>
+            <a:pPr algn="ctr"/>
+            <a:r>
+              <a:rPr lang="ko-KR" altLang="en-US" dirty="0"/>
+              <a:t>일정</a:t>
+            </a:r>
+          </a:p>
+        </p:txBody>
+      </p:sp>
+      <p:sp>
+        <p:nvSpPr>
+          <p:cNvPr id="8" name="직사각형 7">
+            <a:extLst>
+              <a:ext uri="{FF2B5EF4-FFF2-40B4-BE49-F238E27FC236}">
+                <a16:creationId xmlns:a16="http://schemas.microsoft.com/office/drawing/2014/main" id="{DAD6D70A-B387-4C0B-9454-310587EEDE58}"/>
+              </a:ext>
+            </a:extLst>
+          </p:cNvPr>
+          <p:cNvSpPr/>
+          <p:nvPr/>
+        </p:nvSpPr>
+        <p:spPr>
+          <a:xfrm>
+            <a:off x="326571" y="1705708"/>
+            <a:ext cx="1062614" cy="849923"/>
+          </a:xfrm>
+          <a:prstGeom prst="rect">
+            <a:avLst/>
+          </a:prstGeom>
+          <a:solidFill>
+            <a:schemeClr val="tx2">
+              <a:lumMod val="75000"/>
+            </a:schemeClr>
+          </a:solidFill>
+        </p:spPr>
+        <p:style>
+          <a:lnRef idx="2">
+            <a:schemeClr val="accent1">
+              <a:shade val="50000"/>
+            </a:schemeClr>
+          </a:lnRef>
+          <a:fillRef idx="1">
+            <a:schemeClr val="accent1"/>
+          </a:fillRef>
+          <a:effectRef idx="0">
+            <a:schemeClr val="accent1"/>
+          </a:effectRef>
+          <a:fontRef idx="minor">
+            <a:schemeClr val="lt1"/>
+          </a:fontRef>
+        </p:style>
+        <p:txBody>
+          <a:bodyPr rtlCol="0" anchor="ctr"/>
+          <a:lstStyle/>
+          <a:p>
+            <a:pPr algn="ctr"/>
+            <a:r>
+              <a:rPr lang="en-US" altLang="ko-KR" dirty="0"/>
+              <a:t>xx . xx</a:t>
+            </a:r>
+          </a:p>
+          <a:p>
+            <a:pPr algn="ctr"/>
+            <a:r>
+              <a:rPr lang="en-US" altLang="ko-KR" dirty="0"/>
+              <a:t>(</a:t>
+            </a:r>
+            <a:r>
+              <a:rPr lang="ko-KR" altLang="en-US" dirty="0"/>
+              <a:t>요일</a:t>
+            </a:r>
+            <a:r>
+              <a:rPr lang="en-US" altLang="ko-KR" dirty="0"/>
+              <a:t>)</a:t>
+            </a:r>
+            <a:endParaRPr lang="ko-KR" altLang="en-US" dirty="0"/>
+          </a:p>
+        </p:txBody>
+      </p:sp>
+      <p:sp>
+        <p:nvSpPr>
+          <p:cNvPr id="9" name="직사각형 8">
+            <a:extLst>
+              <a:ext uri="{FF2B5EF4-FFF2-40B4-BE49-F238E27FC236}">
+                <a16:creationId xmlns:a16="http://schemas.microsoft.com/office/drawing/2014/main" id="{6A85FA1C-D58D-4B80-9E4E-549BB0E62829}"/>
+              </a:ext>
+            </a:extLst>
+          </p:cNvPr>
+          <p:cNvSpPr/>
+          <p:nvPr/>
+        </p:nvSpPr>
+        <p:spPr>
+          <a:xfrm>
+            <a:off x="326571" y="2555631"/>
+            <a:ext cx="1062614" cy="849923"/>
+          </a:xfrm>
+          <a:prstGeom prst="rect">
+            <a:avLst/>
+          </a:prstGeom>
+          <a:solidFill>
+            <a:schemeClr val="tx2">
+              <a:lumMod val="60000"/>
+              <a:lumOff val="40000"/>
+            </a:schemeClr>
+          </a:solidFill>
+        </p:spPr>
+        <p:style>
+          <a:lnRef idx="2">
+            <a:schemeClr val="accent1">
+              <a:shade val="50000"/>
+            </a:schemeClr>
+          </a:lnRef>
+          <a:fillRef idx="1">
+            <a:schemeClr val="accent1"/>
+          </a:fillRef>
+          <a:effectRef idx="0">
+            <a:schemeClr val="accent1"/>
+          </a:effectRef>
+          <a:fontRef idx="minor">
+            <a:schemeClr val="lt1"/>
+          </a:fontRef>
+        </p:style>
+        <p:txBody>
+          <a:bodyPr rtlCol="0" anchor="ctr"/>
+          <a:lstStyle/>
+          <a:p>
+            <a:pPr algn="ctr"/>
+            <a:r>
+              <a:rPr lang="en-US" altLang="ko-KR" dirty="0"/>
+              <a:t>xx . xx</a:t>
+            </a:r>
+          </a:p>
+          <a:p>
+            <a:pPr algn="ctr"/>
+            <a:r>
+              <a:rPr lang="en-US" altLang="ko-KR" dirty="0"/>
+              <a:t>(</a:t>
+            </a:r>
+            <a:r>
+              <a:rPr lang="ko-KR" altLang="en-US" dirty="0"/>
+              <a:t>요일</a:t>
+            </a:r>
+            <a:r>
+              <a:rPr lang="en-US" altLang="ko-KR" dirty="0"/>
+              <a:t>)</a:t>
+            </a:r>
+            <a:endParaRPr lang="ko-KR" altLang="en-US" dirty="0"/>
+          </a:p>
+        </p:txBody>
+      </p:sp>
+      <p:sp>
+        <p:nvSpPr>
+          <p:cNvPr id="10" name="TextBox 9">
+            <a:extLst>
+              <a:ext uri="{FF2B5EF4-FFF2-40B4-BE49-F238E27FC236}">
+                <a16:creationId xmlns:a16="http://schemas.microsoft.com/office/drawing/2014/main" id="{11168070-481B-4A3E-9CA6-ED1D3AEE3ABD}"/>
+              </a:ext>
+            </a:extLst>
+          </p:cNvPr>
+          <p:cNvSpPr txBox="1"/>
+          <p:nvPr/>
+        </p:nvSpPr>
+        <p:spPr>
+          <a:xfrm>
+            <a:off x="739897" y="3527793"/>
+            <a:ext cx="235962" cy="923330"/>
+          </a:xfrm>
+          <a:prstGeom prst="rect">
+            <a:avLst/>
+          </a:prstGeom>
+          <a:noFill/>
+        </p:spPr>
+        <p:txBody>
+          <a:bodyPr wrap="none" rtlCol="0">
+            <a:spAutoFit/>
+          </a:bodyPr>
+          <a:lstStyle/>
+          <a:p>
+            <a:r>
+              <a:rPr lang="en-US" altLang="ko-KR" dirty="0">
+                <a:solidFill>
+                  <a:schemeClr val="bg1"/>
+                </a:solidFill>
+              </a:rPr>
+              <a:t>.</a:t>
+            </a:r>
+          </a:p>
+          <a:p>
+            <a:r>
+              <a:rPr lang="en-US" altLang="ko-KR" dirty="0">
+                <a:solidFill>
+                  <a:schemeClr val="bg1"/>
+                </a:solidFill>
+              </a:rPr>
+              <a:t>.</a:t>
+            </a:r>
+          </a:p>
+          <a:p>
+            <a:r>
+              <a:rPr lang="en-US" altLang="ko-KR" dirty="0">
+                <a:solidFill>
+                  <a:schemeClr val="bg1"/>
+                </a:solidFill>
+              </a:rPr>
+              <a:t>.</a:t>
+            </a:r>
+            <a:endParaRPr lang="ko-KR" altLang="en-US" dirty="0">
+              <a:solidFill>
+                <a:schemeClr val="bg1"/>
+              </a:solidFill>
+            </a:endParaRPr>
+          </a:p>
+        </p:txBody>
+      </p:sp>
+      <p:sp>
+        <p:nvSpPr>
+          <p:cNvPr id="39" name="직사각형 38">
+            <a:extLst>
+              <a:ext uri="{FF2B5EF4-FFF2-40B4-BE49-F238E27FC236}">
+                <a16:creationId xmlns:a16="http://schemas.microsoft.com/office/drawing/2014/main" id="{483B05D1-64D9-489C-9949-2D21AB5E92A6}"/>
+              </a:ext>
+            </a:extLst>
+          </p:cNvPr>
+          <p:cNvSpPr/>
+          <p:nvPr/>
+        </p:nvSpPr>
+        <p:spPr>
+          <a:xfrm>
+            <a:off x="327914" y="4525108"/>
+            <a:ext cx="1062614" cy="849923"/>
+          </a:xfrm>
+          <a:prstGeom prst="rect">
+            <a:avLst/>
+          </a:prstGeom>
+          <a:solidFill>
+            <a:schemeClr val="tx2">
+              <a:lumMod val="60000"/>
+              <a:lumOff val="40000"/>
+            </a:schemeClr>
+          </a:solidFill>
+        </p:spPr>
+        <p:style>
+          <a:lnRef idx="2">
+            <a:schemeClr val="accent1">
+              <a:shade val="50000"/>
+            </a:schemeClr>
+          </a:lnRef>
+          <a:fillRef idx="1">
+            <a:schemeClr val="accent1"/>
+          </a:fillRef>
+          <a:effectRef idx="0">
+            <a:schemeClr val="accent1"/>
+          </a:effectRef>
+          <a:fontRef idx="minor">
+            <a:schemeClr val="lt1"/>
+          </a:fontRef>
+        </p:style>
+        <p:txBody>
+          <a:bodyPr rtlCol="0" anchor="ctr"/>
+          <a:lstStyle/>
+          <a:p>
+            <a:pPr algn="ctr"/>
+            <a:r>
+              <a:rPr lang="en-US" altLang="ko-KR" sz="1600" dirty="0"/>
+              <a:t>xx . xx</a:t>
+            </a:r>
+          </a:p>
+          <a:p>
+            <a:pPr algn="ctr"/>
+            <a:r>
+              <a:rPr lang="en-US" altLang="ko-KR" sz="1600" dirty="0"/>
+              <a:t>(</a:t>
+            </a:r>
+            <a:r>
+              <a:rPr lang="ko-KR" altLang="en-US" sz="1600" dirty="0"/>
+              <a:t>요일</a:t>
+            </a:r>
+            <a:r>
+              <a:rPr lang="en-US" altLang="ko-KR" sz="1600" dirty="0"/>
+              <a:t>)</a:t>
+            </a:r>
+            <a:endParaRPr lang="ko-KR" altLang="en-US" sz="1600" dirty="0"/>
+          </a:p>
+        </p:txBody>
+      </p:sp>
+      <p:sp>
+        <p:nvSpPr>
+          <p:cNvPr id="11" name="직사각형 10">
+            <a:extLst>
+              <a:ext uri="{FF2B5EF4-FFF2-40B4-BE49-F238E27FC236}">
+                <a16:creationId xmlns:a16="http://schemas.microsoft.com/office/drawing/2014/main" id="{EB51FF09-5942-4A6E-85C3-32CD10696D79}"/>
+              </a:ext>
+            </a:extLst>
+          </p:cNvPr>
+          <p:cNvSpPr/>
+          <p:nvPr/>
+        </p:nvSpPr>
+        <p:spPr>
+          <a:xfrm>
+            <a:off x="1389184" y="1705708"/>
+            <a:ext cx="2454641" cy="1412630"/>
+          </a:xfrm>
+          <a:prstGeom prst="rect">
+            <a:avLst/>
+          </a:prstGeom>
+          <a:solidFill>
+            <a:schemeClr val="bg1"/>
+          </a:solidFill>
+        </p:spPr>
+        <p:style>
+          <a:lnRef idx="2">
+            <a:schemeClr val="accent1">
+              <a:shade val="50000"/>
+            </a:schemeClr>
+          </a:lnRef>
+          <a:fillRef idx="1">
+            <a:schemeClr val="accent1"/>
+          </a:fillRef>
+          <a:effectRef idx="0">
+            <a:schemeClr val="accent1"/>
+          </a:effectRef>
+          <a:fontRef idx="minor">
+            <a:schemeClr val="lt1"/>
+          </a:fontRef>
+        </p:style>
+        <p:txBody>
+          <a:bodyPr rtlCol="0" anchor="ctr"/>
+          <a:lstStyle/>
+          <a:p>
+            <a:pPr algn="ctr"/>
+            <a:endParaRPr lang="ko-KR" altLang="en-US" dirty="0">
+              <a:solidFill>
+                <a:schemeClr val="tx1"/>
+              </a:solidFill>
+            </a:endParaRPr>
+          </a:p>
+        </p:txBody>
+      </p:sp>
+      <p:sp>
+        <p:nvSpPr>
+          <p:cNvPr id="14" name="TextBox 13">
+            <a:extLst>
+              <a:ext uri="{FF2B5EF4-FFF2-40B4-BE49-F238E27FC236}">
+                <a16:creationId xmlns:a16="http://schemas.microsoft.com/office/drawing/2014/main" id="{32F89F6F-ADB9-4CD1-B6B9-464240C21F6E}"/>
+              </a:ext>
+            </a:extLst>
+          </p:cNvPr>
+          <p:cNvSpPr txBox="1"/>
+          <p:nvPr/>
+        </p:nvSpPr>
+        <p:spPr>
+          <a:xfrm>
+            <a:off x="1728015" y="1786151"/>
+            <a:ext cx="1779459" cy="400110"/>
+          </a:xfrm>
+          <a:prstGeom prst="rect">
+            <a:avLst/>
+          </a:prstGeom>
+          <a:noFill/>
+        </p:spPr>
+        <p:txBody>
+          <a:bodyPr wrap="square" rtlCol="0">
+            <a:spAutoFit/>
+          </a:bodyPr>
+          <a:lstStyle/>
+          <a:p>
+            <a:pPr marL="342900" indent="-342900">
+              <a:buFont typeface="+mj-ea"/>
+              <a:buAutoNum type="circleNumDbPlain"/>
+            </a:pPr>
+            <a:r>
+              <a:rPr lang="ko-KR" altLang="en-US" sz="2000" dirty="0" err="1">
+                <a:solidFill>
+                  <a:schemeClr val="accent5"/>
+                </a:solidFill>
+              </a:rPr>
+              <a:t>마량포구</a:t>
+            </a:r>
+            <a:endParaRPr lang="ko-KR" altLang="en-US" sz="2000" dirty="0">
+              <a:solidFill>
+                <a:schemeClr val="accent5"/>
+              </a:solidFill>
+            </a:endParaRPr>
+          </a:p>
+        </p:txBody>
+      </p:sp>
+      <p:sp>
+        <p:nvSpPr>
+          <p:cNvPr id="12" name="TextBox 11">
+            <a:extLst>
+              <a:ext uri="{FF2B5EF4-FFF2-40B4-BE49-F238E27FC236}">
+                <a16:creationId xmlns:a16="http://schemas.microsoft.com/office/drawing/2014/main" id="{C42EDEAB-C3ED-4F28-B3C0-2967A35B2632}"/>
+              </a:ext>
+            </a:extLst>
+          </p:cNvPr>
+          <p:cNvSpPr txBox="1"/>
+          <p:nvPr/>
+        </p:nvSpPr>
+        <p:spPr>
+          <a:xfrm>
+            <a:off x="1387840" y="2331588"/>
+            <a:ext cx="546945" cy="261610"/>
+          </a:xfrm>
+          <a:prstGeom prst="rect">
+            <a:avLst/>
+          </a:prstGeom>
+          <a:noFill/>
+        </p:spPr>
+        <p:txBody>
+          <a:bodyPr wrap="none" rtlCol="0">
+            <a:spAutoFit/>
+          </a:bodyPr>
+          <a:lstStyle/>
+          <a:p>
+            <a:r>
+              <a:rPr lang="ko-KR" altLang="en-US" sz="1100" dirty="0"/>
+              <a:t>시간 </a:t>
+            </a:r>
+            <a:r>
+              <a:rPr lang="en-US" altLang="ko-KR" sz="1100" dirty="0"/>
+              <a:t>:</a:t>
+            </a:r>
+            <a:endParaRPr lang="ko-KR" altLang="en-US" sz="1100" dirty="0"/>
+          </a:p>
+        </p:txBody>
+      </p:sp>
+      <p:sp>
+        <p:nvSpPr>
+          <p:cNvPr id="16" name="직사각형 15">
+            <a:extLst>
+              <a:ext uri="{FF2B5EF4-FFF2-40B4-BE49-F238E27FC236}">
+                <a16:creationId xmlns:a16="http://schemas.microsoft.com/office/drawing/2014/main" id="{04B61069-BC28-4CB3-8889-5286C28C7E34}"/>
+              </a:ext>
+            </a:extLst>
+          </p:cNvPr>
+          <p:cNvSpPr/>
+          <p:nvPr/>
+        </p:nvSpPr>
+        <p:spPr>
+          <a:xfrm>
+            <a:off x="1387840" y="3127952"/>
+            <a:ext cx="2458736" cy="1397156"/>
+          </a:xfrm>
+          <a:prstGeom prst="rect">
+            <a:avLst/>
+          </a:prstGeom>
+          <a:solidFill>
+            <a:schemeClr val="bg1"/>
+          </a:solidFill>
+        </p:spPr>
+        <p:style>
+          <a:lnRef idx="2">
+            <a:schemeClr val="accent1">
+              <a:shade val="50000"/>
+            </a:schemeClr>
+          </a:lnRef>
+          <a:fillRef idx="1">
+            <a:schemeClr val="accent1"/>
+          </a:fillRef>
+          <a:effectRef idx="0">
+            <a:schemeClr val="accent1"/>
+          </a:effectRef>
+          <a:fontRef idx="minor">
+            <a:schemeClr val="lt1"/>
+          </a:fontRef>
+        </p:style>
+        <p:txBody>
+          <a:bodyPr rtlCol="0" anchor="ctr"/>
+          <a:lstStyle/>
+          <a:p>
+            <a:pPr algn="ctr"/>
+            <a:endParaRPr lang="en-US" altLang="ko-KR" sz="2000" dirty="0">
+              <a:solidFill>
+                <a:schemeClr val="accent5"/>
+              </a:solidFill>
+            </a:endParaRPr>
+          </a:p>
+          <a:p>
+            <a:pPr algn="ctr"/>
+            <a:endParaRPr lang="en-US" altLang="ko-KR" sz="2000" dirty="0">
+              <a:solidFill>
+                <a:schemeClr val="accent5"/>
+              </a:solidFill>
+            </a:endParaRPr>
+          </a:p>
+          <a:p>
+            <a:pPr algn="ctr"/>
+            <a:endParaRPr lang="ko-KR" altLang="en-US" sz="2000" dirty="0">
+              <a:solidFill>
+                <a:schemeClr val="accent5"/>
+              </a:solidFill>
+            </a:endParaRPr>
+          </a:p>
+        </p:txBody>
+      </p:sp>
+      <p:sp>
+        <p:nvSpPr>
+          <p:cNvPr id="18" name="TextBox 17">
+            <a:extLst>
+              <a:ext uri="{FF2B5EF4-FFF2-40B4-BE49-F238E27FC236}">
+                <a16:creationId xmlns:a16="http://schemas.microsoft.com/office/drawing/2014/main" id="{27C8C158-8D36-4E4B-B21C-318F2AD89232}"/>
+              </a:ext>
+            </a:extLst>
+          </p:cNvPr>
+          <p:cNvSpPr txBox="1"/>
+          <p:nvPr/>
+        </p:nvSpPr>
+        <p:spPr>
+          <a:xfrm>
+            <a:off x="1385152" y="3651367"/>
+            <a:ext cx="546944" cy="261610"/>
+          </a:xfrm>
+          <a:prstGeom prst="rect">
+            <a:avLst/>
+          </a:prstGeom>
+          <a:noFill/>
+        </p:spPr>
+        <p:txBody>
+          <a:bodyPr wrap="square" rtlCol="0">
+            <a:spAutoFit/>
+          </a:bodyPr>
+          <a:lstStyle/>
+          <a:p>
+            <a:r>
+              <a:rPr lang="ko-KR" altLang="en-US" sz="1100" dirty="0"/>
+              <a:t>시간 </a:t>
+            </a:r>
+            <a:r>
+              <a:rPr lang="en-US" altLang="ko-KR" sz="1100" dirty="0"/>
+              <a:t>:</a:t>
+            </a:r>
+            <a:endParaRPr lang="ko-KR" altLang="en-US" sz="1100" dirty="0"/>
+          </a:p>
+        </p:txBody>
+      </p:sp>
+      <p:sp>
+        <p:nvSpPr>
+          <p:cNvPr id="19" name="TextBox 18">
+            <a:extLst>
+              <a:ext uri="{FF2B5EF4-FFF2-40B4-BE49-F238E27FC236}">
+                <a16:creationId xmlns:a16="http://schemas.microsoft.com/office/drawing/2014/main" id="{66AD2B9D-14FD-4E1A-8631-99BDA62D50D8}"/>
+              </a:ext>
+            </a:extLst>
+          </p:cNvPr>
+          <p:cNvSpPr txBox="1"/>
+          <p:nvPr/>
+        </p:nvSpPr>
+        <p:spPr>
+          <a:xfrm>
+            <a:off x="1742481" y="3205499"/>
+            <a:ext cx="1779459" cy="400110"/>
+          </a:xfrm>
+          <a:prstGeom prst="rect">
+            <a:avLst/>
+          </a:prstGeom>
+          <a:noFill/>
+        </p:spPr>
+        <p:txBody>
+          <a:bodyPr wrap="square" rtlCol="0">
+            <a:spAutoFit/>
+          </a:bodyPr>
+          <a:lstStyle/>
+          <a:p>
+            <a:r>
+              <a:rPr lang="ko-KR" altLang="en-US" sz="2000" dirty="0">
+                <a:solidFill>
+                  <a:schemeClr val="accent5"/>
+                </a:solidFill>
+              </a:rPr>
+              <a:t>② </a:t>
+            </a:r>
+            <a:r>
+              <a:rPr lang="ko-KR" altLang="en-US" sz="2000" dirty="0" err="1">
+                <a:solidFill>
+                  <a:schemeClr val="accent5"/>
+                </a:solidFill>
+              </a:rPr>
+              <a:t>춘장대</a:t>
+            </a:r>
+            <a:endParaRPr lang="ko-KR" altLang="en-US" sz="2000" dirty="0">
+              <a:solidFill>
+                <a:schemeClr val="accent5"/>
+              </a:solidFill>
+            </a:endParaRPr>
+          </a:p>
+        </p:txBody>
+      </p:sp>
+      <p:sp>
+        <p:nvSpPr>
+          <p:cNvPr id="21" name="TextBox 20">
+            <a:extLst>
+              <a:ext uri="{FF2B5EF4-FFF2-40B4-BE49-F238E27FC236}">
+                <a16:creationId xmlns:a16="http://schemas.microsoft.com/office/drawing/2014/main" id="{866732CA-3298-4F5D-835E-E3767056B40A}"/>
+              </a:ext>
+            </a:extLst>
+          </p:cNvPr>
+          <p:cNvSpPr txBox="1"/>
+          <p:nvPr/>
+        </p:nvSpPr>
+        <p:spPr>
+          <a:xfrm>
+            <a:off x="1385151" y="2690776"/>
+            <a:ext cx="546945" cy="261610"/>
+          </a:xfrm>
+          <a:prstGeom prst="rect">
+            <a:avLst/>
+          </a:prstGeom>
+          <a:noFill/>
+        </p:spPr>
+        <p:txBody>
+          <a:bodyPr wrap="none" rtlCol="0">
+            <a:spAutoFit/>
+          </a:bodyPr>
+          <a:lstStyle/>
+          <a:p>
+            <a:r>
+              <a:rPr lang="ko-KR" altLang="en-US" sz="1100" dirty="0"/>
+              <a:t>메모 </a:t>
+            </a:r>
+            <a:r>
+              <a:rPr lang="en-US" altLang="ko-KR" sz="1100" dirty="0"/>
+              <a:t>:</a:t>
+            </a:r>
+            <a:endParaRPr lang="ko-KR" altLang="en-US" sz="1100" dirty="0"/>
+          </a:p>
+        </p:txBody>
+      </p:sp>
+      <p:sp>
+        <p:nvSpPr>
+          <p:cNvPr id="24" name="직사각형 23">
+            <a:extLst>
+              <a:ext uri="{FF2B5EF4-FFF2-40B4-BE49-F238E27FC236}">
+                <a16:creationId xmlns:a16="http://schemas.microsoft.com/office/drawing/2014/main" id="{1C8EC8E2-8C35-4D44-96A7-F1E29324BDEE}"/>
+              </a:ext>
+            </a:extLst>
+          </p:cNvPr>
+          <p:cNvSpPr/>
+          <p:nvPr/>
+        </p:nvSpPr>
+        <p:spPr>
+          <a:xfrm>
+            <a:off x="1877232" y="2753303"/>
+            <a:ext cx="1875062" cy="196543"/>
+          </a:xfrm>
+          <a:prstGeom prst="rect">
+            <a:avLst/>
+          </a:prstGeom>
+          <a:solidFill>
+            <a:schemeClr val="bg1"/>
+          </a:solidFill>
+        </p:spPr>
+        <p:style>
+          <a:lnRef idx="2">
+            <a:schemeClr val="accent1">
+              <a:shade val="50000"/>
+            </a:schemeClr>
+          </a:lnRef>
+          <a:fillRef idx="1">
+            <a:schemeClr val="accent1"/>
+          </a:fillRef>
+          <a:effectRef idx="0">
+            <a:schemeClr val="accent1"/>
+          </a:effectRef>
+          <a:fontRef idx="minor">
+            <a:schemeClr val="lt1"/>
+          </a:fontRef>
+        </p:style>
+        <p:txBody>
+          <a:bodyPr rtlCol="0" anchor="ctr"/>
+          <a:lstStyle/>
+          <a:p>
+            <a:endParaRPr lang="ko-KR" altLang="en-US" sz="1000" dirty="0">
+              <a:solidFill>
+                <a:schemeClr val="tx1"/>
+              </a:solidFill>
+            </a:endParaRPr>
+          </a:p>
+        </p:txBody>
+      </p:sp>
+      <p:sp>
+        <p:nvSpPr>
+          <p:cNvPr id="27" name="TextBox 26">
+            <a:extLst>
+              <a:ext uri="{FF2B5EF4-FFF2-40B4-BE49-F238E27FC236}">
+                <a16:creationId xmlns:a16="http://schemas.microsoft.com/office/drawing/2014/main" id="{FF47DC61-EEBB-4B94-A6CE-C862A8BFDB06}"/>
+              </a:ext>
+            </a:extLst>
+          </p:cNvPr>
+          <p:cNvSpPr txBox="1"/>
+          <p:nvPr/>
+        </p:nvSpPr>
+        <p:spPr>
+          <a:xfrm>
+            <a:off x="1389667" y="3960941"/>
+            <a:ext cx="546945" cy="261610"/>
+          </a:xfrm>
+          <a:prstGeom prst="rect">
+            <a:avLst/>
+          </a:prstGeom>
+          <a:noFill/>
+        </p:spPr>
+        <p:txBody>
+          <a:bodyPr wrap="none" rtlCol="0">
+            <a:spAutoFit/>
+          </a:bodyPr>
+          <a:lstStyle/>
+          <a:p>
+            <a:r>
+              <a:rPr lang="ko-KR" altLang="en-US" sz="1100" dirty="0"/>
+              <a:t>메모 </a:t>
+            </a:r>
+            <a:r>
+              <a:rPr lang="en-US" altLang="ko-KR" sz="1100" dirty="0"/>
+              <a:t>:</a:t>
+            </a:r>
+            <a:endParaRPr lang="ko-KR" altLang="en-US" sz="1100" dirty="0"/>
+          </a:p>
+        </p:txBody>
+      </p:sp>
+      <p:sp>
+        <p:nvSpPr>
+          <p:cNvPr id="32" name="직사각형 31">
+            <a:extLst>
+              <a:ext uri="{FF2B5EF4-FFF2-40B4-BE49-F238E27FC236}">
+                <a16:creationId xmlns:a16="http://schemas.microsoft.com/office/drawing/2014/main" id="{4C8A66FF-6496-4C3A-B55A-055E5338247B}"/>
+              </a:ext>
+            </a:extLst>
+          </p:cNvPr>
+          <p:cNvSpPr/>
+          <p:nvPr/>
+        </p:nvSpPr>
+        <p:spPr>
+          <a:xfrm>
+            <a:off x="1877232" y="3982751"/>
+            <a:ext cx="1875062" cy="196543"/>
+          </a:xfrm>
+          <a:prstGeom prst="rect">
+            <a:avLst/>
+          </a:prstGeom>
+          <a:solidFill>
+            <a:schemeClr val="bg1"/>
+          </a:solidFill>
+        </p:spPr>
+        <p:style>
+          <a:lnRef idx="2">
+            <a:schemeClr val="accent1">
+              <a:shade val="50000"/>
+            </a:schemeClr>
+          </a:lnRef>
+          <a:fillRef idx="1">
+            <a:schemeClr val="accent1"/>
+          </a:fillRef>
+          <a:effectRef idx="0">
+            <a:schemeClr val="accent1"/>
+          </a:effectRef>
+          <a:fontRef idx="minor">
+            <a:schemeClr val="lt1"/>
+          </a:fontRef>
+        </p:style>
+        <p:txBody>
+          <a:bodyPr rtlCol="0" anchor="ctr"/>
+          <a:lstStyle/>
+          <a:p>
+            <a:endParaRPr lang="ko-KR" altLang="en-US" sz="1000" dirty="0">
+              <a:solidFill>
+                <a:schemeClr val="tx1"/>
+              </a:solidFill>
+            </a:endParaRPr>
+          </a:p>
+        </p:txBody>
+      </p:sp>
+      <p:sp>
+        <p:nvSpPr>
+          <p:cNvPr id="34" name="TextBox 33">
+            <a:extLst>
+              <a:ext uri="{FF2B5EF4-FFF2-40B4-BE49-F238E27FC236}">
+                <a16:creationId xmlns:a16="http://schemas.microsoft.com/office/drawing/2014/main" id="{88C49321-92F3-4176-8F41-056CB1982C23}"/>
+              </a:ext>
+            </a:extLst>
+          </p:cNvPr>
+          <p:cNvSpPr txBox="1"/>
+          <p:nvPr/>
+        </p:nvSpPr>
+        <p:spPr>
+          <a:xfrm>
+            <a:off x="1391873" y="4179110"/>
+            <a:ext cx="1583780" cy="261610"/>
+          </a:xfrm>
+          <a:prstGeom prst="rect">
+            <a:avLst/>
+          </a:prstGeom>
+          <a:noFill/>
+        </p:spPr>
+        <p:txBody>
+          <a:bodyPr wrap="square" rtlCol="0">
+            <a:spAutoFit/>
+          </a:bodyPr>
+          <a:lstStyle/>
+          <a:p>
+            <a:r>
+              <a:rPr lang="en-US" altLang="ko-KR" sz="1100" dirty="0"/>
+              <a:t>1</a:t>
+            </a:r>
+            <a:r>
+              <a:rPr lang="ko-KR" altLang="en-US" sz="1100" dirty="0"/>
+              <a:t> 번째 장소와의 거리 </a:t>
+            </a:r>
+            <a:r>
+              <a:rPr lang="en-US" altLang="ko-KR" sz="1100" dirty="0"/>
+              <a:t>:            </a:t>
+            </a:r>
+            <a:endParaRPr lang="ko-KR" altLang="en-US" sz="1100" dirty="0"/>
+          </a:p>
+        </p:txBody>
+      </p:sp>
+      <p:sp>
+        <p:nvSpPr>
+          <p:cNvPr id="35" name="직사각형 34">
+            <a:extLst>
+              <a:ext uri="{FF2B5EF4-FFF2-40B4-BE49-F238E27FC236}">
+                <a16:creationId xmlns:a16="http://schemas.microsoft.com/office/drawing/2014/main" id="{38E2F87E-FC65-4195-A3F8-95D81846C4AD}"/>
+              </a:ext>
+            </a:extLst>
+          </p:cNvPr>
+          <p:cNvSpPr/>
+          <p:nvPr/>
+        </p:nvSpPr>
+        <p:spPr>
+          <a:xfrm>
+            <a:off x="2978340" y="4221609"/>
+            <a:ext cx="452160" cy="196543"/>
+          </a:xfrm>
+          <a:prstGeom prst="rect">
+            <a:avLst/>
+          </a:prstGeom>
+          <a:solidFill>
+            <a:schemeClr val="bg1"/>
+          </a:solidFill>
+        </p:spPr>
+        <p:style>
+          <a:lnRef idx="2">
+            <a:schemeClr val="accent1">
+              <a:shade val="50000"/>
+            </a:schemeClr>
+          </a:lnRef>
+          <a:fillRef idx="1">
+            <a:schemeClr val="accent1"/>
+          </a:fillRef>
+          <a:effectRef idx="0">
+            <a:schemeClr val="accent1"/>
+          </a:effectRef>
+          <a:fontRef idx="minor">
+            <a:schemeClr val="lt1"/>
+          </a:fontRef>
+        </p:style>
+        <p:txBody>
+          <a:bodyPr rtlCol="0" anchor="ctr"/>
+          <a:lstStyle/>
+          <a:p>
+            <a:pPr algn="ctr"/>
+            <a:r>
+              <a:rPr lang="en-US" altLang="ko-KR" sz="1000" dirty="0">
+                <a:solidFill>
+                  <a:schemeClr val="tx1"/>
+                </a:solidFill>
+              </a:rPr>
+              <a:t>4.5</a:t>
+            </a:r>
+            <a:endParaRPr lang="ko-KR" altLang="en-US" sz="1000" dirty="0">
+              <a:solidFill>
+                <a:schemeClr val="tx1"/>
+              </a:solidFill>
+            </a:endParaRPr>
+          </a:p>
+        </p:txBody>
+      </p:sp>
+      <p:sp>
+        <p:nvSpPr>
+          <p:cNvPr id="36" name="TextBox 35">
+            <a:extLst>
+              <a:ext uri="{FF2B5EF4-FFF2-40B4-BE49-F238E27FC236}">
+                <a16:creationId xmlns:a16="http://schemas.microsoft.com/office/drawing/2014/main" id="{1F3936DA-7ED2-42B5-8437-3ADE9DA7F6D9}"/>
+              </a:ext>
+            </a:extLst>
+          </p:cNvPr>
+          <p:cNvSpPr txBox="1"/>
+          <p:nvPr/>
+        </p:nvSpPr>
+        <p:spPr>
+          <a:xfrm>
+            <a:off x="3397498" y="4189075"/>
+            <a:ext cx="444983" cy="261610"/>
+          </a:xfrm>
+          <a:prstGeom prst="rect">
+            <a:avLst/>
+          </a:prstGeom>
+          <a:noFill/>
+        </p:spPr>
+        <p:txBody>
+          <a:bodyPr wrap="square" rtlCol="0">
+            <a:spAutoFit/>
+          </a:bodyPr>
+          <a:lstStyle/>
+          <a:p>
+            <a:r>
+              <a:rPr lang="en-US" altLang="ko-KR" sz="1100" dirty="0"/>
+              <a:t>km</a:t>
+            </a:r>
+            <a:endParaRPr lang="ko-KR" altLang="en-US" sz="1100" dirty="0"/>
+          </a:p>
+        </p:txBody>
+      </p:sp>
+      <p:sp>
+        <p:nvSpPr>
+          <p:cNvPr id="37" name="사각형: 둥근 모서리 36">
+            <a:extLst>
+              <a:ext uri="{FF2B5EF4-FFF2-40B4-BE49-F238E27FC236}">
+                <a16:creationId xmlns:a16="http://schemas.microsoft.com/office/drawing/2014/main" id="{6ECC3192-AB3C-4086-818B-8D65429B1A07}"/>
+              </a:ext>
+            </a:extLst>
+          </p:cNvPr>
+          <p:cNvSpPr/>
+          <p:nvPr/>
+        </p:nvSpPr>
+        <p:spPr>
+          <a:xfrm>
+            <a:off x="3642084" y="1767660"/>
+            <a:ext cx="145774" cy="156388"/>
+          </a:xfrm>
+          <a:prstGeom prst="roundRect">
+            <a:avLst/>
+          </a:prstGeom>
+          <a:solidFill>
+            <a:schemeClr val="bg1"/>
+          </a:solidFill>
+          <a:ln w="3175">
+            <a:solidFill>
+              <a:schemeClr val="tx1"/>
+            </a:solidFill>
+          </a:ln>
+        </p:spPr>
+        <p:style>
+          <a:lnRef idx="2">
+            <a:schemeClr val="accent1">
+              <a:shade val="50000"/>
+            </a:schemeClr>
+          </a:lnRef>
+          <a:fillRef idx="1">
+            <a:schemeClr val="accent1"/>
+          </a:fillRef>
+          <a:effectRef idx="0">
+            <a:schemeClr val="accent1"/>
+          </a:effectRef>
+          <a:fontRef idx="minor">
+            <a:schemeClr val="lt1"/>
+          </a:fontRef>
+        </p:style>
+        <p:txBody>
+          <a:bodyPr rtlCol="0" anchor="ctr"/>
+          <a:lstStyle/>
+          <a:p>
+            <a:pPr algn="ctr"/>
+            <a:r>
+              <a:rPr lang="en-US" altLang="ko-KR" sz="1200" dirty="0">
+                <a:solidFill>
+                  <a:schemeClr val="tx1"/>
+                </a:solidFill>
+              </a:rPr>
+              <a:t>X</a:t>
+            </a:r>
+            <a:endParaRPr lang="ko-KR" altLang="en-US" sz="1200" dirty="0">
+              <a:solidFill>
+                <a:schemeClr val="tx1"/>
+              </a:solidFill>
+            </a:endParaRPr>
+          </a:p>
+        </p:txBody>
+      </p:sp>
+      <p:sp>
+        <p:nvSpPr>
+          <p:cNvPr id="38" name="사각형: 둥근 모서리 37">
+            <a:extLst>
+              <a:ext uri="{FF2B5EF4-FFF2-40B4-BE49-F238E27FC236}">
+                <a16:creationId xmlns:a16="http://schemas.microsoft.com/office/drawing/2014/main" id="{ED4628BD-3324-4358-BF16-4029BF152DE9}"/>
+              </a:ext>
+            </a:extLst>
+          </p:cNvPr>
+          <p:cNvSpPr/>
+          <p:nvPr/>
+        </p:nvSpPr>
+        <p:spPr>
+          <a:xfrm>
+            <a:off x="3642084" y="3200249"/>
+            <a:ext cx="145774" cy="156388"/>
+          </a:xfrm>
+          <a:prstGeom prst="roundRect">
+            <a:avLst/>
+          </a:prstGeom>
+          <a:solidFill>
+            <a:schemeClr val="bg1"/>
+          </a:solidFill>
+          <a:ln w="3175">
+            <a:solidFill>
+              <a:schemeClr val="tx1"/>
+            </a:solidFill>
+          </a:ln>
+        </p:spPr>
+        <p:style>
+          <a:lnRef idx="2">
+            <a:schemeClr val="accent1">
+              <a:shade val="50000"/>
+            </a:schemeClr>
+          </a:lnRef>
+          <a:fillRef idx="1">
+            <a:schemeClr val="accent1"/>
+          </a:fillRef>
+          <a:effectRef idx="0">
+            <a:schemeClr val="accent1"/>
+          </a:effectRef>
+          <a:fontRef idx="minor">
+            <a:schemeClr val="lt1"/>
+          </a:fontRef>
+        </p:style>
+        <p:txBody>
+          <a:bodyPr rtlCol="0" anchor="ctr"/>
+          <a:lstStyle/>
+          <a:p>
+            <a:pPr algn="ctr"/>
+            <a:r>
+              <a:rPr lang="en-US" altLang="ko-KR" sz="1200" dirty="0">
+                <a:solidFill>
+                  <a:schemeClr val="tx1"/>
+                </a:solidFill>
+              </a:rPr>
+              <a:t>X</a:t>
+            </a:r>
+            <a:endParaRPr lang="ko-KR" altLang="en-US" sz="1200" dirty="0">
+              <a:solidFill>
+                <a:schemeClr val="tx1"/>
+              </a:solidFill>
+            </a:endParaRPr>
+          </a:p>
+        </p:txBody>
+      </p:sp>
+      <p:sp>
+        <p:nvSpPr>
+          <p:cNvPr id="17" name="사각형: 둥근 모서리 16">
+            <a:extLst>
+              <a:ext uri="{FF2B5EF4-FFF2-40B4-BE49-F238E27FC236}">
+                <a16:creationId xmlns:a16="http://schemas.microsoft.com/office/drawing/2014/main" id="{31F068E5-C36A-4EAB-BD46-B32C66B6BCBD}"/>
+              </a:ext>
+            </a:extLst>
+          </p:cNvPr>
+          <p:cNvSpPr/>
+          <p:nvPr/>
+        </p:nvSpPr>
+        <p:spPr>
+          <a:xfrm>
+            <a:off x="3973707" y="1133856"/>
+            <a:ext cx="2414901" cy="281670"/>
+          </a:xfrm>
+          <a:prstGeom prst="roundRect">
+            <a:avLst/>
+          </a:prstGeom>
+          <a:solidFill>
+            <a:schemeClr val="bg1"/>
+          </a:solidFill>
+        </p:spPr>
+        <p:style>
+          <a:lnRef idx="2">
+            <a:schemeClr val="accent1">
+              <a:shade val="50000"/>
+            </a:schemeClr>
+          </a:lnRef>
+          <a:fillRef idx="1">
+            <a:schemeClr val="accent1"/>
+          </a:fillRef>
+          <a:effectRef idx="0">
+            <a:schemeClr val="accent1"/>
+          </a:effectRef>
+          <a:fontRef idx="minor">
+            <a:schemeClr val="lt1"/>
+          </a:fontRef>
+        </p:style>
+        <p:txBody>
+          <a:bodyPr rtlCol="0" anchor="ctr"/>
+          <a:lstStyle/>
+          <a:p>
+            <a:r>
+              <a:rPr lang="ko-KR" altLang="en-US" sz="1200" dirty="0">
+                <a:solidFill>
+                  <a:schemeClr val="bg1">
+                    <a:lumMod val="75000"/>
+                  </a:schemeClr>
+                </a:solidFill>
+              </a:rPr>
+              <a:t>장소를 검색해주세요</a:t>
+            </a:r>
+          </a:p>
+        </p:txBody>
+      </p:sp>
+      <p:pic>
+        <p:nvPicPr>
+          <p:cNvPr id="22" name="그림 21">
+            <a:extLst>
+              <a:ext uri="{FF2B5EF4-FFF2-40B4-BE49-F238E27FC236}">
+                <a16:creationId xmlns:a16="http://schemas.microsoft.com/office/drawing/2014/main" id="{E5C3E33E-A82C-4061-BE3E-C89806BAADEC}"/>
+              </a:ext>
+            </a:extLst>
+          </p:cNvPr>
+          <p:cNvPicPr>
+            <a:picLocks noChangeAspect="1"/>
+          </p:cNvPicPr>
+          <p:nvPr/>
+        </p:nvPicPr>
+        <p:blipFill>
+          <a:blip r:embed="rId2">
+            <a:extLst>
+              <a:ext uri="{28A0092B-C50C-407E-A947-70E740481C1C}">
+                <a14:useLocalDpi xmlns:a14="http://schemas.microsoft.com/office/drawing/2010/main" val="0"/>
+              </a:ext>
+            </a:extLst>
+          </a:blip>
+          <a:stretch>
+            <a:fillRect/>
+          </a:stretch>
+        </p:blipFill>
+        <p:spPr>
+          <a:xfrm>
+            <a:off x="6111551" y="1158867"/>
+            <a:ext cx="234388" cy="231648"/>
+          </a:xfrm>
+          <a:prstGeom prst="rect">
+            <a:avLst/>
+          </a:prstGeom>
+        </p:spPr>
+      </p:pic>
+      <p:sp>
+        <p:nvSpPr>
+          <p:cNvPr id="41" name="직사각형 40">
+            <a:extLst>
+              <a:ext uri="{FF2B5EF4-FFF2-40B4-BE49-F238E27FC236}">
+                <a16:creationId xmlns:a16="http://schemas.microsoft.com/office/drawing/2014/main" id="{2B3C624F-63B2-42E5-8060-37C2D9161F75}"/>
+              </a:ext>
+            </a:extLst>
+          </p:cNvPr>
+          <p:cNvSpPr/>
+          <p:nvPr/>
+        </p:nvSpPr>
+        <p:spPr>
+          <a:xfrm>
+            <a:off x="3844848" y="1705708"/>
+            <a:ext cx="2661139" cy="849923"/>
+          </a:xfrm>
+          <a:prstGeom prst="rect">
+            <a:avLst/>
+          </a:prstGeom>
+          <a:solidFill>
+            <a:schemeClr val="bg1"/>
+          </a:solidFill>
+        </p:spPr>
+        <p:style>
+          <a:lnRef idx="2">
+            <a:schemeClr val="accent1">
+              <a:shade val="50000"/>
+            </a:schemeClr>
+          </a:lnRef>
+          <a:fillRef idx="1">
+            <a:schemeClr val="accent1"/>
+          </a:fillRef>
+          <a:effectRef idx="0">
+            <a:schemeClr val="accent1"/>
+          </a:effectRef>
+          <a:fontRef idx="minor">
+            <a:schemeClr val="lt1"/>
+          </a:fontRef>
+        </p:style>
+        <p:txBody>
+          <a:bodyPr rtlCol="0" anchor="ctr"/>
+          <a:lstStyle/>
+          <a:p>
+            <a:pPr algn="ctr"/>
+            <a:r>
+              <a:rPr lang="ko-KR" altLang="en-US" dirty="0">
+                <a:solidFill>
+                  <a:schemeClr val="tx1"/>
+                </a:solidFill>
+              </a:rPr>
+              <a:t>대우능력개발원</a:t>
+            </a:r>
+            <a:endParaRPr lang="en-US" altLang="ko-KR" dirty="0">
+              <a:solidFill>
+                <a:schemeClr val="tx1"/>
+              </a:solidFill>
+            </a:endParaRPr>
+          </a:p>
+          <a:p>
+            <a:pPr algn="ctr"/>
+            <a:r>
+              <a:rPr lang="ko-KR" altLang="en-US" dirty="0"/>
+              <a:t>층</a:t>
+            </a:r>
+            <a:endParaRPr lang="ko-KR" altLang="en-US" dirty="0">
+              <a:solidFill>
+                <a:schemeClr val="tx1"/>
+              </a:solidFill>
+            </a:endParaRPr>
+          </a:p>
+        </p:txBody>
+      </p:sp>
+      <p:sp>
+        <p:nvSpPr>
+          <p:cNvPr id="45" name="직사각형 44">
+            <a:extLst>
+              <a:ext uri="{FF2B5EF4-FFF2-40B4-BE49-F238E27FC236}">
+                <a16:creationId xmlns:a16="http://schemas.microsoft.com/office/drawing/2014/main" id="{49924413-7780-4DC5-A50D-F4DE64BB4B8F}"/>
+              </a:ext>
+            </a:extLst>
+          </p:cNvPr>
+          <p:cNvSpPr/>
+          <p:nvPr/>
+        </p:nvSpPr>
+        <p:spPr>
+          <a:xfrm>
+            <a:off x="3936700" y="2151873"/>
+            <a:ext cx="2518964" cy="245927"/>
+          </a:xfrm>
+          <a:prstGeom prst="rect">
+            <a:avLst/>
+          </a:prstGeom>
+          <a:solidFill>
+            <a:schemeClr val="bg1"/>
+          </a:solidFill>
+          <a:ln>
+            <a:solidFill>
+              <a:schemeClr val="bg1"/>
+            </a:solidFill>
+          </a:ln>
+        </p:spPr>
+        <p:style>
+          <a:lnRef idx="2">
+            <a:schemeClr val="accent1">
+              <a:shade val="50000"/>
+            </a:schemeClr>
+          </a:lnRef>
+          <a:fillRef idx="1">
+            <a:schemeClr val="accent1"/>
+          </a:fillRef>
+          <a:effectRef idx="0">
+            <a:schemeClr val="accent1"/>
+          </a:effectRef>
+          <a:fontRef idx="minor">
+            <a:schemeClr val="lt1"/>
+          </a:fontRef>
+        </p:style>
+        <p:txBody>
+          <a:bodyPr rtlCol="0" anchor="ctr"/>
+          <a:lstStyle/>
+          <a:p>
+            <a:pPr algn="ctr"/>
+            <a:r>
+              <a:rPr lang="ko-KR" altLang="en-US" sz="800" dirty="0">
+                <a:solidFill>
+                  <a:schemeClr val="tx1"/>
+                </a:solidFill>
+              </a:rPr>
+              <a:t>서울 중랑구 망우로 </a:t>
+            </a:r>
+            <a:r>
+              <a:rPr lang="en-US" altLang="ko-KR" sz="800" dirty="0">
+                <a:solidFill>
+                  <a:schemeClr val="tx1"/>
+                </a:solidFill>
+              </a:rPr>
+              <a:t>285-1 UM</a:t>
+            </a:r>
+            <a:r>
+              <a:rPr lang="ko-KR" altLang="en-US" sz="800" dirty="0">
+                <a:solidFill>
+                  <a:schemeClr val="tx1"/>
+                </a:solidFill>
+              </a:rPr>
+              <a:t>타워 </a:t>
+            </a:r>
+            <a:r>
+              <a:rPr lang="en-US" altLang="ko-KR" sz="800" dirty="0">
+                <a:solidFill>
+                  <a:schemeClr val="tx1"/>
+                </a:solidFill>
+              </a:rPr>
+              <a:t>4~7</a:t>
+            </a:r>
+            <a:r>
+              <a:rPr lang="ko-KR" altLang="en-US" sz="800" dirty="0">
+                <a:solidFill>
+                  <a:schemeClr val="tx1"/>
+                </a:solidFill>
+              </a:rPr>
+              <a:t>층</a:t>
+            </a:r>
+          </a:p>
+        </p:txBody>
+      </p:sp>
+      <p:pic>
+        <p:nvPicPr>
+          <p:cNvPr id="55" name="그림 54">
+            <a:extLst>
+              <a:ext uri="{FF2B5EF4-FFF2-40B4-BE49-F238E27FC236}">
+                <a16:creationId xmlns:a16="http://schemas.microsoft.com/office/drawing/2014/main" id="{3ECF62D4-78B4-45F4-8D92-D9B13C6BB941}"/>
+              </a:ext>
+            </a:extLst>
+          </p:cNvPr>
+          <p:cNvPicPr>
+            <a:picLocks noChangeAspect="1"/>
+          </p:cNvPicPr>
+          <p:nvPr/>
+        </p:nvPicPr>
+        <p:blipFill>
+          <a:blip r:embed="rId3">
+            <a:extLst>
+              <a:ext uri="{28A0092B-C50C-407E-A947-70E740481C1C}">
+                <a14:useLocalDpi xmlns:a14="http://schemas.microsoft.com/office/drawing/2010/main" val="0"/>
+              </a:ext>
+            </a:extLst>
+          </a:blip>
+          <a:stretch>
+            <a:fillRect/>
+          </a:stretch>
+        </p:blipFill>
+        <p:spPr>
+          <a:xfrm>
+            <a:off x="3973707" y="1795577"/>
+            <a:ext cx="399171" cy="399171"/>
+          </a:xfrm>
+          <a:prstGeom prst="rect">
+            <a:avLst/>
+          </a:prstGeom>
+        </p:spPr>
+      </p:pic>
+      <p:sp>
+        <p:nvSpPr>
+          <p:cNvPr id="56" name="직사각형 55">
+            <a:extLst>
+              <a:ext uri="{FF2B5EF4-FFF2-40B4-BE49-F238E27FC236}">
+                <a16:creationId xmlns:a16="http://schemas.microsoft.com/office/drawing/2014/main" id="{46FE288C-90C7-42CE-82D1-54D112F77044}"/>
+              </a:ext>
+            </a:extLst>
+          </p:cNvPr>
+          <p:cNvSpPr/>
+          <p:nvPr/>
+        </p:nvSpPr>
+        <p:spPr>
+          <a:xfrm>
+            <a:off x="3901136" y="2361828"/>
+            <a:ext cx="2554528" cy="158212"/>
+          </a:xfrm>
+          <a:prstGeom prst="rect">
+            <a:avLst/>
+          </a:prstGeom>
+          <a:solidFill>
+            <a:schemeClr val="bg1"/>
+          </a:solidFill>
+          <a:ln>
+            <a:solidFill>
+              <a:schemeClr val="bg1"/>
+            </a:solidFill>
+          </a:ln>
+        </p:spPr>
+        <p:style>
+          <a:lnRef idx="2">
+            <a:schemeClr val="accent1">
+              <a:shade val="50000"/>
+            </a:schemeClr>
+          </a:lnRef>
+          <a:fillRef idx="1">
+            <a:schemeClr val="accent1"/>
+          </a:fillRef>
+          <a:effectRef idx="0">
+            <a:schemeClr val="accent1"/>
+          </a:effectRef>
+          <a:fontRef idx="minor">
+            <a:schemeClr val="lt1"/>
+          </a:fontRef>
+        </p:style>
+        <p:txBody>
+          <a:bodyPr rtlCol="0" anchor="ctr"/>
+          <a:lstStyle/>
+          <a:p>
+            <a:pPr algn="ctr"/>
+            <a:r>
+              <a:rPr lang="en-US" altLang="ko-KR" sz="800" dirty="0">
+                <a:solidFill>
+                  <a:schemeClr val="accent6"/>
+                </a:solidFill>
+              </a:rPr>
+              <a:t>02-978-0012</a:t>
+            </a:r>
+            <a:endParaRPr lang="ko-KR" altLang="en-US" sz="800" dirty="0">
+              <a:solidFill>
+                <a:schemeClr val="accent6"/>
+              </a:solidFill>
+            </a:endParaRPr>
+          </a:p>
+        </p:txBody>
+      </p:sp>
+      <p:pic>
+        <p:nvPicPr>
+          <p:cNvPr id="58" name="그림 57">
+            <a:extLst>
+              <a:ext uri="{FF2B5EF4-FFF2-40B4-BE49-F238E27FC236}">
+                <a16:creationId xmlns:a16="http://schemas.microsoft.com/office/drawing/2014/main" id="{99C0A133-797A-449F-88A9-408CD76E351F}"/>
+              </a:ext>
+            </a:extLst>
+          </p:cNvPr>
+          <p:cNvPicPr>
+            <a:picLocks noChangeAspect="1"/>
+          </p:cNvPicPr>
+          <p:nvPr/>
+        </p:nvPicPr>
+        <p:blipFill>
+          <a:blip r:embed="rId4">
+            <a:extLst>
+              <a:ext uri="{28A0092B-C50C-407E-A947-70E740481C1C}">
+                <a14:useLocalDpi xmlns:a14="http://schemas.microsoft.com/office/drawing/2010/main" val="0"/>
+              </a:ext>
+            </a:extLst>
+          </a:blip>
+          <a:stretch>
+            <a:fillRect/>
+          </a:stretch>
+        </p:blipFill>
+        <p:spPr>
+          <a:xfrm>
+            <a:off x="6510202" y="1045029"/>
+            <a:ext cx="5386329" cy="5346441"/>
+          </a:xfrm>
+          <a:prstGeom prst="rect">
+            <a:avLst/>
+          </a:prstGeom>
+        </p:spPr>
+      </p:pic>
+      <p:sp>
+        <p:nvSpPr>
+          <p:cNvPr id="59" name="사각형: 둥근 모서리 58">
+            <a:extLst>
+              <a:ext uri="{FF2B5EF4-FFF2-40B4-BE49-F238E27FC236}">
+                <a16:creationId xmlns:a16="http://schemas.microsoft.com/office/drawing/2014/main" id="{D7B90898-EEC2-496D-BAB5-836DA75F8FBC}"/>
+              </a:ext>
+            </a:extLst>
+          </p:cNvPr>
+          <p:cNvSpPr/>
+          <p:nvPr/>
+        </p:nvSpPr>
+        <p:spPr>
+          <a:xfrm>
+            <a:off x="9101328" y="6467856"/>
+            <a:ext cx="1133856" cy="298704"/>
+          </a:xfrm>
+          <a:prstGeom prst="roundRect">
+            <a:avLst/>
+          </a:prstGeom>
+          <a:solidFill>
+            <a:schemeClr val="accent4">
+              <a:lumMod val="40000"/>
+              <a:lumOff val="60000"/>
+            </a:schemeClr>
+          </a:solidFill>
+        </p:spPr>
+        <p:style>
+          <a:lnRef idx="2">
+            <a:schemeClr val="accent1">
+              <a:shade val="50000"/>
+            </a:schemeClr>
+          </a:lnRef>
+          <a:fillRef idx="1">
+            <a:schemeClr val="accent1"/>
+          </a:fillRef>
+          <a:effectRef idx="0">
+            <a:schemeClr val="accent1"/>
+          </a:effectRef>
+          <a:fontRef idx="minor">
+            <a:schemeClr val="lt1"/>
+          </a:fontRef>
+        </p:style>
+        <p:txBody>
+          <a:bodyPr rtlCol="0" anchor="ctr"/>
+          <a:lstStyle/>
+          <a:p>
+            <a:pPr algn="ctr"/>
+            <a:r>
+              <a:rPr lang="ko-KR" altLang="en-US" dirty="0">
+                <a:solidFill>
+                  <a:schemeClr val="tx1"/>
+                </a:solidFill>
+              </a:rPr>
+              <a:t>저 장</a:t>
+            </a:r>
+          </a:p>
+        </p:txBody>
+      </p:sp>
+      <p:sp>
+        <p:nvSpPr>
+          <p:cNvPr id="60" name="사각형: 둥근 모서리 59">
+            <a:extLst>
+              <a:ext uri="{FF2B5EF4-FFF2-40B4-BE49-F238E27FC236}">
+                <a16:creationId xmlns:a16="http://schemas.microsoft.com/office/drawing/2014/main" id="{1150856B-9FCB-41DA-B0F9-893849F7C5DB}"/>
+              </a:ext>
+            </a:extLst>
+          </p:cNvPr>
+          <p:cNvSpPr/>
+          <p:nvPr/>
+        </p:nvSpPr>
+        <p:spPr>
+          <a:xfrm>
+            <a:off x="10613136" y="6467856"/>
+            <a:ext cx="1133856" cy="298704"/>
+          </a:xfrm>
+          <a:prstGeom prst="roundRect">
+            <a:avLst/>
+          </a:prstGeom>
+          <a:solidFill>
+            <a:schemeClr val="bg1"/>
+          </a:solidFill>
+        </p:spPr>
+        <p:style>
+          <a:lnRef idx="2">
+            <a:schemeClr val="accent1">
+              <a:shade val="50000"/>
+            </a:schemeClr>
+          </a:lnRef>
+          <a:fillRef idx="1">
+            <a:schemeClr val="accent1"/>
+          </a:fillRef>
+          <a:effectRef idx="0">
+            <a:schemeClr val="accent1"/>
+          </a:effectRef>
+          <a:fontRef idx="minor">
+            <a:schemeClr val="lt1"/>
+          </a:fontRef>
+        </p:style>
+        <p:txBody>
+          <a:bodyPr rtlCol="0" anchor="ctr"/>
+          <a:lstStyle/>
+          <a:p>
+            <a:pPr algn="ctr"/>
+            <a:r>
+              <a:rPr lang="ko-KR" altLang="en-US" dirty="0">
+                <a:solidFill>
+                  <a:schemeClr val="tx1"/>
+                </a:solidFill>
+              </a:rPr>
+              <a:t>닫 기</a:t>
+            </a:r>
+          </a:p>
+        </p:txBody>
+      </p:sp>
+      <p:sp>
+        <p:nvSpPr>
+          <p:cNvPr id="44" name="TextBox 43">
+            <a:extLst>
+              <a:ext uri="{FF2B5EF4-FFF2-40B4-BE49-F238E27FC236}">
+                <a16:creationId xmlns:a16="http://schemas.microsoft.com/office/drawing/2014/main" id="{F871F49C-BA3F-4471-A0CC-8742B53F4667}"/>
+              </a:ext>
+            </a:extLst>
+          </p:cNvPr>
+          <p:cNvSpPr txBox="1"/>
+          <p:nvPr/>
+        </p:nvSpPr>
+        <p:spPr>
+          <a:xfrm>
+            <a:off x="2355004" y="2365812"/>
+            <a:ext cx="546945" cy="230832"/>
+          </a:xfrm>
+          <a:prstGeom prst="rect">
+            <a:avLst/>
+          </a:prstGeom>
+          <a:noFill/>
+        </p:spPr>
+        <p:txBody>
+          <a:bodyPr wrap="square" rtlCol="0">
+            <a:spAutoFit/>
+          </a:bodyPr>
+          <a:lstStyle/>
+          <a:p>
+            <a:r>
+              <a:rPr lang="ko-KR" altLang="en-US" sz="900" dirty="0"/>
+              <a:t>시간</a:t>
+            </a:r>
+          </a:p>
+        </p:txBody>
+      </p:sp>
+      <p:sp>
+        <p:nvSpPr>
+          <p:cNvPr id="13" name="직사각형 12">
+            <a:extLst>
+              <a:ext uri="{FF2B5EF4-FFF2-40B4-BE49-F238E27FC236}">
+                <a16:creationId xmlns:a16="http://schemas.microsoft.com/office/drawing/2014/main" id="{C728D50C-FC2A-47C2-9FF9-8B371BA102C8}"/>
+              </a:ext>
+            </a:extLst>
+          </p:cNvPr>
+          <p:cNvSpPr/>
+          <p:nvPr/>
+        </p:nvSpPr>
+        <p:spPr>
+          <a:xfrm>
+            <a:off x="1877231" y="2331588"/>
+            <a:ext cx="495277" cy="261610"/>
+          </a:xfrm>
+          <a:prstGeom prst="rect">
+            <a:avLst/>
+          </a:prstGeom>
+          <a:solidFill>
+            <a:schemeClr val="bg1"/>
+          </a:solidFill>
+        </p:spPr>
+        <p:style>
+          <a:lnRef idx="2">
+            <a:schemeClr val="accent1">
+              <a:shade val="50000"/>
+            </a:schemeClr>
+          </a:lnRef>
+          <a:fillRef idx="1">
+            <a:schemeClr val="accent1"/>
+          </a:fillRef>
+          <a:effectRef idx="0">
+            <a:schemeClr val="accent1"/>
+          </a:effectRef>
+          <a:fontRef idx="minor">
+            <a:schemeClr val="lt1"/>
+          </a:fontRef>
+        </p:style>
+        <p:txBody>
+          <a:bodyPr rtlCol="0" anchor="ctr"/>
+          <a:lstStyle/>
+          <a:p>
+            <a:r>
+              <a:rPr lang="en-US" altLang="ko-KR" sz="1100" dirty="0">
+                <a:solidFill>
+                  <a:schemeClr val="tx1"/>
+                </a:solidFill>
+              </a:rPr>
+              <a:t> 0</a:t>
+            </a:r>
+            <a:endParaRPr lang="ko-KR" altLang="en-US" sz="1100" dirty="0">
+              <a:solidFill>
+                <a:schemeClr val="tx1"/>
+              </a:solidFill>
+            </a:endParaRPr>
+          </a:p>
+        </p:txBody>
+      </p:sp>
+      <p:pic>
+        <p:nvPicPr>
+          <p:cNvPr id="23" name="그림 22">
+            <a:extLst>
+              <a:ext uri="{FF2B5EF4-FFF2-40B4-BE49-F238E27FC236}">
+                <a16:creationId xmlns:a16="http://schemas.microsoft.com/office/drawing/2014/main" id="{6DDAFC24-0D9E-4B2D-8F1F-4CB1049D3F9C}"/>
+              </a:ext>
+            </a:extLst>
+          </p:cNvPr>
+          <p:cNvPicPr>
+            <a:picLocks noChangeAspect="1"/>
+          </p:cNvPicPr>
+          <p:nvPr/>
+        </p:nvPicPr>
+        <p:blipFill>
+          <a:blip r:embed="rId5">
+            <a:extLst>
+              <a:ext uri="{28A0092B-C50C-407E-A947-70E740481C1C}">
+                <a14:useLocalDpi xmlns:a14="http://schemas.microsoft.com/office/drawing/2010/main" val="0"/>
+              </a:ext>
+            </a:extLst>
+          </a:blip>
+          <a:stretch>
+            <a:fillRect/>
+          </a:stretch>
+        </p:blipFill>
+        <p:spPr>
+          <a:xfrm>
+            <a:off x="2174359" y="2353278"/>
+            <a:ext cx="198149" cy="217894"/>
+          </a:xfrm>
+          <a:prstGeom prst="rect">
+            <a:avLst/>
+          </a:prstGeom>
+        </p:spPr>
+      </p:pic>
+      <p:sp>
+        <p:nvSpPr>
+          <p:cNvPr id="46" name="직사각형 45">
+            <a:extLst>
+              <a:ext uri="{FF2B5EF4-FFF2-40B4-BE49-F238E27FC236}">
+                <a16:creationId xmlns:a16="http://schemas.microsoft.com/office/drawing/2014/main" id="{E61D594D-2D99-41DE-951F-278E8DECA3E9}"/>
+              </a:ext>
+            </a:extLst>
+          </p:cNvPr>
+          <p:cNvSpPr/>
+          <p:nvPr/>
+        </p:nvSpPr>
+        <p:spPr>
+          <a:xfrm>
+            <a:off x="1875740" y="3656029"/>
+            <a:ext cx="495277" cy="261610"/>
+          </a:xfrm>
+          <a:prstGeom prst="rect">
+            <a:avLst/>
+          </a:prstGeom>
+          <a:solidFill>
+            <a:schemeClr val="bg1"/>
+          </a:solidFill>
+        </p:spPr>
+        <p:style>
+          <a:lnRef idx="2">
+            <a:schemeClr val="accent1">
+              <a:shade val="50000"/>
+            </a:schemeClr>
+          </a:lnRef>
+          <a:fillRef idx="1">
+            <a:schemeClr val="accent1"/>
+          </a:fillRef>
+          <a:effectRef idx="0">
+            <a:schemeClr val="accent1"/>
+          </a:effectRef>
+          <a:fontRef idx="minor">
+            <a:schemeClr val="lt1"/>
+          </a:fontRef>
+        </p:style>
+        <p:txBody>
+          <a:bodyPr rtlCol="0" anchor="ctr"/>
+          <a:lstStyle/>
+          <a:p>
+            <a:r>
+              <a:rPr lang="en-US" altLang="ko-KR" sz="1100" dirty="0">
+                <a:solidFill>
+                  <a:schemeClr val="tx1"/>
+                </a:solidFill>
+              </a:rPr>
+              <a:t> 0</a:t>
+            </a:r>
+            <a:endParaRPr lang="ko-KR" altLang="en-US" sz="1100" dirty="0">
+              <a:solidFill>
+                <a:schemeClr val="tx1"/>
+              </a:solidFill>
+            </a:endParaRPr>
+          </a:p>
+        </p:txBody>
+      </p:sp>
+      <p:pic>
+        <p:nvPicPr>
+          <p:cNvPr id="30" name="그림 29">
+            <a:extLst>
+              <a:ext uri="{FF2B5EF4-FFF2-40B4-BE49-F238E27FC236}">
+                <a16:creationId xmlns:a16="http://schemas.microsoft.com/office/drawing/2014/main" id="{7DAC48AD-97F1-4BBF-8441-7035B7D68A4A}"/>
+              </a:ext>
+            </a:extLst>
+          </p:cNvPr>
+          <p:cNvPicPr>
+            <a:picLocks noChangeAspect="1"/>
+          </p:cNvPicPr>
+          <p:nvPr/>
+        </p:nvPicPr>
+        <p:blipFill>
+          <a:blip r:embed="rId5">
+            <a:extLst>
+              <a:ext uri="{28A0092B-C50C-407E-A947-70E740481C1C}">
+                <a14:useLocalDpi xmlns:a14="http://schemas.microsoft.com/office/drawing/2010/main" val="0"/>
+              </a:ext>
+            </a:extLst>
+          </a:blip>
+          <a:stretch>
+            <a:fillRect/>
+          </a:stretch>
+        </p:blipFill>
+        <p:spPr>
+          <a:xfrm>
+            <a:off x="2149358" y="3685928"/>
+            <a:ext cx="205646" cy="226138"/>
+          </a:xfrm>
+          <a:prstGeom prst="rect">
+            <a:avLst/>
+          </a:prstGeom>
+        </p:spPr>
+      </p:pic>
+      <p:sp>
+        <p:nvSpPr>
+          <p:cNvPr id="47" name="TextBox 46">
+            <a:extLst>
+              <a:ext uri="{FF2B5EF4-FFF2-40B4-BE49-F238E27FC236}">
+                <a16:creationId xmlns:a16="http://schemas.microsoft.com/office/drawing/2014/main" id="{EC53E383-9E1F-4260-BDAF-F8EB84EE5372}"/>
+              </a:ext>
+            </a:extLst>
+          </p:cNvPr>
+          <p:cNvSpPr txBox="1"/>
+          <p:nvPr/>
+        </p:nvSpPr>
+        <p:spPr>
+          <a:xfrm>
+            <a:off x="2355003" y="3708617"/>
+            <a:ext cx="546945" cy="230832"/>
+          </a:xfrm>
+          <a:prstGeom prst="rect">
+            <a:avLst/>
+          </a:prstGeom>
+          <a:noFill/>
+        </p:spPr>
+        <p:txBody>
+          <a:bodyPr wrap="square" rtlCol="0">
+            <a:spAutoFit/>
+          </a:bodyPr>
+          <a:lstStyle/>
+          <a:p>
+            <a:r>
+              <a:rPr lang="ko-KR" altLang="en-US" sz="900" dirty="0"/>
+              <a:t>시간</a:t>
+            </a:r>
+          </a:p>
+        </p:txBody>
+      </p:sp>
+      <p:sp>
+        <p:nvSpPr>
+          <p:cNvPr id="15" name="직사각형 14">
+            <a:extLst>
+              <a:ext uri="{FF2B5EF4-FFF2-40B4-BE49-F238E27FC236}">
+                <a16:creationId xmlns:a16="http://schemas.microsoft.com/office/drawing/2014/main" id="{CAD8F1CA-E149-4B23-B328-B6AF097EEF30}"/>
+              </a:ext>
+            </a:extLst>
+          </p:cNvPr>
+          <p:cNvSpPr/>
+          <p:nvPr/>
+        </p:nvSpPr>
+        <p:spPr>
+          <a:xfrm>
+            <a:off x="4310958" y="2397800"/>
+            <a:ext cx="3710238" cy="2439387"/>
+          </a:xfrm>
+          <a:prstGeom prst="rect">
+            <a:avLst/>
+          </a:prstGeom>
+          <a:solidFill>
+            <a:schemeClr val="bg1"/>
+          </a:solidFill>
+        </p:spPr>
+        <p:style>
+          <a:lnRef idx="2">
+            <a:schemeClr val="accent1">
+              <a:shade val="50000"/>
+            </a:schemeClr>
+          </a:lnRef>
+          <a:fillRef idx="1">
+            <a:schemeClr val="accent1"/>
+          </a:fillRef>
+          <a:effectRef idx="0">
+            <a:schemeClr val="accent1"/>
+          </a:effectRef>
+          <a:fontRef idx="minor">
+            <a:schemeClr val="lt1"/>
+          </a:fontRef>
+        </p:style>
+        <p:txBody>
+          <a:bodyPr rtlCol="0" anchor="ctr"/>
+          <a:lstStyle/>
+          <a:p>
+            <a:pPr algn="ctr"/>
+            <a:endParaRPr lang="ko-KR" altLang="en-US"/>
+          </a:p>
+        </p:txBody>
+      </p:sp>
+      <p:cxnSp>
+        <p:nvCxnSpPr>
+          <p:cNvPr id="25" name="직선 연결선 24">
+            <a:extLst>
+              <a:ext uri="{FF2B5EF4-FFF2-40B4-BE49-F238E27FC236}">
+                <a16:creationId xmlns:a16="http://schemas.microsoft.com/office/drawing/2014/main" id="{CB413C84-6778-4DC2-86E5-9E97E1A67CD3}"/>
+              </a:ext>
+            </a:extLst>
+          </p:cNvPr>
+          <p:cNvCxnSpPr/>
+          <p:nvPr/>
+        </p:nvCxnSpPr>
+        <p:spPr>
+          <a:xfrm>
+            <a:off x="4487758" y="2911927"/>
+            <a:ext cx="3382919" cy="0"/>
+          </a:xfrm>
+          <a:prstGeom prst="line">
+            <a:avLst/>
+          </a:prstGeom>
+        </p:spPr>
+        <p:style>
+          <a:lnRef idx="1">
+            <a:schemeClr val="accent1"/>
+          </a:lnRef>
+          <a:fillRef idx="0">
+            <a:schemeClr val="accent1"/>
+          </a:fillRef>
+          <a:effectRef idx="0">
+            <a:schemeClr val="accent1"/>
+          </a:effectRef>
+          <a:fontRef idx="minor">
+            <a:schemeClr val="tx1"/>
+          </a:fontRef>
+        </p:style>
+      </p:cxnSp>
+      <p:sp>
+        <p:nvSpPr>
+          <p:cNvPr id="26" name="TextBox 25">
+            <a:extLst>
+              <a:ext uri="{FF2B5EF4-FFF2-40B4-BE49-F238E27FC236}">
+                <a16:creationId xmlns:a16="http://schemas.microsoft.com/office/drawing/2014/main" id="{8998B65F-62AC-49EE-B052-2FCD13C90CB7}"/>
+              </a:ext>
+            </a:extLst>
+          </p:cNvPr>
+          <p:cNvSpPr txBox="1"/>
+          <p:nvPr/>
+        </p:nvSpPr>
+        <p:spPr>
+          <a:xfrm>
+            <a:off x="5809333" y="2502454"/>
+            <a:ext cx="646331" cy="369332"/>
+          </a:xfrm>
+          <a:prstGeom prst="rect">
+            <a:avLst/>
+          </a:prstGeom>
+          <a:noFill/>
+        </p:spPr>
+        <p:txBody>
+          <a:bodyPr wrap="none" rtlCol="0">
+            <a:spAutoFit/>
+          </a:bodyPr>
+          <a:lstStyle/>
+          <a:p>
+            <a:r>
+              <a:rPr lang="ko-KR" altLang="en-US" dirty="0"/>
+              <a:t>경고</a:t>
+            </a:r>
+          </a:p>
+        </p:txBody>
+      </p:sp>
+      <p:sp>
+        <p:nvSpPr>
+          <p:cNvPr id="28" name="TextBox 27">
+            <a:extLst>
+              <a:ext uri="{FF2B5EF4-FFF2-40B4-BE49-F238E27FC236}">
+                <a16:creationId xmlns:a16="http://schemas.microsoft.com/office/drawing/2014/main" id="{428F1A31-5108-4B16-90EC-80F6258FEFC7}"/>
+              </a:ext>
+            </a:extLst>
+          </p:cNvPr>
+          <p:cNvSpPr txBox="1"/>
+          <p:nvPr/>
+        </p:nvSpPr>
+        <p:spPr>
+          <a:xfrm>
+            <a:off x="4487757" y="3339285"/>
+            <a:ext cx="3297461" cy="369332"/>
+          </a:xfrm>
+          <a:prstGeom prst="rect">
+            <a:avLst/>
+          </a:prstGeom>
+          <a:noFill/>
+        </p:spPr>
+        <p:txBody>
+          <a:bodyPr wrap="square" rtlCol="0">
+            <a:spAutoFit/>
+          </a:bodyPr>
+          <a:lstStyle/>
+          <a:p>
+            <a:pPr algn="ctr"/>
+            <a:r>
+              <a:rPr lang="ko-KR" altLang="en-US" dirty="0"/>
+              <a:t>시간을 선택해주세요</a:t>
+            </a:r>
+            <a:r>
+              <a:rPr lang="en-US" altLang="ko-KR" dirty="0"/>
+              <a:t>!</a:t>
+            </a:r>
+            <a:endParaRPr lang="ko-KR" altLang="en-US" dirty="0"/>
+          </a:p>
+        </p:txBody>
+      </p:sp>
+      <p:sp>
+        <p:nvSpPr>
+          <p:cNvPr id="48" name="사각형: 둥근 모서리 47">
+            <a:extLst>
+              <a:ext uri="{FF2B5EF4-FFF2-40B4-BE49-F238E27FC236}">
+                <a16:creationId xmlns:a16="http://schemas.microsoft.com/office/drawing/2014/main" id="{0B5D7F7B-6349-4915-AA0D-3650F75462FD}"/>
+              </a:ext>
+            </a:extLst>
+          </p:cNvPr>
+          <p:cNvSpPr/>
+          <p:nvPr/>
+        </p:nvSpPr>
+        <p:spPr>
+          <a:xfrm>
+            <a:off x="5673608" y="4290495"/>
+            <a:ext cx="945037" cy="420708"/>
+          </a:xfrm>
+          <a:prstGeom prst="roundRect">
+            <a:avLst/>
+          </a:prstGeom>
+          <a:solidFill>
+            <a:schemeClr val="accent1">
+              <a:lumMod val="75000"/>
+            </a:schemeClr>
+          </a:solidFill>
+        </p:spPr>
+        <p:style>
+          <a:lnRef idx="2">
+            <a:schemeClr val="accent1">
+              <a:shade val="50000"/>
+            </a:schemeClr>
+          </a:lnRef>
+          <a:fillRef idx="1">
+            <a:schemeClr val="accent1"/>
+          </a:fillRef>
+          <a:effectRef idx="0">
+            <a:schemeClr val="accent1"/>
+          </a:effectRef>
+          <a:fontRef idx="minor">
+            <a:schemeClr val="lt1"/>
+          </a:fontRef>
+        </p:style>
+        <p:txBody>
+          <a:bodyPr rtlCol="0" anchor="ctr"/>
+          <a:lstStyle/>
+          <a:p>
+            <a:pPr algn="ctr"/>
+            <a:r>
+              <a:rPr lang="ko-KR" altLang="en-US" sz="1400" dirty="0">
+                <a:latin typeface="HY견고딕" panose="02030600000101010101" pitchFamily="18" charset="-127"/>
+                <a:ea typeface="HY견고딕" panose="02030600000101010101" pitchFamily="18" charset="-127"/>
+              </a:rPr>
+              <a:t>확인</a:t>
+            </a:r>
+          </a:p>
+        </p:txBody>
+      </p:sp>
+    </p:spTree>
+    <p:extLst>
+      <p:ext uri="{BB962C8B-B14F-4D97-AF65-F5344CB8AC3E}">
+        <p14:creationId xmlns:p14="http://schemas.microsoft.com/office/powerpoint/2010/main" val="306706427"/>
+      </p:ext>
+    </p:extLst>
+  </p:cSld>
+  <p:clrMapOvr>
+    <a:masterClrMapping/>
+  </p:clrMapOvr>
+</p:sld>
+</file>
+
+<file path=ppt/slides/slide12.xml><?xml version="1.0" encoding="utf-8"?>
+<p:sld xmlns:a="http://schemas.openxmlformats.org/drawingml/2006/main" xmlns:r="http://schemas.openxmlformats.org/officeDocument/2006/relationships" xmlns:p="http://schemas.openxmlformats.org/presentationml/2006/main">
+  <p:cSld>
+    <p:spTree>
+      <p:nvGrpSpPr>
+        <p:cNvPr id="1" name=""/>
+        <p:cNvGrpSpPr/>
+        <p:nvPr/>
+      </p:nvGrpSpPr>
+      <p:grpSpPr>
+        <a:xfrm>
+          <a:off x="0" y="0"/>
+          <a:ext cx="0" cy="0"/>
+          <a:chOff x="0" y="0"/>
+          <a:chExt cx="0" cy="0"/>
+        </a:xfrm>
+      </p:grpSpPr>
+      <p:sp>
+        <p:nvSpPr>
           <p:cNvPr id="36" name="직사각형 35">
             <a:extLst>
               <a:ext uri="{FF2B5EF4-FFF2-40B4-BE49-F238E27FC236}">
@@ -6190,7 +11032,7 @@
 </p:sld>
 </file>
 
-<file path=ppt/slides/slide11.xml><?xml version="1.0" encoding="utf-8"?>
+<file path=ppt/slides/slide13.xml><?xml version="1.0" encoding="utf-8"?>
 <p:sld xmlns:a="http://schemas.openxmlformats.org/drawingml/2006/main" xmlns:r="http://schemas.openxmlformats.org/officeDocument/2006/relationships" xmlns:p="http://schemas.openxmlformats.org/presentationml/2006/main">
   <p:cSld>
     <p:bg>
@@ -10333,8 +15175,8 @@
         </p:nvSpPr>
         <p:spPr>
           <a:xfrm>
-            <a:off x="2676939" y="3671996"/>
-            <a:ext cx="569844" cy="253916"/>
+            <a:off x="2760264" y="2873581"/>
+            <a:ext cx="1046922" cy="584775"/>
           </a:xfrm>
           <a:prstGeom prst="rect">
             <a:avLst/>
@@ -10348,7 +15190,7 @@
           <a:lstStyle/>
           <a:p>
             <a:r>
-              <a:rPr lang="ko-KR" altLang="en-US" sz="1050" dirty="0"/>
+              <a:rPr lang="ko-KR" altLang="en-US" sz="3200" dirty="0"/>
               <a:t>제목</a:t>
             </a:r>
           </a:p>
@@ -10368,8 +15210,8 @@
         </p:nvSpPr>
         <p:spPr>
           <a:xfrm>
-            <a:off x="2892110" y="3925912"/>
-            <a:ext cx="1046922" cy="195514"/>
+            <a:off x="2741497" y="3460108"/>
+            <a:ext cx="1206644" cy="362247"/>
           </a:xfrm>
           <a:prstGeom prst="rect">
             <a:avLst/>
@@ -10400,14 +15242,14 @@
           <a:p>
             <a:pPr algn="ctr"/>
             <a:r>
-              <a:rPr lang="en-US" altLang="ko-KR" sz="1400" dirty="0" err="1">
+              <a:rPr lang="en-US" altLang="ko-KR" sz="2000" dirty="0" err="1">
                 <a:solidFill>
                   <a:schemeClr val="tx1"/>
                 </a:solidFill>
               </a:rPr>
               <a:t>xx.xx.xx</a:t>
             </a:r>
-            <a:endParaRPr lang="ko-KR" altLang="en-US" sz="1400" dirty="0">
+            <a:endParaRPr lang="ko-KR" altLang="en-US" sz="2000" dirty="0">
               <a:solidFill>
                 <a:schemeClr val="tx1"/>
               </a:solidFill>
@@ -10417,67 +15259,6 @@
       </p:sp>
       <p:sp>
         <p:nvSpPr>
-          <p:cNvPr id="48" name="직사각형 47">
-            <a:extLst>
-              <a:ext uri="{FF2B5EF4-FFF2-40B4-BE49-F238E27FC236}">
-                <a16:creationId xmlns:a16="http://schemas.microsoft.com/office/drawing/2014/main" id="{5C1D0D90-6AFC-4AD0-9E32-C0CD2910BA44}"/>
-              </a:ext>
-            </a:extLst>
-          </p:cNvPr>
-          <p:cNvSpPr/>
-          <p:nvPr/>
-        </p:nvSpPr>
-        <p:spPr>
-          <a:xfrm>
-            <a:off x="4315621" y="3925912"/>
-            <a:ext cx="1046922" cy="195514"/>
-          </a:xfrm>
-          <a:prstGeom prst="rect">
-            <a:avLst/>
-          </a:prstGeom>
-          <a:solidFill>
-            <a:schemeClr val="bg1"/>
-          </a:solidFill>
-        </p:spPr>
-        <p:style>
-          <a:lnRef idx="2">
-            <a:schemeClr val="accent1">
-              <a:shade val="50000"/>
-            </a:schemeClr>
-          </a:lnRef>
-          <a:fillRef idx="1">
-            <a:schemeClr val="accent1"/>
-          </a:fillRef>
-          <a:effectRef idx="0">
-            <a:schemeClr val="accent1"/>
-          </a:effectRef>
-          <a:fontRef idx="minor">
-            <a:schemeClr val="lt1"/>
-          </a:fontRef>
-        </p:style>
-        <p:txBody>
-          <a:bodyPr rtlCol="0" anchor="ctr"/>
-          <a:lstStyle/>
-          <a:p>
-            <a:pPr algn="ctr"/>
-            <a:r>
-              <a:rPr lang="en-US" altLang="ko-KR" sz="1400" dirty="0" err="1">
-                <a:solidFill>
-                  <a:schemeClr val="tx1"/>
-                </a:solidFill>
-              </a:rPr>
-              <a:t>xx.xx.xx</a:t>
-            </a:r>
-            <a:endParaRPr lang="ko-KR" altLang="en-US" sz="1400" dirty="0">
-              <a:solidFill>
-                <a:schemeClr val="tx1"/>
-              </a:solidFill>
-            </a:endParaRPr>
-          </a:p>
-        </p:txBody>
-      </p:sp>
-      <p:sp>
-        <p:nvSpPr>
           <p:cNvPr id="49" name="TextBox 48">
             <a:extLst>
               <a:ext uri="{FF2B5EF4-FFF2-40B4-BE49-F238E27FC236}">
@@ -10490,7 +15271,7 @@
         </p:nvSpPr>
         <p:spPr>
           <a:xfrm>
-            <a:off x="3954041" y="3822202"/>
+            <a:off x="3948141" y="3446621"/>
             <a:ext cx="346570" cy="369332"/>
           </a:xfrm>
           <a:prstGeom prst="rect">
@@ -10526,8 +15307,8 @@
         </p:nvSpPr>
         <p:spPr>
           <a:xfrm>
-            <a:off x="2699505" y="4147292"/>
-            <a:ext cx="1558583" cy="200055"/>
+            <a:off x="2711268" y="3977053"/>
+            <a:ext cx="2797049" cy="369332"/>
           </a:xfrm>
           <a:prstGeom prst="rect">
             <a:avLst/>
@@ -10541,7 +15322,7 @@
           <a:lstStyle/>
           <a:p>
             <a:r>
-              <a:rPr lang="ko-KR" altLang="en-US" sz="700" dirty="0"/>
+              <a:rPr lang="ko-KR" altLang="en-US" dirty="0"/>
               <a:t>메모</a:t>
             </a:r>
           </a:p>
@@ -10599,42 +15380,6 @@
           </a:p>
         </p:txBody>
       </p:sp>
-      <p:pic>
-        <p:nvPicPr>
-          <p:cNvPr id="5" name="그림 4">
-            <a:extLst>
-              <a:ext uri="{FF2B5EF4-FFF2-40B4-BE49-F238E27FC236}">
-                <a16:creationId xmlns:a16="http://schemas.microsoft.com/office/drawing/2014/main" id="{89B2DF3F-F01A-4140-BC58-601ECE43BF58}"/>
-              </a:ext>
-            </a:extLst>
-          </p:cNvPr>
-          <p:cNvPicPr>
-            <a:picLocks noChangeAspect="1"/>
-          </p:cNvPicPr>
-          <p:nvPr/>
-        </p:nvPicPr>
-        <p:blipFill>
-          <a:blip r:embed="rId2">
-            <a:extLst>
-              <a:ext uri="{28A0092B-C50C-407E-A947-70E740481C1C}">
-                <a14:useLocalDpi xmlns:a14="http://schemas.microsoft.com/office/drawing/2010/main" val="0"/>
-              </a:ext>
-            </a:extLst>
-          </a:blip>
-          <a:stretch>
-            <a:fillRect/>
-          </a:stretch>
-        </p:blipFill>
-        <p:spPr>
-          <a:xfrm>
-            <a:off x="2699506" y="2767492"/>
-            <a:ext cx="2866408" cy="922605"/>
-          </a:xfrm>
-          <a:prstGeom prst="rect">
-            <a:avLst/>
-          </a:prstGeom>
-        </p:spPr>
-      </p:pic>
       <p:sp>
         <p:nvSpPr>
           <p:cNvPr id="51" name="사각형: 둥근 모서리 50">
@@ -10694,6 +15439,67 @@
               <a:t>X</a:t>
             </a:r>
             <a:endParaRPr lang="ko-KR" altLang="en-US" sz="1200" dirty="0">
+              <a:solidFill>
+                <a:schemeClr val="tx1"/>
+              </a:solidFill>
+            </a:endParaRPr>
+          </a:p>
+        </p:txBody>
+      </p:sp>
+      <p:sp>
+        <p:nvSpPr>
+          <p:cNvPr id="28" name="직사각형 27">
+            <a:extLst>
+              <a:ext uri="{FF2B5EF4-FFF2-40B4-BE49-F238E27FC236}">
+                <a16:creationId xmlns:a16="http://schemas.microsoft.com/office/drawing/2014/main" id="{CD928FB4-FAFA-4487-8E74-CF5093225A45}"/>
+              </a:ext>
+            </a:extLst>
+          </p:cNvPr>
+          <p:cNvSpPr/>
+          <p:nvPr/>
+        </p:nvSpPr>
+        <p:spPr>
+          <a:xfrm>
+            <a:off x="4269851" y="3463691"/>
+            <a:ext cx="1206644" cy="362247"/>
+          </a:xfrm>
+          <a:prstGeom prst="rect">
+            <a:avLst/>
+          </a:prstGeom>
+          <a:solidFill>
+            <a:schemeClr val="bg1"/>
+          </a:solidFill>
+        </p:spPr>
+        <p:style>
+          <a:lnRef idx="2">
+            <a:schemeClr val="accent1">
+              <a:shade val="50000"/>
+            </a:schemeClr>
+          </a:lnRef>
+          <a:fillRef idx="1">
+            <a:schemeClr val="accent1"/>
+          </a:fillRef>
+          <a:effectRef idx="0">
+            <a:schemeClr val="accent1"/>
+          </a:effectRef>
+          <a:fontRef idx="minor">
+            <a:schemeClr val="lt1"/>
+          </a:fontRef>
+        </p:style>
+        <p:txBody>
+          <a:bodyPr rtlCol="0" anchor="ctr"/>
+          <a:lstStyle/>
+          <a:p>
+            <a:pPr algn="ctr"/>
+            <a:r>
+              <a:rPr lang="en-US" altLang="ko-KR" sz="2000" dirty="0" err="1">
+                <a:solidFill>
+                  <a:schemeClr val="tx1"/>
+                </a:solidFill>
+              </a:rPr>
+              <a:t>xx.xx.xx</a:t>
+            </a:r>
+            <a:endParaRPr lang="ko-KR" altLang="en-US" sz="2000" dirty="0">
               <a:solidFill>
                 <a:schemeClr val="tx1"/>
               </a:solidFill>
@@ -19858,6 +24664,26 @@
 <file path=ppt/slides/slide7.xml><?xml version="1.0" encoding="utf-8"?>
 <p:sld xmlns:a="http://schemas.openxmlformats.org/drawingml/2006/main" xmlns:r="http://schemas.openxmlformats.org/officeDocument/2006/relationships" xmlns:p="http://schemas.openxmlformats.org/presentationml/2006/main">
   <p:cSld>
+    <p:bg>
+      <p:bgPr>
+        <a:gradFill>
+          <a:gsLst>
+            <a:gs pos="1000">
+              <a:schemeClr val="tx1">
+                <a:alpha val="49000"/>
+              </a:schemeClr>
+            </a:gs>
+            <a:gs pos="0">
+              <a:schemeClr val="bg1">
+                <a:alpha val="41000"/>
+              </a:schemeClr>
+            </a:gs>
+          </a:gsLst>
+          <a:lin ang="5400000" scaled="1"/>
+        </a:gradFill>
+        <a:effectLst/>
+      </p:bgPr>
+    </p:bg>
     <p:spTree>
       <p:nvGrpSpPr>
         <p:cNvPr id="1" name=""/>
@@ -19874,6 +24700,109 @@
       </p:grpSpPr>
       <p:sp>
         <p:nvSpPr>
+          <p:cNvPr id="36" name="직사각형 35">
+            <a:extLst>
+              <a:ext uri="{FF2B5EF4-FFF2-40B4-BE49-F238E27FC236}">
+                <a16:creationId xmlns:a16="http://schemas.microsoft.com/office/drawing/2014/main" id="{0C688B4C-167A-45EC-81CB-234199DAC966}"/>
+              </a:ext>
+            </a:extLst>
+          </p:cNvPr>
+          <p:cNvSpPr/>
+          <p:nvPr/>
+        </p:nvSpPr>
+        <p:spPr>
+          <a:xfrm>
+            <a:off x="326571" y="1591407"/>
+            <a:ext cx="1314660" cy="4800063"/>
+          </a:xfrm>
+          <a:prstGeom prst="rect">
+            <a:avLst/>
+          </a:prstGeom>
+          <a:solidFill>
+            <a:schemeClr val="accent1">
+              <a:alpha val="50000"/>
+            </a:schemeClr>
+          </a:solidFill>
+        </p:spPr>
+        <p:style>
+          <a:lnRef idx="2">
+            <a:schemeClr val="accent1">
+              <a:shade val="50000"/>
+            </a:schemeClr>
+          </a:lnRef>
+          <a:fillRef idx="1">
+            <a:schemeClr val="accent1"/>
+          </a:fillRef>
+          <a:effectRef idx="0">
+            <a:schemeClr val="accent1"/>
+          </a:effectRef>
+          <a:fontRef idx="minor">
+            <a:schemeClr val="lt1"/>
+          </a:fontRef>
+        </p:style>
+        <p:txBody>
+          <a:bodyPr rtlCol="0" anchor="ctr"/>
+          <a:lstStyle/>
+          <a:p>
+            <a:pPr algn="ctr"/>
+            <a:endParaRPr lang="ko-KR" altLang="en-US"/>
+          </a:p>
+        </p:txBody>
+      </p:sp>
+      <p:sp>
+        <p:nvSpPr>
+          <p:cNvPr id="35" name="직사각형 34">
+            <a:extLst>
+              <a:ext uri="{FF2B5EF4-FFF2-40B4-BE49-F238E27FC236}">
+                <a16:creationId xmlns:a16="http://schemas.microsoft.com/office/drawing/2014/main" id="{85BF3AA3-7058-4514-A5A6-522FD96BB13B}"/>
+              </a:ext>
+            </a:extLst>
+          </p:cNvPr>
+          <p:cNvSpPr/>
+          <p:nvPr/>
+        </p:nvSpPr>
+        <p:spPr>
+          <a:xfrm>
+            <a:off x="326571" y="1038627"/>
+            <a:ext cx="11569960" cy="552780"/>
+          </a:xfrm>
+          <a:prstGeom prst="rect">
+            <a:avLst/>
+          </a:prstGeom>
+          <a:solidFill>
+            <a:schemeClr val="accent1">
+              <a:alpha val="50000"/>
+            </a:schemeClr>
+          </a:solidFill>
+          <a:ln>
+            <a:noFill/>
+          </a:ln>
+        </p:spPr>
+        <p:style>
+          <a:lnRef idx="0">
+            <a:scrgbClr r="0" g="0" b="0"/>
+          </a:lnRef>
+          <a:fillRef idx="0">
+            <a:scrgbClr r="0" g="0" b="0"/>
+          </a:fillRef>
+          <a:effectRef idx="0">
+            <a:scrgbClr r="0" g="0" b="0"/>
+          </a:effectRef>
+          <a:fontRef idx="minor">
+            <a:schemeClr val="lt1"/>
+          </a:fontRef>
+        </p:style>
+        <p:txBody>
+          <a:bodyPr rtlCol="0" anchor="ctr"/>
+          <a:lstStyle/>
+          <a:p>
+            <a:pPr algn="ctr"/>
+            <a:endParaRPr lang="ko-KR" altLang="en-US" dirty="0"/>
+          </a:p>
+        </p:txBody>
+      </p:sp>
+      <p:sp>
+        <p:nvSpPr>
           <p:cNvPr id="2" name="제목 1">
             <a:extLst>
               <a:ext uri="{FF2B5EF4-FFF2-40B4-BE49-F238E27FC236}">
@@ -19911,11 +24840,11 @@
             </a:r>
             <a:r>
               <a:rPr lang="ko-KR" altLang="en-US" sz="3200" dirty="0"/>
-              <a:t> 작성 화면 </a:t>
+              <a:t> 작성 팝업 </a:t>
             </a:r>
             <a:r>
               <a:rPr lang="en-US" altLang="ko-KR" sz="3200" dirty="0"/>
-              <a:t>(P03)</a:t>
+              <a:t>(P02)</a:t>
             </a:r>
             <a:endParaRPr lang="ko-KR" altLang="en-US" sz="3200" dirty="0"/>
           </a:p>
@@ -19970,10 +24899,10 @@
       </p:sp>
       <p:sp>
         <p:nvSpPr>
-          <p:cNvPr id="3" name="직사각형 2">
-            <a:extLst>
-              <a:ext uri="{FF2B5EF4-FFF2-40B4-BE49-F238E27FC236}">
-                <a16:creationId xmlns:a16="http://schemas.microsoft.com/office/drawing/2014/main" id="{9F9E5247-5104-4622-9E8B-74FBFB9560EC}"/>
+          <p:cNvPr id="15" name="타원 14">
+            <a:extLst>
+              <a:ext uri="{FF2B5EF4-FFF2-40B4-BE49-F238E27FC236}">
+                <a16:creationId xmlns:a16="http://schemas.microsoft.com/office/drawing/2014/main" id="{04039FEC-A814-425F-B8B6-618CC1A4D50F}"/>
               </a:ext>
             </a:extLst>
           </p:cNvPr>
@@ -19982,17 +24911,14 @@
         </p:nvSpPr>
         <p:spPr>
           <a:xfrm>
-            <a:off x="326571" y="1045029"/>
-            <a:ext cx="1062614" cy="5346441"/>
-          </a:xfrm>
-          <a:prstGeom prst="rect">
+            <a:off x="451338" y="1085706"/>
+            <a:ext cx="973014" cy="457198"/>
+          </a:xfrm>
+          <a:prstGeom prst="ellipse">
             <a:avLst/>
           </a:prstGeom>
           <a:solidFill>
-            <a:schemeClr val="tx2">
-              <a:lumMod val="60000"/>
-              <a:lumOff val="40000"/>
-            </a:schemeClr>
+            <a:schemeClr val="accent5"/>
           </a:solidFill>
         </p:spPr>
         <p:style>
@@ -20016,16 +24942,40 @@
           <a:lstStyle/>
           <a:p>
             <a:pPr algn="ctr"/>
-            <a:endParaRPr lang="ko-KR" altLang="en-US"/>
-          </a:p>
-        </p:txBody>
-      </p:sp>
-      <p:sp>
-        <p:nvSpPr>
-          <p:cNvPr id="5" name="직사각형 4">
-            <a:extLst>
-              <a:ext uri="{FF2B5EF4-FFF2-40B4-BE49-F238E27FC236}">
-                <a16:creationId xmlns:a16="http://schemas.microsoft.com/office/drawing/2014/main" id="{CA4227B1-E9FB-4B31-A17B-D9735800D13E}"/>
+            <a:r>
+              <a:rPr lang="ko-KR" altLang="en-US" sz="1000" dirty="0">
+                <a:latin typeface="경기천년제목V Bold" panose="02020803020101020101" pitchFamily="18" charset="-127"/>
+                <a:ea typeface="경기천년제목V Bold" panose="02020803020101020101" pitchFamily="18" charset="-127"/>
+              </a:rPr>
+              <a:t>상상 </a:t>
+            </a:r>
+            <a:endParaRPr lang="en-US" altLang="ko-KR" sz="1000" dirty="0">
+              <a:latin typeface="경기천년제목V Bold" panose="02020803020101020101" pitchFamily="18" charset="-127"/>
+              <a:ea typeface="경기천년제목V Bold" panose="02020803020101020101" pitchFamily="18" charset="-127"/>
+            </a:endParaRPr>
+          </a:p>
+          <a:p>
+            <a:pPr algn="ctr"/>
+            <a:r>
+              <a:rPr lang="ko-KR" altLang="en-US" sz="1000" dirty="0" err="1">
+                <a:latin typeface="경기천년제목V Bold" panose="02020803020101020101" pitchFamily="18" charset="-127"/>
+                <a:ea typeface="경기천년제목V Bold" panose="02020803020101020101" pitchFamily="18" charset="-127"/>
+              </a:rPr>
+              <a:t>플래너</a:t>
+            </a:r>
+            <a:endParaRPr lang="ko-KR" altLang="en-US" sz="1000" dirty="0">
+              <a:latin typeface="경기천년제목V Bold" panose="02020803020101020101" pitchFamily="18" charset="-127"/>
+              <a:ea typeface="경기천년제목V Bold" panose="02020803020101020101" pitchFamily="18" charset="-127"/>
+            </a:endParaRPr>
+          </a:p>
+        </p:txBody>
+      </p:sp>
+      <p:sp>
+        <p:nvSpPr>
+          <p:cNvPr id="17" name="사각형: 둥근 모서리 16">
+            <a:extLst>
+              <a:ext uri="{FF2B5EF4-FFF2-40B4-BE49-F238E27FC236}">
+                <a16:creationId xmlns:a16="http://schemas.microsoft.com/office/drawing/2014/main" id="{61F88B4D-B351-40AB-8045-A7B1873517A1}"/>
               </a:ext>
             </a:extLst>
           </p:cNvPr>
@@ -20034,15 +24984,120 @@
         </p:nvSpPr>
         <p:spPr>
           <a:xfrm>
-            <a:off x="1389185" y="1045029"/>
-            <a:ext cx="2455984" cy="660679"/>
-          </a:xfrm>
-          <a:prstGeom prst="rect">
+            <a:off x="9325708" y="1125563"/>
+            <a:ext cx="849923" cy="378905"/>
+          </a:xfrm>
+          <a:prstGeom prst="roundRect">
+            <a:avLst/>
+          </a:prstGeom>
+        </p:spPr>
+        <p:style>
+          <a:lnRef idx="2">
+            <a:schemeClr val="accent1">
+              <a:shade val="50000"/>
+            </a:schemeClr>
+          </a:lnRef>
+          <a:fillRef idx="1">
+            <a:schemeClr val="accent1"/>
+          </a:fillRef>
+          <a:effectRef idx="0">
+            <a:schemeClr val="accent1"/>
+          </a:effectRef>
+          <a:fontRef idx="minor">
+            <a:schemeClr val="lt1"/>
+          </a:fontRef>
+        </p:style>
+        <p:txBody>
+          <a:bodyPr rtlCol="0" anchor="ctr"/>
+          <a:lstStyle/>
+          <a:p>
+            <a:pPr algn="ctr"/>
+            <a:r>
+              <a:rPr lang="ko-KR" altLang="en-US" sz="1000" dirty="0">
+                <a:latin typeface="HY견고딕" panose="02030600000101010101" pitchFamily="18" charset="-127"/>
+                <a:ea typeface="HY견고딕" panose="02030600000101010101" pitchFamily="18" charset="-127"/>
+              </a:rPr>
+              <a:t>로그인</a:t>
+            </a:r>
+          </a:p>
+        </p:txBody>
+      </p:sp>
+      <p:sp>
+        <p:nvSpPr>
+          <p:cNvPr id="18" name="사각형: 둥근 모서리 17">
+            <a:extLst>
+              <a:ext uri="{FF2B5EF4-FFF2-40B4-BE49-F238E27FC236}">
+                <a16:creationId xmlns:a16="http://schemas.microsoft.com/office/drawing/2014/main" id="{D3642EE4-2404-4F18-8E93-1E5F7D4A7DF0}"/>
+              </a:ext>
+            </a:extLst>
+          </p:cNvPr>
+          <p:cNvSpPr/>
+          <p:nvPr/>
+        </p:nvSpPr>
+        <p:spPr>
+          <a:xfrm>
+            <a:off x="10707834" y="1125564"/>
+            <a:ext cx="849923" cy="378905"/>
+          </a:xfrm>
+          <a:prstGeom prst="roundRect">
+            <a:avLst/>
+          </a:prstGeom>
+        </p:spPr>
+        <p:style>
+          <a:lnRef idx="2">
+            <a:schemeClr val="accent1">
+              <a:shade val="50000"/>
+            </a:schemeClr>
+          </a:lnRef>
+          <a:fillRef idx="1">
+            <a:schemeClr val="accent1"/>
+          </a:fillRef>
+          <a:effectRef idx="0">
+            <a:schemeClr val="accent1"/>
+          </a:effectRef>
+          <a:fontRef idx="minor">
+            <a:schemeClr val="lt1"/>
+          </a:fontRef>
+        </p:style>
+        <p:txBody>
+          <a:bodyPr rtlCol="0" anchor="ctr"/>
+          <a:lstStyle/>
+          <a:p>
+            <a:pPr algn="ctr"/>
+            <a:r>
+              <a:rPr lang="ko-KR" altLang="en-US" sz="900" dirty="0">
+                <a:latin typeface="HY견고딕" panose="02030600000101010101" pitchFamily="18" charset="-127"/>
+                <a:ea typeface="HY견고딕" panose="02030600000101010101" pitchFamily="18" charset="-127"/>
+              </a:rPr>
+              <a:t>마이 페이지</a:t>
+            </a:r>
+          </a:p>
+        </p:txBody>
+      </p:sp>
+      <p:sp>
+        <p:nvSpPr>
+          <p:cNvPr id="21" name="사각형: 둥근 모서리 20">
+            <a:extLst>
+              <a:ext uri="{FF2B5EF4-FFF2-40B4-BE49-F238E27FC236}">
+                <a16:creationId xmlns:a16="http://schemas.microsoft.com/office/drawing/2014/main" id="{0BEBCA47-2BE2-4271-9EF4-F00EAD9B3781}"/>
+              </a:ext>
+            </a:extLst>
+          </p:cNvPr>
+          <p:cNvSpPr/>
+          <p:nvPr/>
+        </p:nvSpPr>
+        <p:spPr>
+          <a:xfrm>
+            <a:off x="388961" y="1874501"/>
+            <a:ext cx="1097768" cy="451338"/>
+          </a:xfrm>
+          <a:prstGeom prst="roundRect">
             <a:avLst/>
           </a:prstGeom>
           <a:solidFill>
-            <a:schemeClr val="bg1">
-              <a:lumMod val="85000"/>
+            <a:schemeClr val="accent1">
+              <a:lumMod val="20000"/>
+              <a:lumOff val="80000"/>
             </a:schemeClr>
           </a:solidFill>
         </p:spPr>
@@ -20068,67 +25123,302 @@
           <a:p>
             <a:pPr algn="ctr"/>
             <a:r>
-              <a:rPr lang="en-US" altLang="ko-KR" dirty="0">
+              <a:rPr lang="ko-KR" altLang="en-US" sz="1600" dirty="0" err="1">
                 <a:solidFill>
                   <a:schemeClr val="tx1"/>
                 </a:solidFill>
+                <a:latin typeface="HY견고딕" panose="02030600000101010101" pitchFamily="18" charset="-127"/>
+                <a:ea typeface="HY견고딕" panose="02030600000101010101" pitchFamily="18" charset="-127"/>
               </a:rPr>
-              <a:t>1</a:t>
-            </a:r>
-            <a:r>
-              <a:rPr lang="ko-KR" altLang="en-US" dirty="0">
+              <a:t>플래너</a:t>
+            </a:r>
+            <a:endParaRPr lang="ko-KR" altLang="en-US" sz="1600" dirty="0">
+              <a:solidFill>
+                <a:schemeClr val="tx1"/>
+              </a:solidFill>
+              <a:latin typeface="HY견고딕" panose="02030600000101010101" pitchFamily="18" charset="-127"/>
+              <a:ea typeface="HY견고딕" panose="02030600000101010101" pitchFamily="18" charset="-127"/>
+            </a:endParaRPr>
+          </a:p>
+        </p:txBody>
+      </p:sp>
+      <p:sp>
+        <p:nvSpPr>
+          <p:cNvPr id="22" name="사각형: 둥근 모서리 21">
+            <a:extLst>
+              <a:ext uri="{FF2B5EF4-FFF2-40B4-BE49-F238E27FC236}">
+                <a16:creationId xmlns:a16="http://schemas.microsoft.com/office/drawing/2014/main" id="{E5D55381-7DA2-4D54-B66B-4FB83DE74C74}"/>
+              </a:ext>
+            </a:extLst>
+          </p:cNvPr>
+          <p:cNvSpPr/>
+          <p:nvPr/>
+        </p:nvSpPr>
+        <p:spPr>
+          <a:xfrm>
+            <a:off x="388961" y="2646065"/>
+            <a:ext cx="1097768" cy="451338"/>
+          </a:xfrm>
+          <a:prstGeom prst="roundRect">
+            <a:avLst/>
+          </a:prstGeom>
+          <a:solidFill>
+            <a:schemeClr val="accent1">
+              <a:lumMod val="20000"/>
+              <a:lumOff val="80000"/>
+            </a:schemeClr>
+          </a:solidFill>
+        </p:spPr>
+        <p:style>
+          <a:lnRef idx="2">
+            <a:schemeClr val="accent1">
+              <a:shade val="50000"/>
+            </a:schemeClr>
+          </a:lnRef>
+          <a:fillRef idx="1">
+            <a:schemeClr val="accent1"/>
+          </a:fillRef>
+          <a:effectRef idx="0">
+            <a:schemeClr val="accent1"/>
+          </a:effectRef>
+          <a:fontRef idx="minor">
+            <a:schemeClr val="lt1"/>
+          </a:fontRef>
+        </p:style>
+        <p:txBody>
+          <a:bodyPr rtlCol="0" anchor="ctr"/>
+          <a:lstStyle/>
+          <a:p>
+            <a:pPr algn="ctr"/>
+            <a:r>
+              <a:rPr lang="ko-KR" altLang="en-US" sz="1400" dirty="0">
                 <a:solidFill>
                   <a:schemeClr val="tx1"/>
                 </a:solidFill>
+                <a:latin typeface="HY견고딕" panose="02030600000101010101" pitchFamily="18" charset="-127"/>
+                <a:ea typeface="HY견고딕" panose="02030600000101010101" pitchFamily="18" charset="-127"/>
               </a:rPr>
-              <a:t>일차 </a:t>
-            </a:r>
-            <a:r>
-              <a:rPr lang="en-US" altLang="ko-KR" dirty="0">
-                <a:solidFill>
-                  <a:schemeClr val="tx1"/>
-                </a:solidFill>
-              </a:rPr>
-              <a:t>| </a:t>
-            </a:r>
-            <a:r>
-              <a:rPr lang="en-US" altLang="ko-KR" sz="1600" dirty="0">
-                <a:solidFill>
-                  <a:schemeClr val="tx1"/>
-                </a:solidFill>
-              </a:rPr>
-              <a:t>xx. xx . xx (</a:t>
-            </a:r>
+              <a:t>지역 추천</a:t>
+            </a:r>
+          </a:p>
+        </p:txBody>
+      </p:sp>
+      <p:sp>
+        <p:nvSpPr>
+          <p:cNvPr id="23" name="사각형: 둥근 모서리 22">
+            <a:extLst>
+              <a:ext uri="{FF2B5EF4-FFF2-40B4-BE49-F238E27FC236}">
+                <a16:creationId xmlns:a16="http://schemas.microsoft.com/office/drawing/2014/main" id="{5976833E-78C6-4366-B1D9-9176ECFDA595}"/>
+              </a:ext>
+            </a:extLst>
+          </p:cNvPr>
+          <p:cNvSpPr/>
+          <p:nvPr/>
+        </p:nvSpPr>
+        <p:spPr>
+          <a:xfrm>
+            <a:off x="388961" y="3429000"/>
+            <a:ext cx="1097768" cy="451338"/>
+          </a:xfrm>
+          <a:prstGeom prst="roundRect">
+            <a:avLst/>
+          </a:prstGeom>
+          <a:solidFill>
+            <a:schemeClr val="accent1">
+              <a:lumMod val="20000"/>
+              <a:lumOff val="80000"/>
+            </a:schemeClr>
+          </a:solidFill>
+        </p:spPr>
+        <p:style>
+          <a:lnRef idx="2">
+            <a:schemeClr val="accent1">
+              <a:shade val="50000"/>
+            </a:schemeClr>
+          </a:lnRef>
+          <a:fillRef idx="1">
+            <a:schemeClr val="accent1"/>
+          </a:fillRef>
+          <a:effectRef idx="0">
+            <a:schemeClr val="accent1"/>
+          </a:effectRef>
+          <a:fontRef idx="minor">
+            <a:schemeClr val="lt1"/>
+          </a:fontRef>
+        </p:style>
+        <p:txBody>
+          <a:bodyPr rtlCol="0" anchor="ctr"/>
+          <a:lstStyle/>
+          <a:p>
+            <a:pPr algn="ctr"/>
             <a:r>
               <a:rPr lang="ko-KR" altLang="en-US" sz="1600" dirty="0">
                 <a:solidFill>
                   <a:schemeClr val="tx1"/>
                 </a:solidFill>
+                <a:latin typeface="HY견고딕" panose="02030600000101010101" pitchFamily="18" charset="-127"/>
+                <a:ea typeface="HY견고딕" panose="02030600000101010101" pitchFamily="18" charset="-127"/>
               </a:rPr>
-              <a:t>요일</a:t>
-            </a:r>
-            <a:r>
-              <a:rPr lang="en-US" altLang="ko-KR" sz="1600" dirty="0">
+              <a:t>게시판</a:t>
+            </a:r>
+          </a:p>
+        </p:txBody>
+      </p:sp>
+      <p:cxnSp>
+        <p:nvCxnSpPr>
+          <p:cNvPr id="26" name="연결선: 꺾임 25">
+            <a:extLst>
+              <a:ext uri="{FF2B5EF4-FFF2-40B4-BE49-F238E27FC236}">
+                <a16:creationId xmlns:a16="http://schemas.microsoft.com/office/drawing/2014/main" id="{89A311FC-283D-46B9-9D51-8D1B73126875}"/>
+              </a:ext>
+            </a:extLst>
+          </p:cNvPr>
+          <p:cNvCxnSpPr/>
+          <p:nvPr/>
+        </p:nvCxnSpPr>
+        <p:spPr>
+          <a:xfrm>
+            <a:off x="451338" y="3880338"/>
+            <a:ext cx="322385" cy="193431"/>
+          </a:xfrm>
+          <a:prstGeom prst="bentConnector3">
+            <a:avLst/>
+          </a:prstGeom>
+          <a:ln>
+            <a:solidFill>
+              <a:schemeClr val="tx1"/>
+            </a:solidFill>
+            <a:tailEnd type="triangle"/>
+          </a:ln>
+        </p:spPr>
+        <p:style>
+          <a:lnRef idx="1">
+            <a:schemeClr val="accent1"/>
+          </a:lnRef>
+          <a:fillRef idx="0">
+            <a:schemeClr val="accent1"/>
+          </a:fillRef>
+          <a:effectRef idx="0">
+            <a:schemeClr val="accent1"/>
+          </a:effectRef>
+          <a:fontRef idx="minor">
+            <a:schemeClr val="tx1"/>
+          </a:fontRef>
+        </p:style>
+      </p:cxnSp>
+      <p:cxnSp>
+        <p:nvCxnSpPr>
+          <p:cNvPr id="29" name="연결선: 꺾임 28">
+            <a:extLst>
+              <a:ext uri="{FF2B5EF4-FFF2-40B4-BE49-F238E27FC236}">
+                <a16:creationId xmlns:a16="http://schemas.microsoft.com/office/drawing/2014/main" id="{66692587-9C87-4FEC-8126-B151B8EC9411}"/>
+              </a:ext>
+            </a:extLst>
+          </p:cNvPr>
+          <p:cNvCxnSpPr>
+            <a:cxnSpLocks/>
+          </p:cNvCxnSpPr>
+          <p:nvPr/>
+        </p:nvCxnSpPr>
+        <p:spPr>
+          <a:xfrm rot="16200000" flipH="1">
+            <a:off x="353156" y="4139710"/>
+            <a:ext cx="679943" cy="161195"/>
+          </a:xfrm>
+          <a:prstGeom prst="bentConnector3">
+            <a:avLst>
+              <a:gd name="adj1" fmla="val 100000"/>
+            </a:avLst>
+          </a:prstGeom>
+          <a:ln>
+            <a:solidFill>
+              <a:schemeClr val="tx1"/>
+            </a:solidFill>
+            <a:tailEnd type="triangle"/>
+          </a:ln>
+        </p:spPr>
+        <p:style>
+          <a:lnRef idx="1">
+            <a:schemeClr val="accent1"/>
+          </a:lnRef>
+          <a:fillRef idx="0">
+            <a:schemeClr val="accent1"/>
+          </a:fillRef>
+          <a:effectRef idx="0">
+            <a:schemeClr val="accent1"/>
+          </a:effectRef>
+          <a:fontRef idx="minor">
+            <a:schemeClr val="tx1"/>
+          </a:fontRef>
+        </p:style>
+      </p:cxnSp>
+      <p:sp>
+        <p:nvSpPr>
+          <p:cNvPr id="37" name="사각형: 둥근 모서리 36">
+            <a:extLst>
+              <a:ext uri="{FF2B5EF4-FFF2-40B4-BE49-F238E27FC236}">
+                <a16:creationId xmlns:a16="http://schemas.microsoft.com/office/drawing/2014/main" id="{DC7996B5-0B65-40FD-9AE7-82B851D782D4}"/>
+              </a:ext>
+            </a:extLst>
+          </p:cNvPr>
+          <p:cNvSpPr/>
+          <p:nvPr/>
+        </p:nvSpPr>
+        <p:spPr>
+          <a:xfrm>
+            <a:off x="804813" y="3998517"/>
+            <a:ext cx="783407" cy="189900"/>
+          </a:xfrm>
+          <a:prstGeom prst="roundRect">
+            <a:avLst/>
+          </a:prstGeom>
+          <a:solidFill>
+            <a:schemeClr val="accent1">
+              <a:lumMod val="20000"/>
+              <a:lumOff val="80000"/>
+            </a:schemeClr>
+          </a:solidFill>
+        </p:spPr>
+        <p:style>
+          <a:lnRef idx="2">
+            <a:schemeClr val="accent1">
+              <a:shade val="50000"/>
+            </a:schemeClr>
+          </a:lnRef>
+          <a:fillRef idx="1">
+            <a:schemeClr val="accent1"/>
+          </a:fillRef>
+          <a:effectRef idx="0">
+            <a:schemeClr val="accent1"/>
+          </a:effectRef>
+          <a:fontRef idx="minor">
+            <a:schemeClr val="lt1"/>
+          </a:fontRef>
+        </p:style>
+        <p:txBody>
+          <a:bodyPr rtlCol="0" anchor="ctr"/>
+          <a:lstStyle/>
+          <a:p>
+            <a:pPr algn="ctr"/>
+            <a:r>
+              <a:rPr lang="ko-KR" altLang="en-US" sz="800" dirty="0">
                 <a:solidFill>
                   <a:schemeClr val="tx1"/>
                 </a:solidFill>
+                <a:latin typeface="HY견고딕" panose="02030600000101010101" pitchFamily="18" charset="-127"/>
+                <a:ea typeface="HY견고딕" panose="02030600000101010101" pitchFamily="18" charset="-127"/>
               </a:rPr>
-              <a:t>)</a:t>
-            </a:r>
-            <a:endParaRPr lang="ko-KR" altLang="en-US" sz="1600" dirty="0">
-              <a:solidFill>
-                <a:schemeClr val="tx1"/>
-              </a:solidFill>
-            </a:endParaRPr>
-          </a:p>
-        </p:txBody>
-      </p:sp>
-      <p:sp>
-        <p:nvSpPr>
-          <p:cNvPr id="6" name="직사각형 5">
-            <a:extLst>
-              <a:ext uri="{FF2B5EF4-FFF2-40B4-BE49-F238E27FC236}">
-                <a16:creationId xmlns:a16="http://schemas.microsoft.com/office/drawing/2014/main" id="{6E0B0DDD-112D-48A0-A24B-550307356E0D}"/>
+              <a:t>자유 게시판</a:t>
+            </a:r>
+          </a:p>
+        </p:txBody>
+      </p:sp>
+      <p:sp>
+        <p:nvSpPr>
+          <p:cNvPr id="38" name="사각형: 둥근 모서리 37">
+            <a:extLst>
+              <a:ext uri="{FF2B5EF4-FFF2-40B4-BE49-F238E27FC236}">
+                <a16:creationId xmlns:a16="http://schemas.microsoft.com/office/drawing/2014/main" id="{4D916B34-115B-45EA-B2B0-DCAB47294CF8}"/>
               </a:ext>
             </a:extLst>
           </p:cNvPr>
@@ -20137,14 +25427,17 @@
         </p:nvSpPr>
         <p:spPr>
           <a:xfrm>
-            <a:off x="3845169" y="1045029"/>
-            <a:ext cx="2661139" cy="5346441"/>
-          </a:xfrm>
-          <a:prstGeom prst="rect">
+            <a:off x="804813" y="4465329"/>
+            <a:ext cx="783407" cy="189900"/>
+          </a:xfrm>
+          <a:prstGeom prst="roundRect">
             <a:avLst/>
           </a:prstGeom>
           <a:solidFill>
-            <a:schemeClr val="bg1"/>
+            <a:schemeClr val="accent1">
+              <a:lumMod val="20000"/>
+              <a:lumOff val="80000"/>
+            </a:schemeClr>
           </a:solidFill>
         </p:spPr>
         <p:style>
@@ -20168,212 +25461,66 @@
           <a:lstStyle/>
           <a:p>
             <a:pPr algn="ctr"/>
-            <a:endParaRPr lang="ko-KR" altLang="en-US" dirty="0"/>
-          </a:p>
-        </p:txBody>
-      </p:sp>
-      <p:sp>
-        <p:nvSpPr>
-          <p:cNvPr id="7" name="직사각형 6">
-            <a:extLst>
-              <a:ext uri="{FF2B5EF4-FFF2-40B4-BE49-F238E27FC236}">
-                <a16:creationId xmlns:a16="http://schemas.microsoft.com/office/drawing/2014/main" id="{CD3C1418-6DF1-4207-8011-89D6694FBA60}"/>
-              </a:ext>
-            </a:extLst>
-          </p:cNvPr>
-          <p:cNvSpPr/>
-          <p:nvPr/>
-        </p:nvSpPr>
-        <p:spPr>
-          <a:xfrm>
-            <a:off x="326571" y="1045029"/>
-            <a:ext cx="1062614" cy="660679"/>
-          </a:xfrm>
-          <a:prstGeom prst="rect">
-            <a:avLst/>
-          </a:prstGeom>
-          <a:solidFill>
-            <a:schemeClr val="tx2">
-              <a:lumMod val="60000"/>
-              <a:lumOff val="40000"/>
-            </a:schemeClr>
-          </a:solidFill>
-        </p:spPr>
-        <p:style>
-          <a:lnRef idx="2">
-            <a:schemeClr val="accent1">
-              <a:shade val="50000"/>
-            </a:schemeClr>
-          </a:lnRef>
-          <a:fillRef idx="1">
-            <a:schemeClr val="accent1"/>
-          </a:fillRef>
-          <a:effectRef idx="0">
-            <a:schemeClr val="accent1"/>
-          </a:effectRef>
-          <a:fontRef idx="minor">
-            <a:schemeClr val="lt1"/>
-          </a:fontRef>
-        </p:style>
-        <p:txBody>
-          <a:bodyPr rtlCol="0" anchor="ctr"/>
-          <a:lstStyle/>
-          <a:p>
-            <a:pPr algn="ctr"/>
-            <a:r>
-              <a:rPr lang="ko-KR" altLang="en-US" dirty="0"/>
-              <a:t>일정</a:t>
-            </a:r>
-          </a:p>
-        </p:txBody>
-      </p:sp>
-      <p:sp>
-        <p:nvSpPr>
-          <p:cNvPr id="8" name="직사각형 7">
-            <a:extLst>
-              <a:ext uri="{FF2B5EF4-FFF2-40B4-BE49-F238E27FC236}">
-                <a16:creationId xmlns:a16="http://schemas.microsoft.com/office/drawing/2014/main" id="{DAD6D70A-B387-4C0B-9454-310587EEDE58}"/>
-              </a:ext>
-            </a:extLst>
-          </p:cNvPr>
-          <p:cNvSpPr/>
-          <p:nvPr/>
-        </p:nvSpPr>
-        <p:spPr>
-          <a:xfrm>
-            <a:off x="326571" y="1705708"/>
-            <a:ext cx="1062614" cy="849923"/>
-          </a:xfrm>
-          <a:prstGeom prst="rect">
-            <a:avLst/>
-          </a:prstGeom>
-          <a:solidFill>
-            <a:schemeClr val="tx2">
-              <a:lumMod val="75000"/>
-            </a:schemeClr>
-          </a:solidFill>
-        </p:spPr>
-        <p:style>
-          <a:lnRef idx="2">
-            <a:schemeClr val="accent1">
-              <a:shade val="50000"/>
-            </a:schemeClr>
-          </a:lnRef>
-          <a:fillRef idx="1">
-            <a:schemeClr val="accent1"/>
-          </a:fillRef>
-          <a:effectRef idx="0">
-            <a:schemeClr val="accent1"/>
-          </a:effectRef>
-          <a:fontRef idx="minor">
-            <a:schemeClr val="lt1"/>
-          </a:fontRef>
-        </p:style>
-        <p:txBody>
-          <a:bodyPr rtlCol="0" anchor="ctr"/>
-          <a:lstStyle/>
-          <a:p>
-            <a:pPr algn="ctr"/>
-            <a:r>
-              <a:rPr lang="en-US" altLang="ko-KR" dirty="0"/>
-              <a:t>xx . xx</a:t>
-            </a:r>
-          </a:p>
-          <a:p>
-            <a:pPr algn="ctr"/>
-            <a:r>
-              <a:rPr lang="en-US" altLang="ko-KR" dirty="0"/>
-              <a:t>(</a:t>
-            </a:r>
-            <a:r>
-              <a:rPr lang="ko-KR" altLang="en-US" dirty="0"/>
-              <a:t>요일</a:t>
-            </a:r>
-            <a:r>
-              <a:rPr lang="en-US" altLang="ko-KR" dirty="0"/>
-              <a:t>)</a:t>
-            </a:r>
-            <a:endParaRPr lang="ko-KR" altLang="en-US" dirty="0"/>
-          </a:p>
-        </p:txBody>
-      </p:sp>
-      <p:sp>
-        <p:nvSpPr>
-          <p:cNvPr id="9" name="직사각형 8">
-            <a:extLst>
-              <a:ext uri="{FF2B5EF4-FFF2-40B4-BE49-F238E27FC236}">
-                <a16:creationId xmlns:a16="http://schemas.microsoft.com/office/drawing/2014/main" id="{6A85FA1C-D58D-4B80-9E4E-549BB0E62829}"/>
-              </a:ext>
-            </a:extLst>
-          </p:cNvPr>
-          <p:cNvSpPr/>
-          <p:nvPr/>
-        </p:nvSpPr>
-        <p:spPr>
-          <a:xfrm>
-            <a:off x="326571" y="2555631"/>
-            <a:ext cx="1062614" cy="849923"/>
-          </a:xfrm>
-          <a:prstGeom prst="rect">
-            <a:avLst/>
-          </a:prstGeom>
-          <a:solidFill>
-            <a:schemeClr val="tx2">
-              <a:lumMod val="60000"/>
-              <a:lumOff val="40000"/>
-            </a:schemeClr>
-          </a:solidFill>
-        </p:spPr>
-        <p:style>
-          <a:lnRef idx="2">
-            <a:schemeClr val="accent1">
-              <a:shade val="50000"/>
-            </a:schemeClr>
-          </a:lnRef>
-          <a:fillRef idx="1">
-            <a:schemeClr val="accent1"/>
-          </a:fillRef>
-          <a:effectRef idx="0">
-            <a:schemeClr val="accent1"/>
-          </a:effectRef>
-          <a:fontRef idx="minor">
-            <a:schemeClr val="lt1"/>
-          </a:fontRef>
-        </p:style>
-        <p:txBody>
-          <a:bodyPr rtlCol="0" anchor="ctr"/>
-          <a:lstStyle/>
-          <a:p>
-            <a:pPr algn="ctr"/>
-            <a:r>
-              <a:rPr lang="en-US" altLang="ko-KR" dirty="0"/>
-              <a:t>xx . xx</a:t>
-            </a:r>
-          </a:p>
-          <a:p>
-            <a:pPr algn="ctr"/>
-            <a:r>
-              <a:rPr lang="en-US" altLang="ko-KR" dirty="0"/>
-              <a:t>(</a:t>
-            </a:r>
-            <a:r>
-              <a:rPr lang="ko-KR" altLang="en-US" dirty="0"/>
-              <a:t>요일</a:t>
-            </a:r>
-            <a:r>
-              <a:rPr lang="en-US" altLang="ko-KR" dirty="0"/>
-              <a:t>)</a:t>
-            </a:r>
-            <a:endParaRPr lang="ko-KR" altLang="en-US" dirty="0"/>
-          </a:p>
-        </p:txBody>
-      </p:sp>
-      <p:sp>
-        <p:nvSpPr>
-          <p:cNvPr id="10" name="TextBox 9">
-            <a:extLst>
-              <a:ext uri="{FF2B5EF4-FFF2-40B4-BE49-F238E27FC236}">
-                <a16:creationId xmlns:a16="http://schemas.microsoft.com/office/drawing/2014/main" id="{11168070-481B-4A3E-9CA6-ED1D3AEE3ABD}"/>
+            <a:r>
+              <a:rPr lang="ko-KR" altLang="en-US" sz="800" dirty="0">
+                <a:solidFill>
+                  <a:schemeClr val="tx1"/>
+                </a:solidFill>
+                <a:latin typeface="HY견고딕" panose="02030600000101010101" pitchFamily="18" charset="-127"/>
+                <a:ea typeface="HY견고딕" panose="02030600000101010101" pitchFamily="18" charset="-127"/>
+              </a:rPr>
+              <a:t>리뷰 게시판</a:t>
+            </a:r>
+          </a:p>
+        </p:txBody>
+      </p:sp>
+      <p:cxnSp>
+        <p:nvCxnSpPr>
+          <p:cNvPr id="40" name="직선 연결선 39">
+            <a:extLst>
+              <a:ext uri="{FF2B5EF4-FFF2-40B4-BE49-F238E27FC236}">
+                <a16:creationId xmlns:a16="http://schemas.microsoft.com/office/drawing/2014/main" id="{FA7BC23A-6A1D-43CB-AF96-F86B2ED5260C}"/>
+              </a:ext>
+            </a:extLst>
+          </p:cNvPr>
+          <p:cNvCxnSpPr/>
+          <p:nvPr/>
+        </p:nvCxnSpPr>
+        <p:spPr>
+          <a:xfrm>
+            <a:off x="2610678" y="2646065"/>
+            <a:ext cx="7666383" cy="0"/>
+          </a:xfrm>
+          <a:prstGeom prst="line">
+            <a:avLst/>
+          </a:prstGeom>
+          <a:ln>
+            <a:solidFill>
+              <a:schemeClr val="tx1"/>
+            </a:solidFill>
+          </a:ln>
+        </p:spPr>
+        <p:style>
+          <a:lnRef idx="1">
+            <a:schemeClr val="accent1"/>
+          </a:lnRef>
+          <a:fillRef idx="0">
+            <a:schemeClr val="accent1"/>
+          </a:fillRef>
+          <a:effectRef idx="0">
+            <a:schemeClr val="accent1"/>
+          </a:effectRef>
+          <a:fontRef idx="minor">
+            <a:schemeClr val="tx1"/>
+          </a:fontRef>
+        </p:style>
+      </p:cxnSp>
+      <p:sp>
+        <p:nvSpPr>
+          <p:cNvPr id="41" name="TextBox 40">
+            <a:extLst>
+              <a:ext uri="{FF2B5EF4-FFF2-40B4-BE49-F238E27FC236}">
+                <a16:creationId xmlns:a16="http://schemas.microsoft.com/office/drawing/2014/main" id="{FA01D0E3-E0E5-4D4D-B44C-C90C3855E4E4}"/>
               </a:ext>
             </a:extLst>
           </p:cNvPr>
@@ -20382,8 +25529,8 @@
         </p:nvSpPr>
         <p:spPr>
           <a:xfrm>
-            <a:off x="739897" y="3527793"/>
-            <a:ext cx="235962" cy="923330"/>
+            <a:off x="2610678" y="2050912"/>
+            <a:ext cx="7666382" cy="584775"/>
           </a:xfrm>
           <a:prstGeom prst="rect">
             <a:avLst/>
@@ -20391,53 +25538,38 @@
           <a:noFill/>
         </p:spPr>
         <p:txBody>
-          <a:bodyPr wrap="none" rtlCol="0">
+          <a:bodyPr wrap="square" rtlCol="0">
             <a:spAutoFit/>
           </a:bodyPr>
           <a:lstStyle/>
           <a:p>
             <a:r>
-              <a:rPr lang="en-US" altLang="ko-KR" dirty="0">
-                <a:solidFill>
-                  <a:schemeClr val="bg1"/>
-                </a:solidFill>
+              <a:rPr lang="ko-KR" altLang="en-US" sz="3200" dirty="0">
+                <a:latin typeface="HY헤드라인M" panose="02030600000101010101" pitchFamily="18" charset="-127"/>
+                <a:ea typeface="HY헤드라인M" panose="02030600000101010101" pitchFamily="18" charset="-127"/>
               </a:rPr>
-              <a:t>.</a:t>
-            </a:r>
-          </a:p>
-          <a:p>
-            <a:r>
-              <a:rPr lang="en-US" altLang="ko-KR" dirty="0">
-                <a:solidFill>
-                  <a:schemeClr val="bg1"/>
-                </a:solidFill>
+              <a:t>나만의 </a:t>
+            </a:r>
+            <a:r>
+              <a:rPr lang="ko-KR" altLang="en-US" sz="3200" dirty="0" err="1">
+                <a:latin typeface="HY헤드라인M" panose="02030600000101010101" pitchFamily="18" charset="-127"/>
+                <a:ea typeface="HY헤드라인M" panose="02030600000101010101" pitchFamily="18" charset="-127"/>
               </a:rPr>
-              <a:t>.</a:t>
-            </a:r>
-          </a:p>
-          <a:p>
-            <a:r>
-              <a:rPr lang="en-US" altLang="ko-KR" dirty="0">
-                <a:solidFill>
-                  <a:schemeClr val="bg1"/>
-                </a:solidFill>
-              </a:rPr>
-              <a:t>.</a:t>
-            </a:r>
-            <a:endParaRPr lang="ko-KR" altLang="en-US" dirty="0">
-              <a:solidFill>
-                <a:schemeClr val="bg1"/>
-              </a:solidFill>
+              <a:t>플래너</a:t>
+            </a:r>
+            <a:endParaRPr lang="ko-KR" altLang="en-US" sz="3200" dirty="0">
+              <a:latin typeface="HY헤드라인M" panose="02030600000101010101" pitchFamily="18" charset="-127"/>
+              <a:ea typeface="HY헤드라인M" panose="02030600000101010101" pitchFamily="18" charset="-127"/>
             </a:endParaRPr>
           </a:p>
         </p:txBody>
       </p:sp>
       <p:sp>
         <p:nvSpPr>
-          <p:cNvPr id="39" name="직사각형 38">
-            <a:extLst>
-              <a:ext uri="{FF2B5EF4-FFF2-40B4-BE49-F238E27FC236}">
-                <a16:creationId xmlns:a16="http://schemas.microsoft.com/office/drawing/2014/main" id="{483B05D1-64D9-489C-9949-2D21AB5E92A6}"/>
+          <p:cNvPr id="42" name="직사각형 41">
+            <a:extLst>
+              <a:ext uri="{FF2B5EF4-FFF2-40B4-BE49-F238E27FC236}">
+                <a16:creationId xmlns:a16="http://schemas.microsoft.com/office/drawing/2014/main" id="{9AD086DE-D070-4D3C-A0A9-1BB278F7AF34}"/>
               </a:ext>
             </a:extLst>
           </p:cNvPr>
@@ -20446,79 +25578,8 @@
         </p:nvSpPr>
         <p:spPr>
           <a:xfrm>
-            <a:off x="327914" y="4525108"/>
-            <a:ext cx="1062614" cy="849923"/>
-          </a:xfrm>
-          <a:prstGeom prst="rect">
-            <a:avLst/>
-          </a:prstGeom>
-          <a:solidFill>
-            <a:schemeClr val="tx2">
-              <a:lumMod val="60000"/>
-              <a:lumOff val="40000"/>
-            </a:schemeClr>
-          </a:solidFill>
-        </p:spPr>
-        <p:style>
-          <a:lnRef idx="2">
-            <a:schemeClr val="accent1">
-              <a:shade val="50000"/>
-            </a:schemeClr>
-          </a:lnRef>
-          <a:fillRef idx="1">
-            <a:schemeClr val="accent1"/>
-          </a:fillRef>
-          <a:effectRef idx="0">
-            <a:schemeClr val="accent1"/>
-          </a:effectRef>
-          <a:fontRef idx="minor">
-            <a:schemeClr val="lt1"/>
-          </a:fontRef>
-        </p:style>
-        <p:txBody>
-          <a:bodyPr rtlCol="0" anchor="ctr"/>
-          <a:lstStyle/>
-          <a:p>
-            <a:pPr algn="ctr"/>
-            <a:r>
-              <a:rPr lang="en-US" altLang="ko-KR" sz="1600" dirty="0"/>
-              <a:t>xx . xx</a:t>
-            </a:r>
-          </a:p>
-          <a:p>
-            <a:pPr algn="ctr"/>
-            <a:r>
-              <a:rPr lang="en-US" altLang="ko-KR" sz="1600" dirty="0"/>
-              <a:t>(</a:t>
-            </a:r>
-            <a:r>
-              <a:rPr lang="ko-KR" altLang="en-US" sz="1600" dirty="0"/>
-              <a:t>요일</a:t>
-            </a:r>
-            <a:r>
-              <a:rPr lang="en-US" altLang="ko-KR" sz="1600" dirty="0"/>
-              <a:t>)</a:t>
-            </a:r>
-            <a:endParaRPr lang="ko-KR" altLang="en-US" sz="1600" dirty="0"/>
-          </a:p>
-        </p:txBody>
-      </p:sp>
-      <p:sp>
-        <p:nvSpPr>
-          <p:cNvPr id="11" name="직사각형 10">
-            <a:extLst>
-              <a:ext uri="{FF2B5EF4-FFF2-40B4-BE49-F238E27FC236}">
-                <a16:creationId xmlns:a16="http://schemas.microsoft.com/office/drawing/2014/main" id="{EB51FF09-5942-4A6E-85C3-32CD10696D79}"/>
-              </a:ext>
-            </a:extLst>
-          </p:cNvPr>
-          <p:cNvSpPr/>
-          <p:nvPr/>
-        </p:nvSpPr>
-        <p:spPr>
-          <a:xfrm>
-            <a:off x="1389184" y="1705708"/>
-            <a:ext cx="2454641" cy="1412630"/>
+            <a:off x="2676939" y="2749826"/>
+            <a:ext cx="2888974" cy="1623388"/>
           </a:xfrm>
           <a:prstGeom prst="rect">
             <a:avLst/>
@@ -20556,12 +25617,48 @@
           </a:p>
         </p:txBody>
       </p:sp>
-      <p:sp>
-        <p:nvSpPr>
-          <p:cNvPr id="14" name="TextBox 13">
-            <a:extLst>
-              <a:ext uri="{FF2B5EF4-FFF2-40B4-BE49-F238E27FC236}">
-                <a16:creationId xmlns:a16="http://schemas.microsoft.com/office/drawing/2014/main" id="{32F89F6F-ADB9-4CD1-B6B9-464240C21F6E}"/>
+      <p:pic>
+        <p:nvPicPr>
+          <p:cNvPr id="45" name="그림 44">
+            <a:extLst>
+              <a:ext uri="{FF2B5EF4-FFF2-40B4-BE49-F238E27FC236}">
+                <a16:creationId xmlns:a16="http://schemas.microsoft.com/office/drawing/2014/main" id="{DE35583A-5D6B-4E98-82E1-855456E7E4A1}"/>
+              </a:ext>
+            </a:extLst>
+          </p:cNvPr>
+          <p:cNvPicPr>
+            <a:picLocks noChangeAspect="1"/>
+          </p:cNvPicPr>
+          <p:nvPr/>
+        </p:nvPicPr>
+        <p:blipFill>
+          <a:blip r:embed="rId2">
+            <a:extLst>
+              <a:ext uri="{28A0092B-C50C-407E-A947-70E740481C1C}">
+                <a14:useLocalDpi xmlns:a14="http://schemas.microsoft.com/office/drawing/2010/main" val="0"/>
+              </a:ext>
+            </a:extLst>
+          </a:blip>
+          <a:stretch>
+            <a:fillRect/>
+          </a:stretch>
+        </p:blipFill>
+        <p:spPr>
+          <a:xfrm>
+            <a:off x="2676939" y="2749826"/>
+            <a:ext cx="2888974" cy="887895"/>
+          </a:xfrm>
+          <a:prstGeom prst="rect">
+            <a:avLst/>
+          </a:prstGeom>
+        </p:spPr>
+      </p:pic>
+      <p:sp>
+        <p:nvSpPr>
+          <p:cNvPr id="46" name="TextBox 45">
+            <a:extLst>
+              <a:ext uri="{FF2B5EF4-FFF2-40B4-BE49-F238E27FC236}">
+                <a16:creationId xmlns:a16="http://schemas.microsoft.com/office/drawing/2014/main" id="{EBDA5D0D-FEF7-4C6D-BB16-4D3FCBB0BAD1}"/>
               </a:ext>
             </a:extLst>
           </p:cNvPr>
@@ -20570,8 +25667,8 @@
         </p:nvSpPr>
         <p:spPr>
           <a:xfrm>
-            <a:off x="1728015" y="1786151"/>
-            <a:ext cx="1779459" cy="400110"/>
+            <a:off x="2676939" y="3671996"/>
+            <a:ext cx="569844" cy="253916"/>
           </a:xfrm>
           <a:prstGeom prst="rect">
             <a:avLst/>
@@ -20584,72 +25681,19 @@
           </a:bodyPr>
           <a:lstStyle/>
           <a:p>
-            <a:pPr marL="342900" indent="-342900">
-              <a:buFont typeface="+mj-ea"/>
-              <a:buAutoNum type="circleNumDbPlain"/>
-            </a:pPr>
-            <a:r>
-              <a:rPr lang="ko-KR" altLang="en-US" sz="2000" dirty="0" err="1">
-                <a:solidFill>
-                  <a:schemeClr val="accent5"/>
-                </a:solidFill>
-              </a:rPr>
-              <a:t>마량포구</a:t>
-            </a:r>
-            <a:endParaRPr lang="ko-KR" altLang="en-US" sz="2000" dirty="0">
-              <a:solidFill>
-                <a:schemeClr val="accent5"/>
-              </a:solidFill>
-            </a:endParaRPr>
-          </a:p>
-        </p:txBody>
-      </p:sp>
-      <p:sp>
-        <p:nvSpPr>
-          <p:cNvPr id="12" name="TextBox 11">
-            <a:extLst>
-              <a:ext uri="{FF2B5EF4-FFF2-40B4-BE49-F238E27FC236}">
-                <a16:creationId xmlns:a16="http://schemas.microsoft.com/office/drawing/2014/main" id="{C42EDEAB-C3ED-4F28-B3C0-2967A35B2632}"/>
-              </a:ext>
-            </a:extLst>
-          </p:cNvPr>
-          <p:cNvSpPr txBox="1"/>
-          <p:nvPr/>
-        </p:nvSpPr>
-        <p:spPr>
-          <a:xfrm>
-            <a:off x="1387840" y="2331588"/>
-            <a:ext cx="546945" cy="261610"/>
-          </a:xfrm>
-          <a:prstGeom prst="rect">
-            <a:avLst/>
-          </a:prstGeom>
-          <a:noFill/>
-        </p:spPr>
-        <p:txBody>
-          <a:bodyPr wrap="none" rtlCol="0">
-            <a:spAutoFit/>
-          </a:bodyPr>
-          <a:lstStyle/>
-          <a:p>
-            <a:r>
-              <a:rPr lang="ko-KR" altLang="en-US" sz="1100" dirty="0"/>
-              <a:t>시간 </a:t>
-            </a:r>
-            <a:r>
-              <a:rPr lang="en-US" altLang="ko-KR" sz="1100" dirty="0"/>
-              <a:t>:</a:t>
-            </a:r>
-            <a:endParaRPr lang="ko-KR" altLang="en-US" sz="1100" dirty="0"/>
-          </a:p>
-        </p:txBody>
-      </p:sp>
-      <p:sp>
-        <p:nvSpPr>
-          <p:cNvPr id="16" name="직사각형 15">
-            <a:extLst>
-              <a:ext uri="{FF2B5EF4-FFF2-40B4-BE49-F238E27FC236}">
-                <a16:creationId xmlns:a16="http://schemas.microsoft.com/office/drawing/2014/main" id="{04B61069-BC28-4CB3-8889-5286C28C7E34}"/>
+            <a:r>
+              <a:rPr lang="ko-KR" altLang="en-US" sz="1050" dirty="0"/>
+              <a:t>제목</a:t>
+            </a:r>
+          </a:p>
+        </p:txBody>
+      </p:sp>
+      <p:sp>
+        <p:nvSpPr>
+          <p:cNvPr id="47" name="직사각형 46">
+            <a:extLst>
+              <a:ext uri="{FF2B5EF4-FFF2-40B4-BE49-F238E27FC236}">
+                <a16:creationId xmlns:a16="http://schemas.microsoft.com/office/drawing/2014/main" id="{0B3A0344-AA91-42B0-9F84-EDAFE9F8781E}"/>
               </a:ext>
             </a:extLst>
           </p:cNvPr>
@@ -20658,8 +25702,8 @@
         </p:nvSpPr>
         <p:spPr>
           <a:xfrm>
-            <a:off x="1387840" y="3127952"/>
-            <a:ext cx="2458736" cy="1397156"/>
+            <a:off x="2892110" y="3925912"/>
+            <a:ext cx="1046922" cy="195514"/>
           </a:xfrm>
           <a:prstGeom prst="rect">
             <a:avLst/>
@@ -20689,207 +25733,15 @@
           <a:lstStyle/>
           <a:p>
             <a:pPr algn="ctr"/>
-            <a:endParaRPr lang="en-US" altLang="ko-KR" sz="2000" dirty="0">
-              <a:solidFill>
-                <a:schemeClr val="accent5"/>
-              </a:solidFill>
-            </a:endParaRPr>
-          </a:p>
-          <a:p>
-            <a:pPr algn="ctr"/>
-            <a:endParaRPr lang="en-US" altLang="ko-KR" sz="2000" dirty="0">
-              <a:solidFill>
-                <a:schemeClr val="accent5"/>
-              </a:solidFill>
-            </a:endParaRPr>
-          </a:p>
-          <a:p>
-            <a:pPr algn="ctr"/>
-            <a:endParaRPr lang="ko-KR" altLang="en-US" sz="2000" dirty="0">
-              <a:solidFill>
-                <a:schemeClr val="accent5"/>
-              </a:solidFill>
-            </a:endParaRPr>
-          </a:p>
-        </p:txBody>
-      </p:sp>
-      <p:sp>
-        <p:nvSpPr>
-          <p:cNvPr id="18" name="TextBox 17">
-            <a:extLst>
-              <a:ext uri="{FF2B5EF4-FFF2-40B4-BE49-F238E27FC236}">
-                <a16:creationId xmlns:a16="http://schemas.microsoft.com/office/drawing/2014/main" id="{27C8C158-8D36-4E4B-B21C-318F2AD89232}"/>
-              </a:ext>
-            </a:extLst>
-          </p:cNvPr>
-          <p:cNvSpPr txBox="1"/>
-          <p:nvPr/>
-        </p:nvSpPr>
-        <p:spPr>
-          <a:xfrm>
-            <a:off x="1385152" y="3651367"/>
-            <a:ext cx="546944" cy="261610"/>
-          </a:xfrm>
-          <a:prstGeom prst="rect">
-            <a:avLst/>
-          </a:prstGeom>
-          <a:noFill/>
-        </p:spPr>
-        <p:txBody>
-          <a:bodyPr wrap="square" rtlCol="0">
-            <a:spAutoFit/>
-          </a:bodyPr>
-          <a:lstStyle/>
-          <a:p>
-            <a:r>
-              <a:rPr lang="ko-KR" altLang="en-US" sz="1100" dirty="0"/>
-              <a:t>시간 </a:t>
-            </a:r>
-            <a:r>
-              <a:rPr lang="en-US" altLang="ko-KR" sz="1100" dirty="0"/>
-              <a:t>:</a:t>
-            </a:r>
-            <a:endParaRPr lang="ko-KR" altLang="en-US" sz="1100" dirty="0"/>
-          </a:p>
-        </p:txBody>
-      </p:sp>
-      <p:sp>
-        <p:nvSpPr>
-          <p:cNvPr id="19" name="TextBox 18">
-            <a:extLst>
-              <a:ext uri="{FF2B5EF4-FFF2-40B4-BE49-F238E27FC236}">
-                <a16:creationId xmlns:a16="http://schemas.microsoft.com/office/drawing/2014/main" id="{66AD2B9D-14FD-4E1A-8631-99BDA62D50D8}"/>
-              </a:ext>
-            </a:extLst>
-          </p:cNvPr>
-          <p:cNvSpPr txBox="1"/>
-          <p:nvPr/>
-        </p:nvSpPr>
-        <p:spPr>
-          <a:xfrm>
-            <a:off x="1742481" y="3205499"/>
-            <a:ext cx="1779459" cy="400110"/>
-          </a:xfrm>
-          <a:prstGeom prst="rect">
-            <a:avLst/>
-          </a:prstGeom>
-          <a:noFill/>
-        </p:spPr>
-        <p:txBody>
-          <a:bodyPr wrap="square" rtlCol="0">
-            <a:spAutoFit/>
-          </a:bodyPr>
-          <a:lstStyle/>
-          <a:p>
-            <a:r>
-              <a:rPr lang="ko-KR" altLang="en-US" sz="2000" dirty="0">
+            <a:r>
+              <a:rPr lang="en-US" altLang="ko-KR" sz="1400" dirty="0" err="1">
                 <a:solidFill>
-                  <a:schemeClr val="accent5"/>
+                  <a:schemeClr val="tx1"/>
                 </a:solidFill>
               </a:rPr>
-              <a:t>② </a:t>
-            </a:r>
-            <a:r>
-              <a:rPr lang="ko-KR" altLang="en-US" sz="2000" dirty="0" err="1">
-                <a:solidFill>
-                  <a:schemeClr val="accent5"/>
-                </a:solidFill>
-              </a:rPr>
-              <a:t>춘장대</a:t>
-            </a:r>
-            <a:endParaRPr lang="ko-KR" altLang="en-US" sz="2000" dirty="0">
-              <a:solidFill>
-                <a:schemeClr val="accent5"/>
-              </a:solidFill>
-            </a:endParaRPr>
-          </a:p>
-        </p:txBody>
-      </p:sp>
-      <p:sp>
-        <p:nvSpPr>
-          <p:cNvPr id="21" name="TextBox 20">
-            <a:extLst>
-              <a:ext uri="{FF2B5EF4-FFF2-40B4-BE49-F238E27FC236}">
-                <a16:creationId xmlns:a16="http://schemas.microsoft.com/office/drawing/2014/main" id="{866732CA-3298-4F5D-835E-E3767056B40A}"/>
-              </a:ext>
-            </a:extLst>
-          </p:cNvPr>
-          <p:cNvSpPr txBox="1"/>
-          <p:nvPr/>
-        </p:nvSpPr>
-        <p:spPr>
-          <a:xfrm>
-            <a:off x="1385151" y="2690776"/>
-            <a:ext cx="546945" cy="261610"/>
-          </a:xfrm>
-          <a:prstGeom prst="rect">
-            <a:avLst/>
-          </a:prstGeom>
-          <a:noFill/>
-        </p:spPr>
-        <p:txBody>
-          <a:bodyPr wrap="none" rtlCol="0">
-            <a:spAutoFit/>
-          </a:bodyPr>
-          <a:lstStyle/>
-          <a:p>
-            <a:r>
-              <a:rPr lang="ko-KR" altLang="en-US" sz="1100" dirty="0"/>
-              <a:t>메모 </a:t>
-            </a:r>
-            <a:r>
-              <a:rPr lang="en-US" altLang="ko-KR" sz="1100" dirty="0"/>
-              <a:t>:</a:t>
-            </a:r>
-            <a:endParaRPr lang="ko-KR" altLang="en-US" sz="1100" dirty="0"/>
-          </a:p>
-        </p:txBody>
-      </p:sp>
-      <p:sp>
-        <p:nvSpPr>
-          <p:cNvPr id="24" name="직사각형 23">
-            <a:extLst>
-              <a:ext uri="{FF2B5EF4-FFF2-40B4-BE49-F238E27FC236}">
-                <a16:creationId xmlns:a16="http://schemas.microsoft.com/office/drawing/2014/main" id="{1C8EC8E2-8C35-4D44-96A7-F1E29324BDEE}"/>
-              </a:ext>
-            </a:extLst>
-          </p:cNvPr>
-          <p:cNvSpPr/>
-          <p:nvPr/>
-        </p:nvSpPr>
-        <p:spPr>
-          <a:xfrm>
-            <a:off x="1877232" y="2753303"/>
-            <a:ext cx="1875062" cy="196543"/>
-          </a:xfrm>
-          <a:prstGeom prst="rect">
-            <a:avLst/>
-          </a:prstGeom>
-          <a:solidFill>
-            <a:schemeClr val="bg1"/>
-          </a:solidFill>
-        </p:spPr>
-        <p:style>
-          <a:lnRef idx="2">
-            <a:schemeClr val="accent1">
-              <a:shade val="50000"/>
-            </a:schemeClr>
-          </a:lnRef>
-          <a:fillRef idx="1">
-            <a:schemeClr val="accent1"/>
-          </a:fillRef>
-          <a:effectRef idx="0">
-            <a:schemeClr val="accent1"/>
-          </a:effectRef>
-          <a:fontRef idx="minor">
-            <a:schemeClr val="lt1"/>
-          </a:fontRef>
-        </p:style>
-        <p:txBody>
-          <a:bodyPr rtlCol="0" anchor="ctr"/>
-          <a:lstStyle/>
-          <a:p>
-            <a:endParaRPr lang="ko-KR" altLang="en-US" sz="1000" dirty="0">
+              <a:t>xx.xx.xx</a:t>
+            </a:r>
+            <a:endParaRPr lang="ko-KR" altLang="en-US" sz="1400" dirty="0">
               <a:solidFill>
                 <a:schemeClr val="tx1"/>
               </a:solidFill>
@@ -20899,50 +25751,10 @@
       </p:sp>
       <p:sp>
         <p:nvSpPr>
-          <p:cNvPr id="27" name="TextBox 26">
-            <a:extLst>
-              <a:ext uri="{FF2B5EF4-FFF2-40B4-BE49-F238E27FC236}">
-                <a16:creationId xmlns:a16="http://schemas.microsoft.com/office/drawing/2014/main" id="{FF47DC61-EEBB-4B94-A6CE-C862A8BFDB06}"/>
-              </a:ext>
-            </a:extLst>
-          </p:cNvPr>
-          <p:cNvSpPr txBox="1"/>
-          <p:nvPr/>
-        </p:nvSpPr>
-        <p:spPr>
-          <a:xfrm>
-            <a:off x="1389667" y="3960941"/>
-            <a:ext cx="546945" cy="261610"/>
-          </a:xfrm>
-          <a:prstGeom prst="rect">
-            <a:avLst/>
-          </a:prstGeom>
-          <a:noFill/>
-        </p:spPr>
-        <p:txBody>
-          <a:bodyPr wrap="none" rtlCol="0">
-            <a:spAutoFit/>
-          </a:bodyPr>
-          <a:lstStyle/>
-          <a:p>
-            <a:r>
-              <a:rPr lang="ko-KR" altLang="en-US" sz="1100" dirty="0"/>
-              <a:t>메모 </a:t>
-            </a:r>
-            <a:r>
-              <a:rPr lang="en-US" altLang="ko-KR" sz="1100" dirty="0"/>
-              <a:t>:</a:t>
-            </a:r>
-            <a:endParaRPr lang="ko-KR" altLang="en-US" sz="1100" dirty="0"/>
-          </a:p>
-        </p:txBody>
-      </p:sp>
-      <p:sp>
-        <p:nvSpPr>
-          <p:cNvPr id="32" name="직사각형 31">
-            <a:extLst>
-              <a:ext uri="{FF2B5EF4-FFF2-40B4-BE49-F238E27FC236}">
-                <a16:creationId xmlns:a16="http://schemas.microsoft.com/office/drawing/2014/main" id="{4C8A66FF-6496-4C3A-B55A-055E5338247B}"/>
+          <p:cNvPr id="48" name="직사각형 47">
+            <a:extLst>
+              <a:ext uri="{FF2B5EF4-FFF2-40B4-BE49-F238E27FC236}">
+                <a16:creationId xmlns:a16="http://schemas.microsoft.com/office/drawing/2014/main" id="{5C1D0D90-6AFC-4AD0-9E32-C0CD2910BA44}"/>
               </a:ext>
             </a:extLst>
           </p:cNvPr>
@@ -20951,8 +25763,8 @@
         </p:nvSpPr>
         <p:spPr>
           <a:xfrm>
-            <a:off x="1877232" y="3982751"/>
-            <a:ext cx="1875062" cy="196543"/>
+            <a:off x="4315621" y="3925912"/>
+            <a:ext cx="1046922" cy="195514"/>
           </a:xfrm>
           <a:prstGeom prst="rect">
             <a:avLst/>
@@ -20981,7 +25793,16 @@
           <a:bodyPr rtlCol="0" anchor="ctr"/>
           <a:lstStyle/>
           <a:p>
-            <a:endParaRPr lang="ko-KR" altLang="en-US" sz="1000" dirty="0">
+            <a:pPr algn="ctr"/>
+            <a:r>
+              <a:rPr lang="en-US" altLang="ko-KR" sz="1400" dirty="0" err="1">
+                <a:solidFill>
+                  <a:schemeClr val="tx1"/>
+                </a:solidFill>
+              </a:rPr>
+              <a:t>xx.xx.xx</a:t>
+            </a:r>
+            <a:endParaRPr lang="ko-KR" altLang="en-US" sz="1400" dirty="0">
               <a:solidFill>
                 <a:schemeClr val="tx1"/>
               </a:solidFill>
@@ -20991,10 +25812,10 @@
       </p:sp>
       <p:sp>
         <p:nvSpPr>
-          <p:cNvPr id="34" name="TextBox 33">
-            <a:extLst>
-              <a:ext uri="{FF2B5EF4-FFF2-40B4-BE49-F238E27FC236}">
-                <a16:creationId xmlns:a16="http://schemas.microsoft.com/office/drawing/2014/main" id="{88C49321-92F3-4176-8F41-056CB1982C23}"/>
+          <p:cNvPr id="49" name="TextBox 48">
+            <a:extLst>
+              <a:ext uri="{FF2B5EF4-FFF2-40B4-BE49-F238E27FC236}">
+                <a16:creationId xmlns:a16="http://schemas.microsoft.com/office/drawing/2014/main" id="{B9F4BC63-7BC1-49A5-8AA0-18F87462ECC9}"/>
               </a:ext>
             </a:extLst>
           </p:cNvPr>
@@ -21003,8 +25824,44 @@
         </p:nvSpPr>
         <p:spPr>
           <a:xfrm>
-            <a:off x="1391873" y="4179110"/>
-            <a:ext cx="1583780" cy="261610"/>
+            <a:off x="3954041" y="3822202"/>
+            <a:ext cx="346570" cy="369332"/>
+          </a:xfrm>
+          <a:prstGeom prst="rect">
+            <a:avLst/>
+          </a:prstGeom>
+          <a:noFill/>
+        </p:spPr>
+        <p:txBody>
+          <a:bodyPr wrap="none" rtlCol="0">
+            <a:spAutoFit/>
+          </a:bodyPr>
+          <a:lstStyle/>
+          <a:p>
+            <a:r>
+              <a:rPr lang="en-US" altLang="ko-KR" dirty="0"/>
+              <a:t>~</a:t>
+            </a:r>
+            <a:endParaRPr lang="ko-KR" altLang="en-US" dirty="0"/>
+          </a:p>
+        </p:txBody>
+      </p:sp>
+      <p:sp>
+        <p:nvSpPr>
+          <p:cNvPr id="50" name="TextBox 49">
+            <a:extLst>
+              <a:ext uri="{FF2B5EF4-FFF2-40B4-BE49-F238E27FC236}">
+                <a16:creationId xmlns:a16="http://schemas.microsoft.com/office/drawing/2014/main" id="{64B89053-2D50-4F90-BFA1-5E6935776B43}"/>
+              </a:ext>
+            </a:extLst>
+          </p:cNvPr>
+          <p:cNvSpPr txBox="1"/>
+          <p:nvPr/>
+        </p:nvSpPr>
+        <p:spPr>
+          <a:xfrm>
+            <a:off x="2699505" y="4147292"/>
+            <a:ext cx="1558583" cy="200055"/>
           </a:xfrm>
           <a:prstGeom prst="rect">
             <a:avLst/>
@@ -21018,27 +25875,18 @@
           <a:lstStyle/>
           <a:p>
             <a:r>
-              <a:rPr lang="en-US" altLang="ko-KR" sz="1100" dirty="0"/>
-              <a:t>1</a:t>
-            </a:r>
-            <a:r>
-              <a:rPr lang="ko-KR" altLang="en-US" sz="1100" dirty="0"/>
-              <a:t> 번째 장소와의 거리 </a:t>
-            </a:r>
-            <a:r>
-              <a:rPr lang="en-US" altLang="ko-KR" sz="1100" dirty="0"/>
-              <a:t>:            </a:t>
-            </a:r>
-            <a:endParaRPr lang="ko-KR" altLang="en-US" sz="1100" dirty="0"/>
-          </a:p>
-        </p:txBody>
-      </p:sp>
-      <p:sp>
-        <p:nvSpPr>
-          <p:cNvPr id="35" name="직사각형 34">
-            <a:extLst>
-              <a:ext uri="{FF2B5EF4-FFF2-40B4-BE49-F238E27FC236}">
-                <a16:creationId xmlns:a16="http://schemas.microsoft.com/office/drawing/2014/main" id="{38E2F87E-FC65-4195-A3F8-95D81846C4AD}"/>
+              <a:rPr lang="ko-KR" altLang="en-US" sz="700" dirty="0"/>
+              <a:t>메모</a:t>
+            </a:r>
+          </a:p>
+        </p:txBody>
+      </p:sp>
+      <p:sp>
+        <p:nvSpPr>
+          <p:cNvPr id="51" name="사각형: 둥근 모서리 50">
+            <a:extLst>
+              <a:ext uri="{FF2B5EF4-FFF2-40B4-BE49-F238E27FC236}">
+                <a16:creationId xmlns:a16="http://schemas.microsoft.com/office/drawing/2014/main" id="{172BD8DC-98E0-4AB2-A8DB-098FE2DBBAB6}"/>
               </a:ext>
             </a:extLst>
           </p:cNvPr>
@@ -21047,104 +25895,7 @@
         </p:nvSpPr>
         <p:spPr>
           <a:xfrm>
-            <a:off x="2978340" y="4221609"/>
-            <a:ext cx="452160" cy="196543"/>
-          </a:xfrm>
-          <a:prstGeom prst="rect">
-            <a:avLst/>
-          </a:prstGeom>
-          <a:solidFill>
-            <a:schemeClr val="bg1"/>
-          </a:solidFill>
-        </p:spPr>
-        <p:style>
-          <a:lnRef idx="2">
-            <a:schemeClr val="accent1">
-              <a:shade val="50000"/>
-            </a:schemeClr>
-          </a:lnRef>
-          <a:fillRef idx="1">
-            <a:schemeClr val="accent1"/>
-          </a:fillRef>
-          <a:effectRef idx="0">
-            <a:schemeClr val="accent1"/>
-          </a:effectRef>
-          <a:fontRef idx="minor">
-            <a:schemeClr val="lt1"/>
-          </a:fontRef>
-        </p:style>
-        <p:txBody>
-          <a:bodyPr rtlCol="0" anchor="ctr"/>
-          <a:lstStyle/>
-          <a:p>
-            <a:pPr algn="ctr"/>
-            <a:r>
-              <a:rPr lang="en-US" altLang="ko-KR" sz="1000" dirty="0">
-                <a:solidFill>
-                  <a:schemeClr val="tx1"/>
-                </a:solidFill>
-              </a:rPr>
-              <a:t>4.5</a:t>
-            </a:r>
-            <a:endParaRPr lang="ko-KR" altLang="en-US" sz="1000" dirty="0">
-              <a:solidFill>
-                <a:schemeClr val="tx1"/>
-              </a:solidFill>
-            </a:endParaRPr>
-          </a:p>
-        </p:txBody>
-      </p:sp>
-      <p:sp>
-        <p:nvSpPr>
-          <p:cNvPr id="36" name="TextBox 35">
-            <a:extLst>
-              <a:ext uri="{FF2B5EF4-FFF2-40B4-BE49-F238E27FC236}">
-                <a16:creationId xmlns:a16="http://schemas.microsoft.com/office/drawing/2014/main" id="{1F3936DA-7ED2-42B5-8437-3ADE9DA7F6D9}"/>
-              </a:ext>
-            </a:extLst>
-          </p:cNvPr>
-          <p:cNvSpPr txBox="1"/>
-          <p:nvPr/>
-        </p:nvSpPr>
-        <p:spPr>
-          <a:xfrm>
-            <a:off x="3397498" y="4189075"/>
-            <a:ext cx="444983" cy="261610"/>
-          </a:xfrm>
-          <a:prstGeom prst="rect">
-            <a:avLst/>
-          </a:prstGeom>
-          <a:noFill/>
-        </p:spPr>
-        <p:txBody>
-          <a:bodyPr wrap="square" rtlCol="0">
-            <a:spAutoFit/>
-          </a:bodyPr>
-          <a:lstStyle/>
-          <a:p>
-            <a:r>
-              <a:rPr lang="en-US" altLang="ko-KR" sz="1100" dirty="0"/>
-              <a:t>km</a:t>
-            </a:r>
-            <a:endParaRPr lang="ko-KR" altLang="en-US" sz="1100" dirty="0"/>
-          </a:p>
-        </p:txBody>
-      </p:sp>
-      <p:sp>
-        <p:nvSpPr>
-          <p:cNvPr id="37" name="사각형: 둥근 모서리 36">
-            <a:extLst>
-              <a:ext uri="{FF2B5EF4-FFF2-40B4-BE49-F238E27FC236}">
-                <a16:creationId xmlns:a16="http://schemas.microsoft.com/office/drawing/2014/main" id="{6ECC3192-AB3C-4086-818B-8D65429B1A07}"/>
-              </a:ext>
-            </a:extLst>
-          </p:cNvPr>
-          <p:cNvSpPr/>
-          <p:nvPr/>
-        </p:nvSpPr>
-        <p:spPr>
-          <a:xfrm>
-            <a:off x="3642084" y="1767660"/>
+            <a:off x="5362543" y="2803052"/>
             <a:ext cx="145774" cy="156388"/>
           </a:xfrm>
           <a:prstGeom prst="roundRect">
@@ -21198,10 +25949,10 @@
       </p:sp>
       <p:sp>
         <p:nvSpPr>
-          <p:cNvPr id="38" name="사각형: 둥근 모서리 37">
-            <a:extLst>
-              <a:ext uri="{FF2B5EF4-FFF2-40B4-BE49-F238E27FC236}">
-                <a16:creationId xmlns:a16="http://schemas.microsoft.com/office/drawing/2014/main" id="{ED4628BD-3324-4358-BF16-4029BF152DE9}"/>
+          <p:cNvPr id="52" name="사각형: 둥근 모서리 51">
+            <a:extLst>
+              <a:ext uri="{FF2B5EF4-FFF2-40B4-BE49-F238E27FC236}">
+                <a16:creationId xmlns:a16="http://schemas.microsoft.com/office/drawing/2014/main" id="{9A7DE64B-83B4-4C70-B30C-0DE0FBC57606}"/>
               </a:ext>
             </a:extLst>
           </p:cNvPr>
@@ -21210,20 +25961,67 @@
         </p:nvSpPr>
         <p:spPr>
           <a:xfrm>
-            <a:off x="3642084" y="3200249"/>
-            <a:ext cx="145774" cy="156388"/>
+            <a:off x="10518404" y="5683451"/>
+            <a:ext cx="849923" cy="378905"/>
           </a:xfrm>
           <a:prstGeom prst="roundRect">
+            <a:avLst/>
+          </a:prstGeom>
+        </p:spPr>
+        <p:style>
+          <a:lnRef idx="2">
+            <a:schemeClr val="accent1">
+              <a:shade val="50000"/>
+            </a:schemeClr>
+          </a:lnRef>
+          <a:fillRef idx="1">
+            <a:schemeClr val="accent1"/>
+          </a:fillRef>
+          <a:effectRef idx="0">
+            <a:schemeClr val="accent1"/>
+          </a:effectRef>
+          <a:fontRef idx="minor">
+            <a:schemeClr val="lt1"/>
+          </a:fontRef>
+        </p:style>
+        <p:txBody>
+          <a:bodyPr rtlCol="0" anchor="ctr"/>
+          <a:lstStyle/>
+          <a:p>
+            <a:pPr algn="ctr"/>
+            <a:r>
+              <a:rPr lang="ko-KR" altLang="en-US" sz="1000" dirty="0">
+                <a:latin typeface="HY견고딕" panose="02030600000101010101" pitchFamily="18" charset="-127"/>
+                <a:ea typeface="HY견고딕" panose="02030600000101010101" pitchFamily="18" charset="-127"/>
+              </a:rPr>
+              <a:t>작성</a:t>
+            </a:r>
+          </a:p>
+        </p:txBody>
+      </p:sp>
+      <p:sp>
+        <p:nvSpPr>
+          <p:cNvPr id="3" name="직사각형 2">
+            <a:extLst>
+              <a:ext uri="{FF2B5EF4-FFF2-40B4-BE49-F238E27FC236}">
+                <a16:creationId xmlns:a16="http://schemas.microsoft.com/office/drawing/2014/main" id="{5F77325A-78A0-45AC-AC8E-F7E3F699ABD3}"/>
+              </a:ext>
+            </a:extLst>
+          </p:cNvPr>
+          <p:cNvSpPr/>
+          <p:nvPr/>
+        </p:nvSpPr>
+        <p:spPr>
+          <a:xfrm>
+            <a:off x="3458817" y="1742661"/>
+            <a:ext cx="6255026" cy="3743733"/>
+          </a:xfrm>
+          <a:prstGeom prst="rect">
             <a:avLst/>
           </a:prstGeom>
           <a:solidFill>
             <a:schemeClr val="bg1"/>
           </a:solidFill>
-          <a:ln w="3175">
-            <a:solidFill>
-              <a:schemeClr val="tx1"/>
-            </a:solidFill>
-          </a:ln>
         </p:spPr>
         <p:style>
           <a:lnRef idx="2">
@@ -21246,15 +26044,234 @@
           <a:lstStyle/>
           <a:p>
             <a:pPr algn="ctr"/>
-            <a:r>
-              <a:rPr lang="en-US" altLang="ko-KR" sz="1200" dirty="0">
+            <a:endParaRPr lang="ko-KR" altLang="en-US" dirty="0"/>
+          </a:p>
+        </p:txBody>
+      </p:sp>
+      <p:sp>
+        <p:nvSpPr>
+          <p:cNvPr id="7" name="직사각형 6">
+            <a:extLst>
+              <a:ext uri="{FF2B5EF4-FFF2-40B4-BE49-F238E27FC236}">
+                <a16:creationId xmlns:a16="http://schemas.microsoft.com/office/drawing/2014/main" id="{6EBDF779-3376-4989-BC2B-774991868374}"/>
+              </a:ext>
+            </a:extLst>
+          </p:cNvPr>
+          <p:cNvSpPr/>
+          <p:nvPr/>
+        </p:nvSpPr>
+        <p:spPr>
+          <a:xfrm>
+            <a:off x="3742070" y="2651962"/>
+            <a:ext cx="5166309" cy="475118"/>
+          </a:xfrm>
+          <a:prstGeom prst="rect">
+            <a:avLst/>
+          </a:prstGeom>
+          <a:solidFill>
+            <a:schemeClr val="bg1"/>
+          </a:solidFill>
+        </p:spPr>
+        <p:style>
+          <a:lnRef idx="2">
+            <a:schemeClr val="accent1">
+              <a:shade val="50000"/>
+            </a:schemeClr>
+          </a:lnRef>
+          <a:fillRef idx="1">
+            <a:schemeClr val="accent1"/>
+          </a:fillRef>
+          <a:effectRef idx="0">
+            <a:schemeClr val="accent1"/>
+          </a:effectRef>
+          <a:fontRef idx="minor">
+            <a:schemeClr val="lt1"/>
+          </a:fontRef>
+        </p:style>
+        <p:txBody>
+          <a:bodyPr rtlCol="0" anchor="ctr"/>
+          <a:lstStyle/>
+          <a:p>
+            <a:r>
+              <a:rPr lang="ko-KR" altLang="en-US" dirty="0">
+                <a:solidFill>
+                  <a:schemeClr val="bg1">
+                    <a:lumMod val="65000"/>
+                  </a:schemeClr>
+                </a:solidFill>
+              </a:rPr>
+              <a:t>제목을 입력하세요</a:t>
+            </a:r>
+          </a:p>
+        </p:txBody>
+      </p:sp>
+      <p:cxnSp>
+        <p:nvCxnSpPr>
+          <p:cNvPr id="9" name="직선 연결선 8">
+            <a:extLst>
+              <a:ext uri="{FF2B5EF4-FFF2-40B4-BE49-F238E27FC236}">
+                <a16:creationId xmlns:a16="http://schemas.microsoft.com/office/drawing/2014/main" id="{2CC440BD-C4A2-4B4E-95C7-EA21C4F19CFB}"/>
+              </a:ext>
+            </a:extLst>
+          </p:cNvPr>
+          <p:cNvCxnSpPr/>
+          <p:nvPr/>
+        </p:nvCxnSpPr>
+        <p:spPr>
+          <a:xfrm>
+            <a:off x="3686908" y="2542305"/>
+            <a:ext cx="5703720" cy="0"/>
+          </a:xfrm>
+          <a:prstGeom prst="line">
+            <a:avLst/>
+          </a:prstGeom>
+        </p:spPr>
+        <p:style>
+          <a:lnRef idx="1">
+            <a:schemeClr val="accent1"/>
+          </a:lnRef>
+          <a:fillRef idx="0">
+            <a:schemeClr val="accent1"/>
+          </a:fillRef>
+          <a:effectRef idx="0">
+            <a:schemeClr val="accent1"/>
+          </a:effectRef>
+          <a:fontRef idx="minor">
+            <a:schemeClr val="tx1"/>
+          </a:fontRef>
+        </p:style>
+      </p:cxnSp>
+      <p:sp>
+        <p:nvSpPr>
+          <p:cNvPr id="11" name="TextBox 10">
+            <a:extLst>
+              <a:ext uri="{FF2B5EF4-FFF2-40B4-BE49-F238E27FC236}">
+                <a16:creationId xmlns:a16="http://schemas.microsoft.com/office/drawing/2014/main" id="{1AF13E24-E00F-4586-B19D-DDECAA56B1FB}"/>
+              </a:ext>
+            </a:extLst>
+          </p:cNvPr>
+          <p:cNvSpPr txBox="1"/>
+          <p:nvPr/>
+        </p:nvSpPr>
+        <p:spPr>
+          <a:xfrm>
+            <a:off x="3577874" y="2122662"/>
+            <a:ext cx="3569337" cy="461665"/>
+          </a:xfrm>
+          <a:prstGeom prst="rect">
+            <a:avLst/>
+          </a:prstGeom>
+          <a:noFill/>
+        </p:spPr>
+        <p:txBody>
+          <a:bodyPr wrap="square" rtlCol="0">
+            <a:spAutoFit/>
+          </a:bodyPr>
+          <a:lstStyle/>
+          <a:p>
+            <a:r>
+              <a:rPr lang="ko-KR" altLang="en-US" sz="2400" dirty="0"/>
+              <a:t>나만의 </a:t>
+            </a:r>
+            <a:r>
+              <a:rPr lang="ko-KR" altLang="en-US" sz="2400" dirty="0" err="1"/>
+              <a:t>플래너</a:t>
+            </a:r>
+            <a:r>
+              <a:rPr lang="ko-KR" altLang="en-US" sz="2400" dirty="0"/>
+              <a:t> 작성</a:t>
+            </a:r>
+          </a:p>
+        </p:txBody>
+      </p:sp>
+      <p:sp>
+        <p:nvSpPr>
+          <p:cNvPr id="12" name="TextBox 11">
+            <a:extLst>
+              <a:ext uri="{FF2B5EF4-FFF2-40B4-BE49-F238E27FC236}">
+                <a16:creationId xmlns:a16="http://schemas.microsoft.com/office/drawing/2014/main" id="{1300EAE9-8964-4414-9697-ADCF6AAD15E3}"/>
+              </a:ext>
+            </a:extLst>
+          </p:cNvPr>
+          <p:cNvSpPr txBox="1"/>
+          <p:nvPr/>
+        </p:nvSpPr>
+        <p:spPr>
+          <a:xfrm>
+            <a:off x="3490324" y="3348460"/>
+            <a:ext cx="646331" cy="369332"/>
+          </a:xfrm>
+          <a:prstGeom prst="rect">
+            <a:avLst/>
+          </a:prstGeom>
+          <a:noFill/>
+        </p:spPr>
+        <p:txBody>
+          <a:bodyPr wrap="none" rtlCol="0">
+            <a:spAutoFit/>
+          </a:bodyPr>
+          <a:lstStyle/>
+          <a:p>
+            <a:r>
+              <a:rPr lang="ko-KR" altLang="en-US" dirty="0"/>
+              <a:t>기간</a:t>
+            </a:r>
+          </a:p>
+        </p:txBody>
+      </p:sp>
+      <p:sp>
+        <p:nvSpPr>
+          <p:cNvPr id="13" name="직사각형 12">
+            <a:extLst>
+              <a:ext uri="{FF2B5EF4-FFF2-40B4-BE49-F238E27FC236}">
+                <a16:creationId xmlns:a16="http://schemas.microsoft.com/office/drawing/2014/main" id="{B9121A1E-4BF3-44F5-894F-1C22C483A534}"/>
+              </a:ext>
+            </a:extLst>
+          </p:cNvPr>
+          <p:cNvSpPr/>
+          <p:nvPr/>
+        </p:nvSpPr>
+        <p:spPr>
+          <a:xfrm>
+            <a:off x="4258088" y="3387969"/>
+            <a:ext cx="2130989" cy="312755"/>
+          </a:xfrm>
+          <a:prstGeom prst="rect">
+            <a:avLst/>
+          </a:prstGeom>
+          <a:solidFill>
+            <a:schemeClr val="bg1"/>
+          </a:solidFill>
+        </p:spPr>
+        <p:style>
+          <a:lnRef idx="2">
+            <a:schemeClr val="accent1">
+              <a:shade val="50000"/>
+            </a:schemeClr>
+          </a:lnRef>
+          <a:fillRef idx="1">
+            <a:schemeClr val="accent1"/>
+          </a:fillRef>
+          <a:effectRef idx="0">
+            <a:schemeClr val="accent1"/>
+          </a:effectRef>
+          <a:fontRef idx="minor">
+            <a:schemeClr val="lt1"/>
+          </a:fontRef>
+        </p:style>
+        <p:txBody>
+          <a:bodyPr rtlCol="0" anchor="ctr"/>
+          <a:lstStyle/>
+          <a:p>
+            <a:r>
+              <a:rPr lang="en-US" altLang="ko-KR" sz="1600" dirty="0">
                 <a:solidFill>
                   <a:schemeClr val="tx1"/>
                 </a:solidFill>
               </a:rPr>
-              <a:t>X</a:t>
-            </a:r>
-            <a:endParaRPr lang="ko-KR" altLang="en-US" sz="1200" dirty="0">
+              <a:t>20xx . xx . xx</a:t>
+            </a:r>
+            <a:endParaRPr lang="ko-KR" altLang="en-US" sz="1600" dirty="0">
               <a:solidFill>
                 <a:schemeClr val="tx1"/>
               </a:solidFill>
@@ -21264,10 +26281,10 @@
       </p:sp>
       <p:sp>
         <p:nvSpPr>
-          <p:cNvPr id="17" name="사각형: 둥근 모서리 16">
-            <a:extLst>
-              <a:ext uri="{FF2B5EF4-FFF2-40B4-BE49-F238E27FC236}">
-                <a16:creationId xmlns:a16="http://schemas.microsoft.com/office/drawing/2014/main" id="{31F068E5-C36A-4EAB-BD46-B32C66B6BCBD}"/>
+          <p:cNvPr id="39" name="직사각형 38">
+            <a:extLst>
+              <a:ext uri="{FF2B5EF4-FFF2-40B4-BE49-F238E27FC236}">
+                <a16:creationId xmlns:a16="http://schemas.microsoft.com/office/drawing/2014/main" id="{A2424436-F48A-44B1-8837-D7526C6D5A92}"/>
               </a:ext>
             </a:extLst>
           </p:cNvPr>
@@ -21276,10 +26293,10 @@
         </p:nvSpPr>
         <p:spPr>
           <a:xfrm>
-            <a:off x="3973707" y="1133856"/>
-            <a:ext cx="2414901" cy="281670"/>
-          </a:xfrm>
-          <a:prstGeom prst="roundRect">
+            <a:off x="6848888" y="3387969"/>
+            <a:ext cx="2130989" cy="312755"/>
+          </a:xfrm>
+          <a:prstGeom prst="rect">
             <a:avLst/>
           </a:prstGeom>
           <a:solidFill>
@@ -21307,24 +26324,63 @@
           <a:lstStyle/>
           <a:p>
             <a:r>
-              <a:rPr lang="ko-KR" altLang="en-US" sz="1200" dirty="0">
+              <a:rPr lang="en-US" altLang="ko-KR" sz="1600" dirty="0">
                 <a:solidFill>
-                  <a:schemeClr val="bg1">
-                    <a:lumMod val="75000"/>
-                  </a:schemeClr>
+                  <a:schemeClr val="tx1"/>
                 </a:solidFill>
               </a:rPr>
-              <a:t>장소를 검색해주세요</a:t>
-            </a:r>
+              <a:t>20xx . xx . xx</a:t>
+            </a:r>
+            <a:endParaRPr lang="ko-KR" altLang="en-US" sz="1600" dirty="0">
+              <a:solidFill>
+                <a:schemeClr val="tx1"/>
+              </a:solidFill>
+            </a:endParaRPr>
+          </a:p>
+        </p:txBody>
+      </p:sp>
+      <p:sp>
+        <p:nvSpPr>
+          <p:cNvPr id="14" name="TextBox 13">
+            <a:extLst>
+              <a:ext uri="{FF2B5EF4-FFF2-40B4-BE49-F238E27FC236}">
+                <a16:creationId xmlns:a16="http://schemas.microsoft.com/office/drawing/2014/main" id="{07EE651F-DA86-4CDB-ABD6-327115904F47}"/>
+              </a:ext>
+            </a:extLst>
+          </p:cNvPr>
+          <p:cNvSpPr txBox="1"/>
+          <p:nvPr/>
+        </p:nvSpPr>
+        <p:spPr>
+          <a:xfrm>
+            <a:off x="6433511" y="3348460"/>
+            <a:ext cx="346570" cy="369332"/>
+          </a:xfrm>
+          <a:prstGeom prst="rect">
+            <a:avLst/>
+          </a:prstGeom>
+          <a:noFill/>
+        </p:spPr>
+        <p:txBody>
+          <a:bodyPr wrap="none" rtlCol="0">
+            <a:spAutoFit/>
+          </a:bodyPr>
+          <a:lstStyle/>
+          <a:p>
+            <a:r>
+              <a:rPr lang="en-US" altLang="ko-KR" dirty="0"/>
+              <a:t>~</a:t>
+            </a:r>
+            <a:endParaRPr lang="ko-KR" altLang="en-US" dirty="0"/>
           </a:p>
         </p:txBody>
       </p:sp>
       <p:pic>
         <p:nvPicPr>
-          <p:cNvPr id="22" name="그림 21">
-            <a:extLst>
-              <a:ext uri="{FF2B5EF4-FFF2-40B4-BE49-F238E27FC236}">
-                <a16:creationId xmlns:a16="http://schemas.microsoft.com/office/drawing/2014/main" id="{E5C3E33E-A82C-4061-BE3E-C89806BAADEC}"/>
+          <p:cNvPr id="19" name="그림 18">
+            <a:extLst>
+              <a:ext uri="{FF2B5EF4-FFF2-40B4-BE49-F238E27FC236}">
+                <a16:creationId xmlns:a16="http://schemas.microsoft.com/office/drawing/2014/main" id="{6590A87F-30B1-4C1D-AFC0-29CC2CBF38BF}"/>
               </a:ext>
             </a:extLst>
           </p:cNvPr>
@@ -21334,7 +26390,7 @@
           <p:nvPr/>
         </p:nvPicPr>
         <p:blipFill>
-          <a:blip r:embed="rId2">
+          <a:blip r:embed="rId3">
             <a:extLst>
               <a:ext uri="{28A0092B-C50C-407E-A947-70E740481C1C}">
                 <a14:useLocalDpi xmlns:a14="http://schemas.microsoft.com/office/drawing/2010/main" val="0"/>
@@ -21347,186 +26403,20 @@
         </p:blipFill>
         <p:spPr>
           <a:xfrm>
-            <a:off x="6111551" y="1158867"/>
-            <a:ext cx="234388" cy="231648"/>
+            <a:off x="6093761" y="3398310"/>
+            <a:ext cx="295316" cy="295316"/>
           </a:xfrm>
           <a:prstGeom prst="rect">
             <a:avLst/>
           </a:prstGeom>
         </p:spPr>
       </p:pic>
-      <p:sp>
-        <p:nvSpPr>
-          <p:cNvPr id="41" name="직사각형 40">
-            <a:extLst>
-              <a:ext uri="{FF2B5EF4-FFF2-40B4-BE49-F238E27FC236}">
-                <a16:creationId xmlns:a16="http://schemas.microsoft.com/office/drawing/2014/main" id="{2B3C624F-63B2-42E5-8060-37C2D9161F75}"/>
-              </a:ext>
-            </a:extLst>
-          </p:cNvPr>
-          <p:cNvSpPr/>
-          <p:nvPr/>
-        </p:nvSpPr>
-        <p:spPr>
-          <a:xfrm>
-            <a:off x="3844848" y="1705708"/>
-            <a:ext cx="2661139" cy="849923"/>
-          </a:xfrm>
-          <a:prstGeom prst="rect">
-            <a:avLst/>
-          </a:prstGeom>
-          <a:solidFill>
-            <a:schemeClr val="bg1"/>
-          </a:solidFill>
-        </p:spPr>
-        <p:style>
-          <a:lnRef idx="2">
-            <a:schemeClr val="accent1">
-              <a:shade val="50000"/>
-            </a:schemeClr>
-          </a:lnRef>
-          <a:fillRef idx="1">
-            <a:schemeClr val="accent1"/>
-          </a:fillRef>
-          <a:effectRef idx="0">
-            <a:schemeClr val="accent1"/>
-          </a:effectRef>
-          <a:fontRef idx="minor">
-            <a:schemeClr val="lt1"/>
-          </a:fontRef>
-        </p:style>
-        <p:txBody>
-          <a:bodyPr rtlCol="0" anchor="ctr"/>
-          <a:lstStyle/>
-          <a:p>
-            <a:pPr algn="ctr"/>
-            <a:r>
-              <a:rPr lang="ko-KR" altLang="en-US" dirty="0">
-                <a:solidFill>
-                  <a:schemeClr val="tx1"/>
-                </a:solidFill>
-              </a:rPr>
-              <a:t>대우능력개발원</a:t>
-            </a:r>
-            <a:endParaRPr lang="en-US" altLang="ko-KR" dirty="0">
-              <a:solidFill>
-                <a:schemeClr val="tx1"/>
-              </a:solidFill>
-            </a:endParaRPr>
-          </a:p>
-          <a:p>
-            <a:pPr algn="ctr"/>
-            <a:r>
-              <a:rPr lang="ko-KR" altLang="en-US" dirty="0"/>
-              <a:t>층</a:t>
-            </a:r>
-            <a:endParaRPr lang="ko-KR" altLang="en-US" dirty="0">
-              <a:solidFill>
-                <a:schemeClr val="tx1"/>
-              </a:solidFill>
-            </a:endParaRPr>
-          </a:p>
-        </p:txBody>
-      </p:sp>
-      <p:sp>
-        <p:nvSpPr>
-          <p:cNvPr id="45" name="직사각형 44">
-            <a:extLst>
-              <a:ext uri="{FF2B5EF4-FFF2-40B4-BE49-F238E27FC236}">
-                <a16:creationId xmlns:a16="http://schemas.microsoft.com/office/drawing/2014/main" id="{49924413-7780-4DC5-A50D-F4DE64BB4B8F}"/>
-              </a:ext>
-            </a:extLst>
-          </p:cNvPr>
-          <p:cNvSpPr/>
-          <p:nvPr/>
-        </p:nvSpPr>
-        <p:spPr>
-          <a:xfrm>
-            <a:off x="3936700" y="2151873"/>
-            <a:ext cx="2518964" cy="245927"/>
-          </a:xfrm>
-          <a:prstGeom prst="rect">
-            <a:avLst/>
-          </a:prstGeom>
-          <a:solidFill>
-            <a:schemeClr val="bg1"/>
-          </a:solidFill>
-          <a:ln>
-            <a:solidFill>
-              <a:schemeClr val="bg1"/>
-            </a:solidFill>
-          </a:ln>
-        </p:spPr>
-        <p:style>
-          <a:lnRef idx="2">
-            <a:schemeClr val="accent1">
-              <a:shade val="50000"/>
-            </a:schemeClr>
-          </a:lnRef>
-          <a:fillRef idx="1">
-            <a:schemeClr val="accent1"/>
-          </a:fillRef>
-          <a:effectRef idx="0">
-            <a:schemeClr val="accent1"/>
-          </a:effectRef>
-          <a:fontRef idx="minor">
-            <a:schemeClr val="lt1"/>
-          </a:fontRef>
-        </p:style>
-        <p:txBody>
-          <a:bodyPr rtlCol="0" anchor="ctr"/>
-          <a:lstStyle/>
-          <a:p>
-            <a:pPr algn="ctr"/>
-            <a:r>
-              <a:rPr lang="ko-KR" altLang="en-US" sz="800" dirty="0">
-                <a:solidFill>
-                  <a:schemeClr val="tx1"/>
-                </a:solidFill>
-              </a:rPr>
-              <a:t>서울 중랑구 망우로 </a:t>
-            </a:r>
-            <a:r>
-              <a:rPr lang="en-US" altLang="ko-KR" sz="800" dirty="0">
-                <a:solidFill>
-                  <a:schemeClr val="tx1"/>
-                </a:solidFill>
-              </a:rPr>
-              <a:t>285-1 UM</a:t>
-            </a:r>
-            <a:r>
-              <a:rPr lang="ko-KR" altLang="en-US" sz="800" dirty="0">
-                <a:solidFill>
-                  <a:schemeClr val="tx1"/>
-                </a:solidFill>
-              </a:rPr>
-              <a:t>타워 </a:t>
-            </a:r>
-            <a:r>
-              <a:rPr lang="en-US" altLang="ko-KR" sz="800" dirty="0">
-                <a:solidFill>
-                  <a:schemeClr val="tx1"/>
-                </a:solidFill>
-              </a:rPr>
-              <a:t>4~7</a:t>
-            </a:r>
-            <a:r>
-              <a:rPr lang="ko-KR" altLang="en-US" sz="800" dirty="0">
-                <a:solidFill>
-                  <a:schemeClr val="tx1"/>
-                </a:solidFill>
-              </a:rPr>
-              <a:t>층</a:t>
-            </a:r>
-          </a:p>
-        </p:txBody>
-      </p:sp>
       <p:pic>
         <p:nvPicPr>
-          <p:cNvPr id="55" name="그림 54">
-            <a:extLst>
-              <a:ext uri="{FF2B5EF4-FFF2-40B4-BE49-F238E27FC236}">
-                <a16:creationId xmlns:a16="http://schemas.microsoft.com/office/drawing/2014/main" id="{3ECF62D4-78B4-45F4-8D92-D9B13C6BB941}"/>
+          <p:cNvPr id="44" name="그림 43">
+            <a:extLst>
+              <a:ext uri="{FF2B5EF4-FFF2-40B4-BE49-F238E27FC236}">
+                <a16:creationId xmlns:a16="http://schemas.microsoft.com/office/drawing/2014/main" id="{5F2419CB-62F8-4A86-A568-D4F6CB0DDD30}"/>
               </a:ext>
             </a:extLst>
           </p:cNvPr>
@@ -21549,8 +26439,8 @@
         </p:blipFill>
         <p:spPr>
           <a:xfrm>
-            <a:off x="3973707" y="1795577"/>
-            <a:ext cx="399171" cy="399171"/>
+            <a:off x="8678700" y="3398310"/>
+            <a:ext cx="295316" cy="295316"/>
           </a:xfrm>
           <a:prstGeom prst="rect">
             <a:avLst/>
@@ -21559,10 +26449,45 @@
       </p:pic>
       <p:sp>
         <p:nvSpPr>
-          <p:cNvPr id="56" name="직사각형 55">
-            <a:extLst>
-              <a:ext uri="{FF2B5EF4-FFF2-40B4-BE49-F238E27FC236}">
-                <a16:creationId xmlns:a16="http://schemas.microsoft.com/office/drawing/2014/main" id="{46FE288C-90C7-42CE-82D1-54D112F77044}"/>
+          <p:cNvPr id="20" name="TextBox 19">
+            <a:extLst>
+              <a:ext uri="{FF2B5EF4-FFF2-40B4-BE49-F238E27FC236}">
+                <a16:creationId xmlns:a16="http://schemas.microsoft.com/office/drawing/2014/main" id="{DEB49033-F5F2-4B96-ABAC-79FC9B0F1C31}"/>
+              </a:ext>
+            </a:extLst>
+          </p:cNvPr>
+          <p:cNvSpPr txBox="1"/>
+          <p:nvPr/>
+        </p:nvSpPr>
+        <p:spPr>
+          <a:xfrm>
+            <a:off x="3490323" y="3828604"/>
+            <a:ext cx="646331" cy="369332"/>
+          </a:xfrm>
+          <a:prstGeom prst="rect">
+            <a:avLst/>
+          </a:prstGeom>
+          <a:noFill/>
+        </p:spPr>
+        <p:txBody>
+          <a:bodyPr wrap="none" rtlCol="0">
+            <a:spAutoFit/>
+          </a:bodyPr>
+          <a:lstStyle/>
+          <a:p>
+            <a:r>
+              <a:rPr lang="ko-KR" altLang="en-US" dirty="0"/>
+              <a:t>인원</a:t>
+            </a:r>
+          </a:p>
+        </p:txBody>
+      </p:sp>
+      <p:sp>
+        <p:nvSpPr>
+          <p:cNvPr id="24" name="직사각형 23">
+            <a:extLst>
+              <a:ext uri="{FF2B5EF4-FFF2-40B4-BE49-F238E27FC236}">
+                <a16:creationId xmlns:a16="http://schemas.microsoft.com/office/drawing/2014/main" id="{6E8D7FCD-08DF-4102-A37F-B480B64D5004}"/>
               </a:ext>
             </a:extLst>
           </p:cNvPr>
@@ -21571,8 +26496,8 @@
         </p:nvSpPr>
         <p:spPr>
           <a:xfrm>
-            <a:off x="3901136" y="2361828"/>
-            <a:ext cx="2554528" cy="158212"/>
+            <a:off x="4264071" y="3873032"/>
+            <a:ext cx="636297" cy="347275"/>
           </a:xfrm>
           <a:prstGeom prst="rect">
             <a:avLst/>
@@ -21580,11 +26505,6 @@
           <a:solidFill>
             <a:schemeClr val="bg1"/>
           </a:solidFill>
-          <a:ln>
-            <a:solidFill>
-              <a:schemeClr val="bg1"/>
-            </a:solidFill>
-          </a:ln>
         </p:spPr>
         <p:style>
           <a:lnRef idx="2">
@@ -21607,64 +26527,103 @@
           <a:lstStyle/>
           <a:p>
             <a:pPr algn="ctr"/>
-            <a:r>
-              <a:rPr lang="en-US" altLang="ko-KR" sz="800" dirty="0">
-                <a:solidFill>
-                  <a:schemeClr val="accent6"/>
-                </a:solidFill>
+            <a:endParaRPr lang="ko-KR" altLang="en-US"/>
+          </a:p>
+        </p:txBody>
+      </p:sp>
+      <p:sp>
+        <p:nvSpPr>
+          <p:cNvPr id="25" name="TextBox 24">
+            <a:extLst>
+              <a:ext uri="{FF2B5EF4-FFF2-40B4-BE49-F238E27FC236}">
+                <a16:creationId xmlns:a16="http://schemas.microsoft.com/office/drawing/2014/main" id="{E6584C19-54FA-4468-BE80-A99E666BCBFC}"/>
+              </a:ext>
+            </a:extLst>
+          </p:cNvPr>
+          <p:cNvSpPr txBox="1"/>
+          <p:nvPr/>
+        </p:nvSpPr>
+        <p:spPr>
+          <a:xfrm>
+            <a:off x="4974227" y="3858558"/>
+            <a:ext cx="415498" cy="369332"/>
+          </a:xfrm>
+          <a:prstGeom prst="rect">
+            <a:avLst/>
+          </a:prstGeom>
+          <a:noFill/>
+        </p:spPr>
+        <p:txBody>
+          <a:bodyPr wrap="none" rtlCol="0">
+            <a:spAutoFit/>
+          </a:bodyPr>
+          <a:lstStyle/>
+          <a:p>
+            <a:r>
+              <a:rPr lang="ko-KR" altLang="en-US" dirty="0"/>
+              <a:t>명</a:t>
+            </a:r>
+          </a:p>
+        </p:txBody>
+      </p:sp>
+      <p:sp>
+        <p:nvSpPr>
+          <p:cNvPr id="54" name="사각형: 둥근 모서리 53">
+            <a:extLst>
+              <a:ext uri="{FF2B5EF4-FFF2-40B4-BE49-F238E27FC236}">
+                <a16:creationId xmlns:a16="http://schemas.microsoft.com/office/drawing/2014/main" id="{8C2F9A39-0ECC-4325-A7AF-E36BA632E320}"/>
+              </a:ext>
+            </a:extLst>
+          </p:cNvPr>
+          <p:cNvSpPr/>
+          <p:nvPr/>
+        </p:nvSpPr>
+        <p:spPr>
+          <a:xfrm>
+            <a:off x="7368770" y="4976091"/>
+            <a:ext cx="849923" cy="378905"/>
+          </a:xfrm>
+          <a:prstGeom prst="roundRect">
+            <a:avLst/>
+          </a:prstGeom>
+        </p:spPr>
+        <p:style>
+          <a:lnRef idx="2">
+            <a:schemeClr val="accent1">
+              <a:shade val="50000"/>
+            </a:schemeClr>
+          </a:lnRef>
+          <a:fillRef idx="1">
+            <a:schemeClr val="accent1"/>
+          </a:fillRef>
+          <a:effectRef idx="0">
+            <a:schemeClr val="accent1"/>
+          </a:effectRef>
+          <a:fontRef idx="minor">
+            <a:schemeClr val="lt1"/>
+          </a:fontRef>
+        </p:style>
+        <p:txBody>
+          <a:bodyPr rtlCol="0" anchor="ctr"/>
+          <a:lstStyle/>
+          <a:p>
+            <a:pPr algn="ctr"/>
+            <a:r>
+              <a:rPr lang="ko-KR" altLang="en-US" sz="1000" dirty="0">
+                <a:latin typeface="HY견고딕" panose="02030600000101010101" pitchFamily="18" charset="-127"/>
+                <a:ea typeface="HY견고딕" panose="02030600000101010101" pitchFamily="18" charset="-127"/>
               </a:rPr>
-              <a:t>02-978-0012</a:t>
-            </a:r>
-            <a:endParaRPr lang="ko-KR" altLang="en-US" sz="800" dirty="0">
-              <a:solidFill>
-                <a:schemeClr val="accent6"/>
-              </a:solidFill>
-            </a:endParaRPr>
-          </a:p>
-        </p:txBody>
-      </p:sp>
-      <p:pic>
-        <p:nvPicPr>
-          <p:cNvPr id="58" name="그림 57">
-            <a:extLst>
-              <a:ext uri="{FF2B5EF4-FFF2-40B4-BE49-F238E27FC236}">
-                <a16:creationId xmlns:a16="http://schemas.microsoft.com/office/drawing/2014/main" id="{99C0A133-797A-449F-88A9-408CD76E351F}"/>
-              </a:ext>
-            </a:extLst>
-          </p:cNvPr>
-          <p:cNvPicPr>
-            <a:picLocks noChangeAspect="1"/>
-          </p:cNvPicPr>
-          <p:nvPr/>
-        </p:nvPicPr>
-        <p:blipFill>
-          <a:blip r:embed="rId4">
-            <a:extLst>
-              <a:ext uri="{28A0092B-C50C-407E-A947-70E740481C1C}">
-                <a14:useLocalDpi xmlns:a14="http://schemas.microsoft.com/office/drawing/2010/main" val="0"/>
-              </a:ext>
-            </a:extLst>
-          </a:blip>
-          <a:stretch>
-            <a:fillRect/>
-          </a:stretch>
-        </p:blipFill>
-        <p:spPr>
-          <a:xfrm>
-            <a:off x="6510202" y="1045029"/>
-            <a:ext cx="5386329" cy="5346441"/>
-          </a:xfrm>
-          <a:prstGeom prst="rect">
-            <a:avLst/>
-          </a:prstGeom>
-        </p:spPr>
-      </p:pic>
-      <p:sp>
-        <p:nvSpPr>
-          <p:cNvPr id="59" name="사각형: 둥근 모서리 58">
-            <a:extLst>
-              <a:ext uri="{FF2B5EF4-FFF2-40B4-BE49-F238E27FC236}">
-                <a16:creationId xmlns:a16="http://schemas.microsoft.com/office/drawing/2014/main" id="{D7B90898-EEC2-496D-BAB5-836DA75F8FBC}"/>
+              <a:t>저장</a:t>
+            </a:r>
+          </a:p>
+        </p:txBody>
+      </p:sp>
+      <p:sp>
+        <p:nvSpPr>
+          <p:cNvPr id="55" name="사각형: 둥근 모서리 54">
+            <a:extLst>
+              <a:ext uri="{FF2B5EF4-FFF2-40B4-BE49-F238E27FC236}">
+                <a16:creationId xmlns:a16="http://schemas.microsoft.com/office/drawing/2014/main" id="{5A18D629-F392-4E83-AF35-7BB9E6C6CFC4}"/>
               </a:ext>
             </a:extLst>
           </p:cNvPr>
@@ -21673,16 +26632,15 @@
         </p:nvSpPr>
         <p:spPr>
           <a:xfrm>
-            <a:off x="9101328" y="6467856"/>
-            <a:ext cx="1133856" cy="298704"/>
+            <a:off x="8598349" y="4976091"/>
+            <a:ext cx="849923" cy="378905"/>
           </a:xfrm>
           <a:prstGeom prst="roundRect">
             <a:avLst/>
           </a:prstGeom>
           <a:solidFill>
-            <a:schemeClr val="accent4">
-              <a:lumMod val="40000"/>
-              <a:lumOff val="60000"/>
+            <a:schemeClr val="bg1">
+              <a:lumMod val="85000"/>
             </a:schemeClr>
           </a:solidFill>
         </p:spPr>
@@ -21708,22 +26666,59 @@
           <a:p>
             <a:pPr algn="ctr"/>
             <a:r>
-              <a:rPr lang="ko-KR" altLang="en-US" dirty="0">
+              <a:rPr lang="ko-KR" altLang="en-US" sz="1000" dirty="0">
                 <a:solidFill>
                   <a:schemeClr val="tx1"/>
                 </a:solidFill>
+                <a:latin typeface="HY견고딕" panose="02030600000101010101" pitchFamily="18" charset="-127"/>
+                <a:ea typeface="HY견고딕" panose="02030600000101010101" pitchFamily="18" charset="-127"/>
               </a:rPr>
-              <a:t>저 장</a:t>
-            </a:r>
-          </a:p>
-        </p:txBody>
-      </p:sp>
-      <p:sp>
-        <p:nvSpPr>
-          <p:cNvPr id="60" name="사각형: 둥근 모서리 59">
-            <a:extLst>
-              <a:ext uri="{FF2B5EF4-FFF2-40B4-BE49-F238E27FC236}">
-                <a16:creationId xmlns:a16="http://schemas.microsoft.com/office/drawing/2014/main" id="{1150856B-9FCB-41DA-B0F9-893849F7C5DB}"/>
+              <a:t>취소</a:t>
+            </a:r>
+          </a:p>
+        </p:txBody>
+      </p:sp>
+      <p:sp>
+        <p:nvSpPr>
+          <p:cNvPr id="43" name="TextBox 42">
+            <a:extLst>
+              <a:ext uri="{FF2B5EF4-FFF2-40B4-BE49-F238E27FC236}">
+                <a16:creationId xmlns:a16="http://schemas.microsoft.com/office/drawing/2014/main" id="{125F419E-745B-4FE6-974C-A3977DAAD5C1}"/>
+              </a:ext>
+            </a:extLst>
+          </p:cNvPr>
+          <p:cNvSpPr txBox="1"/>
+          <p:nvPr/>
+        </p:nvSpPr>
+        <p:spPr>
+          <a:xfrm>
+            <a:off x="3488248" y="4349648"/>
+            <a:ext cx="646331" cy="369332"/>
+          </a:xfrm>
+          <a:prstGeom prst="rect">
+            <a:avLst/>
+          </a:prstGeom>
+          <a:noFill/>
+        </p:spPr>
+        <p:txBody>
+          <a:bodyPr wrap="none" rtlCol="0">
+            <a:spAutoFit/>
+          </a:bodyPr>
+          <a:lstStyle/>
+          <a:p>
+            <a:r>
+              <a:rPr lang="ko-KR" altLang="en-US" dirty="0"/>
+              <a:t>메모</a:t>
+            </a:r>
+          </a:p>
+        </p:txBody>
+      </p:sp>
+      <p:sp>
+        <p:nvSpPr>
+          <p:cNvPr id="53" name="직사각형 52">
+            <a:extLst>
+              <a:ext uri="{FF2B5EF4-FFF2-40B4-BE49-F238E27FC236}">
+                <a16:creationId xmlns:a16="http://schemas.microsoft.com/office/drawing/2014/main" id="{C1E3B4CF-2F80-4681-BFF6-2B94F6FB811C}"/>
               </a:ext>
             </a:extLst>
           </p:cNvPr>
@@ -21732,10 +26727,10 @@
         </p:nvSpPr>
         <p:spPr>
           <a:xfrm>
-            <a:off x="10613136" y="6467856"/>
-            <a:ext cx="1133856" cy="298704"/>
-          </a:xfrm>
-          <a:prstGeom prst="roundRect">
+            <a:off x="4258088" y="4384057"/>
+            <a:ext cx="4650291" cy="347275"/>
+          </a:xfrm>
+          <a:prstGeom prst="rect">
             <a:avLst/>
           </a:prstGeom>
           <a:solidFill>
@@ -21763,23 +26758,101 @@
           <a:lstStyle/>
           <a:p>
             <a:pPr algn="ctr"/>
-            <a:r>
-              <a:rPr lang="ko-KR" altLang="en-US" dirty="0">
-                <a:solidFill>
-                  <a:schemeClr val="tx1"/>
-                </a:solidFill>
-              </a:rPr>
-              <a:t>닫 기</a:t>
-            </a:r>
-          </a:p>
-        </p:txBody>
-      </p:sp>
-      <p:sp>
-        <p:nvSpPr>
-          <p:cNvPr id="44" name="TextBox 43">
-            <a:extLst>
-              <a:ext uri="{FF2B5EF4-FFF2-40B4-BE49-F238E27FC236}">
-                <a16:creationId xmlns:a16="http://schemas.microsoft.com/office/drawing/2014/main" id="{F871F49C-BA3F-4471-A0CC-8742B53F4667}"/>
+            <a:endParaRPr lang="ko-KR" altLang="en-US"/>
+          </a:p>
+        </p:txBody>
+      </p:sp>
+      <p:sp>
+        <p:nvSpPr>
+          <p:cNvPr id="5" name="직사각형 4">
+            <a:extLst>
+              <a:ext uri="{FF2B5EF4-FFF2-40B4-BE49-F238E27FC236}">
+                <a16:creationId xmlns:a16="http://schemas.microsoft.com/office/drawing/2014/main" id="{D625D208-E0C8-47EE-A286-0B6D116039D3}"/>
+              </a:ext>
+            </a:extLst>
+          </p:cNvPr>
+          <p:cNvSpPr/>
+          <p:nvPr/>
+        </p:nvSpPr>
+        <p:spPr>
+          <a:xfrm>
+            <a:off x="5417275" y="2699710"/>
+            <a:ext cx="1988039" cy="1498226"/>
+          </a:xfrm>
+          <a:prstGeom prst="rect">
+            <a:avLst/>
+          </a:prstGeom>
+          <a:solidFill>
+            <a:schemeClr val="bg1"/>
+          </a:solidFill>
+        </p:spPr>
+        <p:style>
+          <a:lnRef idx="2">
+            <a:schemeClr val="accent1">
+              <a:shade val="50000"/>
+            </a:schemeClr>
+          </a:lnRef>
+          <a:fillRef idx="1">
+            <a:schemeClr val="accent1"/>
+          </a:fillRef>
+          <a:effectRef idx="0">
+            <a:schemeClr val="accent1"/>
+          </a:effectRef>
+          <a:fontRef idx="minor">
+            <a:schemeClr val="lt1"/>
+          </a:fontRef>
+        </p:style>
+        <p:txBody>
+          <a:bodyPr rtlCol="0" anchor="ctr"/>
+          <a:lstStyle/>
+          <a:p>
+            <a:pPr algn="ctr"/>
+            <a:endParaRPr lang="ko-KR" altLang="en-US" dirty="0"/>
+          </a:p>
+        </p:txBody>
+      </p:sp>
+      <p:cxnSp>
+        <p:nvCxnSpPr>
+          <p:cNvPr id="8" name="직선 연결선 7">
+            <a:extLst>
+              <a:ext uri="{FF2B5EF4-FFF2-40B4-BE49-F238E27FC236}">
+                <a16:creationId xmlns:a16="http://schemas.microsoft.com/office/drawing/2014/main" id="{8DCDF1FE-5CE7-4487-88F6-7BDC4E50542C}"/>
+              </a:ext>
+            </a:extLst>
+          </p:cNvPr>
+          <p:cNvCxnSpPr/>
+          <p:nvPr/>
+        </p:nvCxnSpPr>
+        <p:spPr>
+          <a:xfrm>
+            <a:off x="5565913" y="3097403"/>
+            <a:ext cx="1646737" cy="0"/>
+          </a:xfrm>
+          <a:prstGeom prst="line">
+            <a:avLst/>
+          </a:prstGeom>
+        </p:spPr>
+        <p:style>
+          <a:lnRef idx="1">
+            <a:schemeClr val="accent1"/>
+          </a:lnRef>
+          <a:fillRef idx="0">
+            <a:schemeClr val="accent1"/>
+          </a:fillRef>
+          <a:effectRef idx="0">
+            <a:schemeClr val="accent1"/>
+          </a:effectRef>
+          <a:fontRef idx="minor">
+            <a:schemeClr val="tx1"/>
+          </a:fontRef>
+        </p:style>
+      </p:cxnSp>
+      <p:sp>
+        <p:nvSpPr>
+          <p:cNvPr id="10" name="TextBox 9">
+            <a:extLst>
+              <a:ext uri="{FF2B5EF4-FFF2-40B4-BE49-F238E27FC236}">
+                <a16:creationId xmlns:a16="http://schemas.microsoft.com/office/drawing/2014/main" id="{C3ABB111-8B0C-49F3-8B0F-AE40FA0C0CA6}"/>
               </a:ext>
             </a:extLst>
           </p:cNvPr>
@@ -21788,8 +26861,8 @@
         </p:nvSpPr>
         <p:spPr>
           <a:xfrm>
-            <a:off x="2355004" y="2365812"/>
-            <a:ext cx="546945" cy="230832"/>
+            <a:off x="5552750" y="2786941"/>
+            <a:ext cx="1688367" cy="307777"/>
           </a:xfrm>
           <a:prstGeom prst="rect">
             <a:avLst/>
@@ -21802,211 +26875,25 @@
           </a:bodyPr>
           <a:lstStyle/>
           <a:p>
-            <a:r>
-              <a:rPr lang="ko-KR" altLang="en-US" sz="900" dirty="0"/>
-              <a:t>시간</a:t>
-            </a:r>
-          </a:p>
-        </p:txBody>
-      </p:sp>
-      <p:sp>
-        <p:nvSpPr>
-          <p:cNvPr id="13" name="직사각형 12">
-            <a:extLst>
-              <a:ext uri="{FF2B5EF4-FFF2-40B4-BE49-F238E27FC236}">
-                <a16:creationId xmlns:a16="http://schemas.microsoft.com/office/drawing/2014/main" id="{C728D50C-FC2A-47C2-9FF9-8B371BA102C8}"/>
-              </a:ext>
-            </a:extLst>
-          </p:cNvPr>
-          <p:cNvSpPr/>
-          <p:nvPr/>
-        </p:nvSpPr>
-        <p:spPr>
-          <a:xfrm>
-            <a:off x="1877231" y="2331588"/>
-            <a:ext cx="495277" cy="261610"/>
-          </a:xfrm>
-          <a:prstGeom prst="rect">
-            <a:avLst/>
-          </a:prstGeom>
-          <a:solidFill>
-            <a:schemeClr val="bg1"/>
-          </a:solidFill>
-        </p:spPr>
-        <p:style>
-          <a:lnRef idx="2">
-            <a:schemeClr val="accent1">
-              <a:shade val="50000"/>
-            </a:schemeClr>
-          </a:lnRef>
-          <a:fillRef idx="1">
-            <a:schemeClr val="accent1"/>
-          </a:fillRef>
-          <a:effectRef idx="0">
-            <a:schemeClr val="accent1"/>
-          </a:effectRef>
-          <a:fontRef idx="minor">
-            <a:schemeClr val="lt1"/>
-          </a:fontRef>
-        </p:style>
-        <p:txBody>
-          <a:bodyPr rtlCol="0" anchor="ctr"/>
-          <a:lstStyle/>
-          <a:p>
-            <a:r>
-              <a:rPr lang="en-US" altLang="ko-KR" sz="1100" dirty="0">
-                <a:solidFill>
-                  <a:schemeClr val="tx1"/>
-                </a:solidFill>
-              </a:rPr>
-              <a:t> 0</a:t>
-            </a:r>
-            <a:endParaRPr lang="ko-KR" altLang="en-US" sz="1100" dirty="0">
-              <a:solidFill>
-                <a:schemeClr val="tx1"/>
-              </a:solidFill>
-            </a:endParaRPr>
-          </a:p>
-        </p:txBody>
-      </p:sp>
-      <p:pic>
-        <p:nvPicPr>
-          <p:cNvPr id="23" name="그림 22">
-            <a:extLst>
-              <a:ext uri="{FF2B5EF4-FFF2-40B4-BE49-F238E27FC236}">
-                <a16:creationId xmlns:a16="http://schemas.microsoft.com/office/drawing/2014/main" id="{6DDAFC24-0D9E-4B2D-8F1F-4CB1049D3F9C}"/>
-              </a:ext>
-            </a:extLst>
-          </p:cNvPr>
-          <p:cNvPicPr>
-            <a:picLocks noChangeAspect="1"/>
-          </p:cNvPicPr>
-          <p:nvPr/>
-        </p:nvPicPr>
-        <p:blipFill>
-          <a:blip r:embed="rId5">
-            <a:extLst>
-              <a:ext uri="{28A0092B-C50C-407E-A947-70E740481C1C}">
-                <a14:useLocalDpi xmlns:a14="http://schemas.microsoft.com/office/drawing/2010/main" val="0"/>
-              </a:ext>
-            </a:extLst>
-          </a:blip>
-          <a:stretch>
-            <a:fillRect/>
-          </a:stretch>
-        </p:blipFill>
-        <p:spPr>
-          <a:xfrm>
-            <a:off x="2174359" y="2353278"/>
-            <a:ext cx="198149" cy="217894"/>
-          </a:xfrm>
-          <a:prstGeom prst="rect">
-            <a:avLst/>
-          </a:prstGeom>
-        </p:spPr>
-      </p:pic>
-      <p:sp>
-        <p:nvSpPr>
-          <p:cNvPr id="46" name="직사각형 45">
-            <a:extLst>
-              <a:ext uri="{FF2B5EF4-FFF2-40B4-BE49-F238E27FC236}">
-                <a16:creationId xmlns:a16="http://schemas.microsoft.com/office/drawing/2014/main" id="{E61D594D-2D99-41DE-951F-278E8DECA3E9}"/>
-              </a:ext>
-            </a:extLst>
-          </p:cNvPr>
-          <p:cNvSpPr/>
-          <p:nvPr/>
-        </p:nvSpPr>
-        <p:spPr>
-          <a:xfrm>
-            <a:off x="1875740" y="3656029"/>
-            <a:ext cx="495277" cy="261610"/>
-          </a:xfrm>
-          <a:prstGeom prst="rect">
-            <a:avLst/>
-          </a:prstGeom>
-          <a:solidFill>
-            <a:schemeClr val="bg1"/>
-          </a:solidFill>
-        </p:spPr>
-        <p:style>
-          <a:lnRef idx="2">
-            <a:schemeClr val="accent1">
-              <a:shade val="50000"/>
-            </a:schemeClr>
-          </a:lnRef>
-          <a:fillRef idx="1">
-            <a:schemeClr val="accent1"/>
-          </a:fillRef>
-          <a:effectRef idx="0">
-            <a:schemeClr val="accent1"/>
-          </a:effectRef>
-          <a:fontRef idx="minor">
-            <a:schemeClr val="lt1"/>
-          </a:fontRef>
-        </p:style>
-        <p:txBody>
-          <a:bodyPr rtlCol="0" anchor="ctr"/>
-          <a:lstStyle/>
-          <a:p>
-            <a:r>
-              <a:rPr lang="en-US" altLang="ko-KR" sz="1100" dirty="0">
-                <a:solidFill>
-                  <a:schemeClr val="tx1"/>
-                </a:solidFill>
-              </a:rPr>
-              <a:t> 0</a:t>
-            </a:r>
-            <a:endParaRPr lang="ko-KR" altLang="en-US" sz="1100" dirty="0">
-              <a:solidFill>
-                <a:schemeClr val="tx1"/>
-              </a:solidFill>
-            </a:endParaRPr>
-          </a:p>
-        </p:txBody>
-      </p:sp>
-      <p:pic>
-        <p:nvPicPr>
-          <p:cNvPr id="30" name="그림 29">
-            <a:extLst>
-              <a:ext uri="{FF2B5EF4-FFF2-40B4-BE49-F238E27FC236}">
-                <a16:creationId xmlns:a16="http://schemas.microsoft.com/office/drawing/2014/main" id="{7DAC48AD-97F1-4BBF-8441-7035B7D68A4A}"/>
-              </a:ext>
-            </a:extLst>
-          </p:cNvPr>
-          <p:cNvPicPr>
-            <a:picLocks noChangeAspect="1"/>
-          </p:cNvPicPr>
-          <p:nvPr/>
-        </p:nvPicPr>
-        <p:blipFill>
-          <a:blip r:embed="rId5">
-            <a:extLst>
-              <a:ext uri="{28A0092B-C50C-407E-A947-70E740481C1C}">
-                <a14:useLocalDpi xmlns:a14="http://schemas.microsoft.com/office/drawing/2010/main" val="0"/>
-              </a:ext>
-            </a:extLst>
-          </a:blip>
-          <a:stretch>
-            <a:fillRect/>
-          </a:stretch>
-        </p:blipFill>
-        <p:spPr>
-          <a:xfrm>
-            <a:off x="2149358" y="3685928"/>
-            <a:ext cx="205646" cy="226138"/>
-          </a:xfrm>
-          <a:prstGeom prst="rect">
-            <a:avLst/>
-          </a:prstGeom>
-        </p:spPr>
-      </p:pic>
-      <p:sp>
-        <p:nvSpPr>
-          <p:cNvPr id="47" name="TextBox 46">
-            <a:extLst>
-              <a:ext uri="{FF2B5EF4-FFF2-40B4-BE49-F238E27FC236}">
-                <a16:creationId xmlns:a16="http://schemas.microsoft.com/office/drawing/2014/main" id="{EC53E383-9E1F-4260-BDAF-F8EB84EE5372}"/>
+            <a:pPr algn="ctr"/>
+            <a:r>
+              <a:rPr lang="ko-KR" altLang="en-US" sz="1400" dirty="0"/>
+              <a:t>경고</a:t>
+            </a:r>
+            <a:r>
+              <a:rPr lang="en-US" altLang="ko-KR" sz="1400" dirty="0"/>
+              <a:t>!</a:t>
+            </a:r>
+            <a:endParaRPr lang="ko-KR" altLang="en-US" sz="1400" dirty="0"/>
+          </a:p>
+        </p:txBody>
+      </p:sp>
+      <p:sp>
+        <p:nvSpPr>
+          <p:cNvPr id="16" name="TextBox 15">
+            <a:extLst>
+              <a:ext uri="{FF2B5EF4-FFF2-40B4-BE49-F238E27FC236}">
+                <a16:creationId xmlns:a16="http://schemas.microsoft.com/office/drawing/2014/main" id="{0D219125-F9EB-4B24-AE30-474275EC93F0}"/>
               </a:ext>
             </a:extLst>
           </p:cNvPr>
@@ -22015,8 +26902,8 @@
         </p:nvSpPr>
         <p:spPr>
           <a:xfrm>
-            <a:off x="2355003" y="3708617"/>
-            <a:ext cx="546945" cy="230832"/>
+            <a:off x="5389725" y="3362074"/>
+            <a:ext cx="2130988" cy="215444"/>
           </a:xfrm>
           <a:prstGeom prst="rect">
             <a:avLst/>
@@ -22029,9 +26916,72 @@
           </a:bodyPr>
           <a:lstStyle/>
           <a:p>
-            <a:r>
-              <a:rPr lang="ko-KR" altLang="en-US" sz="900" dirty="0"/>
-              <a:t>시간</a:t>
+            <a:pPr algn="ctr"/>
+            <a:r>
+              <a:rPr lang="ko-KR" altLang="en-US" sz="800" dirty="0"/>
+              <a:t>날짜를 설정해주세요</a:t>
+            </a:r>
+            <a:r>
+              <a:rPr lang="en-US" altLang="ko-KR" sz="800" dirty="0"/>
+              <a:t>!</a:t>
+            </a:r>
+            <a:endParaRPr lang="ko-KR" altLang="en-US" sz="800" dirty="0"/>
+          </a:p>
+        </p:txBody>
+      </p:sp>
+      <p:sp>
+        <p:nvSpPr>
+          <p:cNvPr id="56" name="사각형: 둥근 모서리 55">
+            <a:extLst>
+              <a:ext uri="{FF2B5EF4-FFF2-40B4-BE49-F238E27FC236}">
+                <a16:creationId xmlns:a16="http://schemas.microsoft.com/office/drawing/2014/main" id="{BED1B1CD-D325-4B5C-8167-D24680D84816}"/>
+              </a:ext>
+            </a:extLst>
+          </p:cNvPr>
+          <p:cNvSpPr/>
+          <p:nvPr/>
+        </p:nvSpPr>
+        <p:spPr>
+          <a:xfrm>
+            <a:off x="6171603" y="3858604"/>
+            <a:ext cx="503150" cy="242802"/>
+          </a:xfrm>
+          <a:prstGeom prst="roundRect">
+            <a:avLst/>
+          </a:prstGeom>
+          <a:solidFill>
+            <a:schemeClr val="accent1">
+              <a:lumMod val="75000"/>
+            </a:schemeClr>
+          </a:solidFill>
+        </p:spPr>
+        <p:style>
+          <a:lnRef idx="2">
+            <a:schemeClr val="accent1">
+              <a:shade val="50000"/>
+            </a:schemeClr>
+          </a:lnRef>
+          <a:fillRef idx="1">
+            <a:schemeClr val="accent1"/>
+          </a:fillRef>
+          <a:effectRef idx="0">
+            <a:schemeClr val="accent1"/>
+          </a:effectRef>
+          <a:fontRef idx="minor">
+            <a:schemeClr val="lt1"/>
+          </a:fontRef>
+        </p:style>
+        <p:txBody>
+          <a:bodyPr rtlCol="0" anchor="ctr"/>
+          <a:lstStyle/>
+          <a:p>
+            <a:pPr algn="ctr"/>
+            <a:r>
+              <a:rPr lang="ko-KR" altLang="en-US" sz="1000" dirty="0">
+                <a:latin typeface="HY견고딕" panose="02030600000101010101" pitchFamily="18" charset="-127"/>
+                <a:ea typeface="HY견고딕" panose="02030600000101010101" pitchFamily="18" charset="-127"/>
+              </a:rPr>
+              <a:t>확인</a:t>
             </a:r>
           </a:p>
         </p:txBody>
@@ -22039,7 +26989,7 @@
     </p:spTree>
     <p:extLst>
       <p:ext uri="{BB962C8B-B14F-4D97-AF65-F5344CB8AC3E}">
-        <p14:creationId xmlns:p14="http://schemas.microsoft.com/office/powerpoint/2010/main" val="1205398800"/>
+        <p14:creationId xmlns:p14="http://schemas.microsoft.com/office/powerpoint/2010/main" val="2380608866"/>
       </p:ext>
     </p:extLst>
   </p:cSld>
@@ -24230,244 +29180,10 @@
           </a:p>
         </p:txBody>
       </p:sp>
-      <p:sp>
-        <p:nvSpPr>
-          <p:cNvPr id="15" name="직사각형 14">
-            <a:extLst>
-              <a:ext uri="{FF2B5EF4-FFF2-40B4-BE49-F238E27FC236}">
-                <a16:creationId xmlns:a16="http://schemas.microsoft.com/office/drawing/2014/main" id="{CAD8F1CA-E149-4B23-B328-B6AF097EEF30}"/>
-              </a:ext>
-            </a:extLst>
-          </p:cNvPr>
-          <p:cNvSpPr/>
-          <p:nvPr/>
-        </p:nvSpPr>
-        <p:spPr>
-          <a:xfrm>
-            <a:off x="4310958" y="2397800"/>
-            <a:ext cx="3710238" cy="2439387"/>
-          </a:xfrm>
-          <a:prstGeom prst="rect">
-            <a:avLst/>
-          </a:prstGeom>
-          <a:solidFill>
-            <a:schemeClr val="bg1"/>
-          </a:solidFill>
-        </p:spPr>
-        <p:style>
-          <a:lnRef idx="2">
-            <a:schemeClr val="accent1">
-              <a:shade val="50000"/>
-            </a:schemeClr>
-          </a:lnRef>
-          <a:fillRef idx="1">
-            <a:schemeClr val="accent1"/>
-          </a:fillRef>
-          <a:effectRef idx="0">
-            <a:schemeClr val="accent1"/>
-          </a:effectRef>
-          <a:fontRef idx="minor">
-            <a:schemeClr val="lt1"/>
-          </a:fontRef>
-        </p:style>
-        <p:txBody>
-          <a:bodyPr rtlCol="0" anchor="ctr"/>
-          <a:lstStyle/>
-          <a:p>
-            <a:pPr algn="ctr"/>
-            <a:endParaRPr lang="ko-KR" altLang="en-US"/>
-          </a:p>
-        </p:txBody>
-      </p:sp>
-      <p:cxnSp>
-        <p:nvCxnSpPr>
-          <p:cNvPr id="25" name="직선 연결선 24">
-            <a:extLst>
-              <a:ext uri="{FF2B5EF4-FFF2-40B4-BE49-F238E27FC236}">
-                <a16:creationId xmlns:a16="http://schemas.microsoft.com/office/drawing/2014/main" id="{CB413C84-6778-4DC2-86E5-9E97E1A67CD3}"/>
-              </a:ext>
-            </a:extLst>
-          </p:cNvPr>
-          <p:cNvCxnSpPr/>
-          <p:nvPr/>
-        </p:nvCxnSpPr>
-        <p:spPr>
-          <a:xfrm>
-            <a:off x="4487758" y="2911927"/>
-            <a:ext cx="3382919" cy="0"/>
-          </a:xfrm>
-          <a:prstGeom prst="line">
-            <a:avLst/>
-          </a:prstGeom>
-        </p:spPr>
-        <p:style>
-          <a:lnRef idx="1">
-            <a:schemeClr val="accent1"/>
-          </a:lnRef>
-          <a:fillRef idx="0">
-            <a:schemeClr val="accent1"/>
-          </a:fillRef>
-          <a:effectRef idx="0">
-            <a:schemeClr val="accent1"/>
-          </a:effectRef>
-          <a:fontRef idx="minor">
-            <a:schemeClr val="tx1"/>
-          </a:fontRef>
-        </p:style>
-      </p:cxnSp>
-      <p:sp>
-        <p:nvSpPr>
-          <p:cNvPr id="26" name="TextBox 25">
-            <a:extLst>
-              <a:ext uri="{FF2B5EF4-FFF2-40B4-BE49-F238E27FC236}">
-                <a16:creationId xmlns:a16="http://schemas.microsoft.com/office/drawing/2014/main" id="{8998B65F-62AC-49EE-B052-2FCD13C90CB7}"/>
-              </a:ext>
-            </a:extLst>
-          </p:cNvPr>
-          <p:cNvSpPr txBox="1"/>
-          <p:nvPr/>
-        </p:nvSpPr>
-        <p:spPr>
-          <a:xfrm>
-            <a:off x="5809333" y="2502454"/>
-            <a:ext cx="646331" cy="369332"/>
-          </a:xfrm>
-          <a:prstGeom prst="rect">
-            <a:avLst/>
-          </a:prstGeom>
-          <a:noFill/>
-        </p:spPr>
-        <p:txBody>
-          <a:bodyPr wrap="none" rtlCol="0">
-            <a:spAutoFit/>
-          </a:bodyPr>
-          <a:lstStyle/>
-          <a:p>
-            <a:r>
-              <a:rPr lang="ko-KR" altLang="en-US" dirty="0"/>
-              <a:t>경고</a:t>
-            </a:r>
-          </a:p>
-        </p:txBody>
-      </p:sp>
-      <p:sp>
-        <p:nvSpPr>
-          <p:cNvPr id="28" name="TextBox 27">
-            <a:extLst>
-              <a:ext uri="{FF2B5EF4-FFF2-40B4-BE49-F238E27FC236}">
-                <a16:creationId xmlns:a16="http://schemas.microsoft.com/office/drawing/2014/main" id="{428F1A31-5108-4B16-90EC-80F6258FEFC7}"/>
-              </a:ext>
-            </a:extLst>
-          </p:cNvPr>
-          <p:cNvSpPr txBox="1"/>
-          <p:nvPr/>
-        </p:nvSpPr>
-        <p:spPr>
-          <a:xfrm>
-            <a:off x="4487757" y="3339285"/>
-            <a:ext cx="3297461" cy="646331"/>
-          </a:xfrm>
-          <a:prstGeom prst="rect">
-            <a:avLst/>
-          </a:prstGeom>
-          <a:noFill/>
-        </p:spPr>
-        <p:txBody>
-          <a:bodyPr wrap="square" rtlCol="0">
-            <a:spAutoFit/>
-          </a:bodyPr>
-          <a:lstStyle/>
-          <a:p>
-            <a:pPr algn="ctr"/>
-            <a:r>
-              <a:rPr lang="ko-KR" altLang="en-US" dirty="0"/>
-              <a:t>모든 날짜에 </a:t>
-            </a:r>
-            <a:r>
-              <a:rPr lang="en-US" altLang="ko-KR" dirty="0"/>
-              <a:t>1</a:t>
-            </a:r>
-            <a:r>
-              <a:rPr lang="ko-KR" altLang="en-US" dirty="0"/>
-              <a:t>개 이상의 </a:t>
-            </a:r>
-            <a:endParaRPr lang="en-US" altLang="ko-KR" dirty="0"/>
-          </a:p>
-          <a:p>
-            <a:pPr algn="ctr"/>
-            <a:r>
-              <a:rPr lang="ko-KR" altLang="en-US" dirty="0"/>
-              <a:t>장소를 넣어주세요</a:t>
-            </a:r>
-            <a:r>
-              <a:rPr lang="en-US" altLang="ko-KR" dirty="0"/>
-              <a:t>!</a:t>
-            </a:r>
-            <a:endParaRPr lang="ko-KR" altLang="en-US" dirty="0"/>
-          </a:p>
-        </p:txBody>
-      </p:sp>
-      <p:sp>
-        <p:nvSpPr>
-          <p:cNvPr id="48" name="사각형: 둥근 모서리 47">
-            <a:extLst>
-              <a:ext uri="{FF2B5EF4-FFF2-40B4-BE49-F238E27FC236}">
-                <a16:creationId xmlns:a16="http://schemas.microsoft.com/office/drawing/2014/main" id="{DD2D7D06-77D1-4D62-A863-FEAB149D35B2}"/>
-              </a:ext>
-            </a:extLst>
-          </p:cNvPr>
-          <p:cNvSpPr/>
-          <p:nvPr/>
-        </p:nvSpPr>
-        <p:spPr>
-          <a:xfrm>
-            <a:off x="5731486" y="4314754"/>
-            <a:ext cx="945037" cy="420708"/>
-          </a:xfrm>
-          <a:prstGeom prst="roundRect">
-            <a:avLst/>
-          </a:prstGeom>
-          <a:solidFill>
-            <a:schemeClr val="accent1">
-              <a:lumMod val="75000"/>
-            </a:schemeClr>
-          </a:solidFill>
-        </p:spPr>
-        <p:style>
-          <a:lnRef idx="2">
-            <a:schemeClr val="accent1">
-              <a:shade val="50000"/>
-            </a:schemeClr>
-          </a:lnRef>
-          <a:fillRef idx="1">
-            <a:schemeClr val="accent1"/>
-          </a:fillRef>
-          <a:effectRef idx="0">
-            <a:schemeClr val="accent1"/>
-          </a:effectRef>
-          <a:fontRef idx="minor">
-            <a:schemeClr val="lt1"/>
-          </a:fontRef>
-        </p:style>
-        <p:txBody>
-          <a:bodyPr rtlCol="0" anchor="ctr"/>
-          <a:lstStyle/>
-          <a:p>
-            <a:pPr algn="ctr"/>
-            <a:r>
-              <a:rPr lang="ko-KR" altLang="en-US" sz="1400" dirty="0">
-                <a:latin typeface="HY견고딕" panose="02030600000101010101" pitchFamily="18" charset="-127"/>
-                <a:ea typeface="HY견고딕" panose="02030600000101010101" pitchFamily="18" charset="-127"/>
-              </a:rPr>
-              <a:t>확인</a:t>
-            </a:r>
-          </a:p>
-        </p:txBody>
-      </p:sp>
     </p:spTree>
     <p:extLst>
       <p:ext uri="{BB962C8B-B14F-4D97-AF65-F5344CB8AC3E}">
-        <p14:creationId xmlns:p14="http://schemas.microsoft.com/office/powerpoint/2010/main" val="755778431"/>
+        <p14:creationId xmlns:p14="http://schemas.microsoft.com/office/powerpoint/2010/main" val="1205398800"/>
       </p:ext>
     </p:extLst>
   </p:cSld>
@@ -26663,7 +31379,7 @@
           <p:cNvPr id="15" name="직사각형 14">
             <a:extLst>
               <a:ext uri="{FF2B5EF4-FFF2-40B4-BE49-F238E27FC236}">
-                <a16:creationId xmlns:a16="http://schemas.microsoft.com/office/drawing/2014/main" id="{CAD8F1CA-E149-4B23-B328-B6AF097EEF30}"/>
+                <a16:creationId xmlns:a16="http://schemas.microsoft.com/office/drawing/2014/main" id="{B4DAFD5C-60F4-463C-A772-631D2D3AE048}"/>
               </a:ext>
             </a:extLst>
           </p:cNvPr>
@@ -26672,8 +31388,8 @@
         </p:nvSpPr>
         <p:spPr>
           <a:xfrm>
-            <a:off x="4310958" y="2397800"/>
-            <a:ext cx="3710238" cy="2439387"/>
+            <a:off x="3430500" y="1158867"/>
+            <a:ext cx="5670828" cy="5079563"/>
           </a:xfrm>
           <a:prstGeom prst="rect">
             <a:avLst/>
@@ -26707,48 +31423,48 @@
           </a:p>
         </p:txBody>
       </p:sp>
-      <p:cxnSp>
-        <p:nvCxnSpPr>
-          <p:cNvPr id="25" name="직선 연결선 24">
-            <a:extLst>
-              <a:ext uri="{FF2B5EF4-FFF2-40B4-BE49-F238E27FC236}">
-                <a16:creationId xmlns:a16="http://schemas.microsoft.com/office/drawing/2014/main" id="{CB413C84-6778-4DC2-86E5-9E97E1A67CD3}"/>
-              </a:ext>
-            </a:extLst>
-          </p:cNvPr>
-          <p:cNvCxnSpPr/>
-          <p:nvPr/>
-        </p:nvCxnSpPr>
-        <p:spPr>
-          <a:xfrm>
-            <a:off x="4487758" y="2911927"/>
-            <a:ext cx="3382919" cy="0"/>
-          </a:xfrm>
-          <a:prstGeom prst="line">
-            <a:avLst/>
-          </a:prstGeom>
-        </p:spPr>
-        <p:style>
-          <a:lnRef idx="1">
-            <a:schemeClr val="accent1"/>
-          </a:lnRef>
-          <a:fillRef idx="0">
-            <a:schemeClr val="accent1"/>
-          </a:fillRef>
-          <a:effectRef idx="0">
-            <a:schemeClr val="accent1"/>
-          </a:effectRef>
-          <a:fontRef idx="minor">
-            <a:schemeClr val="tx1"/>
-          </a:fontRef>
-        </p:style>
-      </p:cxnSp>
+      <p:pic>
+        <p:nvPicPr>
+          <p:cNvPr id="25" name="그림 24">
+            <a:extLst>
+              <a:ext uri="{FF2B5EF4-FFF2-40B4-BE49-F238E27FC236}">
+                <a16:creationId xmlns:a16="http://schemas.microsoft.com/office/drawing/2014/main" id="{587558EB-BC9D-4854-B76A-D3448AE92148}"/>
+              </a:ext>
+            </a:extLst>
+          </p:cNvPr>
+          <p:cNvPicPr>
+            <a:picLocks noChangeAspect="1"/>
+          </p:cNvPicPr>
+          <p:nvPr/>
+        </p:nvPicPr>
+        <p:blipFill>
+          <a:blip r:embed="rId6">
+            <a:extLst>
+              <a:ext uri="{28A0092B-C50C-407E-A947-70E740481C1C}">
+                <a14:useLocalDpi xmlns:a14="http://schemas.microsoft.com/office/drawing/2010/main" val="0"/>
+              </a:ext>
+            </a:extLst>
+          </a:blip>
+          <a:stretch>
+            <a:fillRect/>
+          </a:stretch>
+        </p:blipFill>
+        <p:spPr>
+          <a:xfrm>
+            <a:off x="3425984" y="1166868"/>
+            <a:ext cx="5679238" cy="2172284"/>
+          </a:xfrm>
+          <a:prstGeom prst="rect">
+            <a:avLst/>
+          </a:prstGeom>
+        </p:spPr>
+      </p:pic>
       <p:sp>
         <p:nvSpPr>
           <p:cNvPr id="26" name="TextBox 25">
             <a:extLst>
               <a:ext uri="{FF2B5EF4-FFF2-40B4-BE49-F238E27FC236}">
-                <a16:creationId xmlns:a16="http://schemas.microsoft.com/office/drawing/2014/main" id="{8998B65F-62AC-49EE-B052-2FCD13C90CB7}"/>
+                <a16:creationId xmlns:a16="http://schemas.microsoft.com/office/drawing/2014/main" id="{C28E766A-9FDF-465B-A10B-0E2BDF0BDB24}"/>
               </a:ext>
             </a:extLst>
           </p:cNvPr>
@@ -26757,8 +31473,8 @@
         </p:nvSpPr>
         <p:spPr>
           <a:xfrm>
-            <a:off x="5809333" y="2502454"/>
-            <a:ext cx="646331" cy="369332"/>
+            <a:off x="5328498" y="3405498"/>
+            <a:ext cx="1800493" cy="369332"/>
           </a:xfrm>
           <a:prstGeom prst="rect">
             <a:avLst/>
@@ -26773,58 +31489,138 @@
           <a:p>
             <a:r>
               <a:rPr lang="ko-KR" altLang="en-US" dirty="0"/>
-              <a:t>경고</a:t>
-            </a:r>
-          </a:p>
-        </p:txBody>
-      </p:sp>
-      <p:sp>
-        <p:nvSpPr>
-          <p:cNvPr id="28" name="TextBox 27">
-            <a:extLst>
-              <a:ext uri="{FF2B5EF4-FFF2-40B4-BE49-F238E27FC236}">
-                <a16:creationId xmlns:a16="http://schemas.microsoft.com/office/drawing/2014/main" id="{428F1A31-5108-4B16-90EC-80F6258FEFC7}"/>
-              </a:ext>
-            </a:extLst>
-          </p:cNvPr>
-          <p:cNvSpPr txBox="1"/>
-          <p:nvPr/>
-        </p:nvSpPr>
-        <p:spPr>
-          <a:xfrm>
-            <a:off x="4487757" y="3339285"/>
-            <a:ext cx="3297461" cy="369332"/>
-          </a:xfrm>
-          <a:prstGeom prst="rect">
-            <a:avLst/>
-          </a:prstGeom>
-          <a:noFill/>
-        </p:spPr>
-        <p:txBody>
-          <a:bodyPr wrap="square" rtlCol="0">
-            <a:spAutoFit/>
-          </a:bodyPr>
+              <a:t>대우능력개발원</a:t>
+            </a:r>
+          </a:p>
+        </p:txBody>
+      </p:sp>
+      <p:pic>
+        <p:nvPicPr>
+          <p:cNvPr id="29" name="그림 28">
+            <a:extLst>
+              <a:ext uri="{FF2B5EF4-FFF2-40B4-BE49-F238E27FC236}">
+                <a16:creationId xmlns:a16="http://schemas.microsoft.com/office/drawing/2014/main" id="{910CDB6C-9C03-4374-B32A-7B7CDD90FAA9}"/>
+              </a:ext>
+            </a:extLst>
+          </p:cNvPr>
+          <p:cNvPicPr>
+            <a:picLocks noChangeAspect="1"/>
+          </p:cNvPicPr>
+          <p:nvPr/>
+        </p:nvPicPr>
+        <p:blipFill>
+          <a:blip r:embed="rId7">
+            <a:extLst>
+              <a:ext uri="{28A0092B-C50C-407E-A947-70E740481C1C}">
+                <a14:useLocalDpi xmlns:a14="http://schemas.microsoft.com/office/drawing/2010/main" val="0"/>
+              </a:ext>
+            </a:extLst>
+          </a:blip>
+          <a:stretch>
+            <a:fillRect/>
+          </a:stretch>
+        </p:blipFill>
+        <p:spPr>
+          <a:xfrm>
+            <a:off x="5585717" y="3770414"/>
+            <a:ext cx="1286054" cy="381053"/>
+          </a:xfrm>
+          <a:prstGeom prst="rect">
+            <a:avLst/>
+          </a:prstGeom>
+        </p:spPr>
+      </p:pic>
+      <p:pic>
+        <p:nvPicPr>
+          <p:cNvPr id="33" name="그림 32">
+            <a:extLst>
+              <a:ext uri="{FF2B5EF4-FFF2-40B4-BE49-F238E27FC236}">
+                <a16:creationId xmlns:a16="http://schemas.microsoft.com/office/drawing/2014/main" id="{74A044BB-61A8-4C67-997F-784E8AFECB0C}"/>
+              </a:ext>
+            </a:extLst>
+          </p:cNvPr>
+          <p:cNvPicPr>
+            <a:picLocks noChangeAspect="1"/>
+          </p:cNvPicPr>
+          <p:nvPr/>
+        </p:nvPicPr>
+        <p:blipFill>
+          <a:blip r:embed="rId8">
+            <a:extLst>
+              <a:ext uri="{28A0092B-C50C-407E-A947-70E740481C1C}">
+                <a14:useLocalDpi xmlns:a14="http://schemas.microsoft.com/office/drawing/2010/main" val="0"/>
+              </a:ext>
+            </a:extLst>
+          </a:blip>
+          <a:stretch>
+            <a:fillRect/>
+          </a:stretch>
+        </p:blipFill>
+        <p:spPr>
+          <a:xfrm>
+            <a:off x="4840263" y="4097564"/>
+            <a:ext cx="2738204" cy="1551386"/>
+          </a:xfrm>
+          <a:prstGeom prst="rect">
+            <a:avLst/>
+          </a:prstGeom>
+        </p:spPr>
+      </p:pic>
+      <p:sp>
+        <p:nvSpPr>
+          <p:cNvPr id="40" name="사각형: 둥근 모서리 39">
+            <a:extLst>
+              <a:ext uri="{FF2B5EF4-FFF2-40B4-BE49-F238E27FC236}">
+                <a16:creationId xmlns:a16="http://schemas.microsoft.com/office/drawing/2014/main" id="{C5C907F6-BE2E-4E2C-B487-BC9EB57A5711}"/>
+              </a:ext>
+            </a:extLst>
+          </p:cNvPr>
+          <p:cNvSpPr/>
+          <p:nvPr/>
+        </p:nvSpPr>
+        <p:spPr>
+          <a:xfrm>
+            <a:off x="4805770" y="5812971"/>
+            <a:ext cx="1107920" cy="365638"/>
+          </a:xfrm>
+          <a:prstGeom prst="roundRect">
+            <a:avLst/>
+          </a:prstGeom>
+        </p:spPr>
+        <p:style>
+          <a:lnRef idx="2">
+            <a:schemeClr val="accent1">
+              <a:shade val="50000"/>
+            </a:schemeClr>
+          </a:lnRef>
+          <a:fillRef idx="1">
+            <a:schemeClr val="accent1"/>
+          </a:fillRef>
+          <a:effectRef idx="0">
+            <a:schemeClr val="accent1"/>
+          </a:effectRef>
+          <a:fontRef idx="minor">
+            <a:schemeClr val="lt1"/>
+          </a:fontRef>
+        </p:style>
+        <p:txBody>
+          <a:bodyPr rtlCol="0" anchor="ctr"/>
           <a:lstStyle/>
           <a:p>
             <a:pPr algn="ctr"/>
             <a:r>
-              <a:rPr lang="ko-KR" altLang="en-US" dirty="0"/>
-              <a:t>시간을 선택해주세요</a:t>
-            </a:r>
-            <a:r>
-              <a:rPr lang="en-US" altLang="ko-KR" dirty="0"/>
-              <a:t>!</a:t>
-            </a:r>
-            <a:endParaRPr lang="ko-KR" altLang="en-US" dirty="0"/>
-          </a:p>
-        </p:txBody>
-      </p:sp>
-      <p:sp>
-        <p:nvSpPr>
-          <p:cNvPr id="48" name="사각형: 둥근 모서리 47">
-            <a:extLst>
-              <a:ext uri="{FF2B5EF4-FFF2-40B4-BE49-F238E27FC236}">
-                <a16:creationId xmlns:a16="http://schemas.microsoft.com/office/drawing/2014/main" id="{0B5D7F7B-6349-4915-AA0D-3650F75462FD}"/>
+              <a:rPr lang="ko-KR" altLang="en-US" sz="1400" dirty="0"/>
+              <a:t>추 가</a:t>
+            </a:r>
+          </a:p>
+        </p:txBody>
+      </p:sp>
+      <p:sp>
+        <p:nvSpPr>
+          <p:cNvPr id="51" name="사각형: 둥근 모서리 50">
+            <a:extLst>
+              <a:ext uri="{FF2B5EF4-FFF2-40B4-BE49-F238E27FC236}">
+                <a16:creationId xmlns:a16="http://schemas.microsoft.com/office/drawing/2014/main" id="{E9A57F76-C2FC-4ED9-AE08-ADFAD9CF0CB2}"/>
               </a:ext>
             </a:extLst>
           </p:cNvPr>
@@ -26833,16 +31629,14 @@
         </p:nvSpPr>
         <p:spPr>
           <a:xfrm>
-            <a:off x="5673608" y="4290495"/>
-            <a:ext cx="945037" cy="420708"/>
+            <a:off x="6480900" y="5812145"/>
+            <a:ext cx="1107920" cy="365638"/>
           </a:xfrm>
           <a:prstGeom prst="roundRect">
             <a:avLst/>
           </a:prstGeom>
           <a:solidFill>
-            <a:schemeClr val="accent1">
-              <a:lumMod val="75000"/>
-            </a:schemeClr>
+            <a:schemeClr val="bg1"/>
           </a:solidFill>
         </p:spPr>
         <p:style>
@@ -26868,10 +31662,11 @@
             <a:pPr algn="ctr"/>
             <a:r>
               <a:rPr lang="ko-KR" altLang="en-US" sz="1400" dirty="0">
-                <a:latin typeface="HY견고딕" panose="02030600000101010101" pitchFamily="18" charset="-127"/>
-                <a:ea typeface="HY견고딕" panose="02030600000101010101" pitchFamily="18" charset="-127"/>
+                <a:solidFill>
+                  <a:schemeClr val="tx1"/>
+                </a:solidFill>
               </a:rPr>
-              <a:t>확인</a:t>
+              <a:t>취 소</a:t>
             </a:r>
           </a:p>
         </p:txBody>
@@ -26879,7 +31674,7 @@
     </p:spTree>
     <p:extLst>
       <p:ext uri="{BB962C8B-B14F-4D97-AF65-F5344CB8AC3E}">
-        <p14:creationId xmlns:p14="http://schemas.microsoft.com/office/powerpoint/2010/main" val="306706427"/>
+        <p14:creationId xmlns:p14="http://schemas.microsoft.com/office/powerpoint/2010/main" val="1005727395"/>
       </p:ext>
     </p:extLst>
   </p:cSld>
